--- a/presentation_program.pptx
+++ b/presentation_program.pptx
@@ -5,20 +5,19 @@
     <p:sldMasterId id="2147483648" r:id="rId1"/>
   </p:sldMasterIdLst>
   <p:notesMasterIdLst>
-    <p:notesMasterId r:id="rId11"/>
+    <p:notesMasterId r:id="rId10"/>
   </p:notesMasterIdLst>
   <p:handoutMasterIdLst>
-    <p:handoutMasterId r:id="rId12"/>
+    <p:handoutMasterId r:id="rId11"/>
   </p:handoutMasterIdLst>
   <p:sldIdLst>
     <p:sldId id="256" r:id="rId3"/>
     <p:sldId id="257" r:id="rId4"/>
     <p:sldId id="258" r:id="rId5"/>
     <p:sldId id="259" r:id="rId6"/>
-    <p:sldId id="263" r:id="rId7"/>
-    <p:sldId id="260" r:id="rId8"/>
-    <p:sldId id="261" r:id="rId9"/>
-    <p:sldId id="262" r:id="rId10"/>
+    <p:sldId id="260" r:id="rId7"/>
+    <p:sldId id="261" r:id="rId8"/>
+    <p:sldId id="262" r:id="rId9"/>
   </p:sldIdLst>
   <p:sldSz cx="12192000" cy="6858000"/>
   <p:notesSz cx="7103745" cy="10234295"/>
@@ -626,16 +625,8 @@
 </file>
 
 <file path=ppt/slideLayouts/slideLayout1.xml><?xml version="1.0" encoding="utf-8"?>
-<p:sldLayout xmlns:a="http://schemas.openxmlformats.org/drawingml/2006/main" xmlns:r="http://schemas.openxmlformats.org/officeDocument/2006/relationships" xmlns:p="http://schemas.openxmlformats.org/presentationml/2006/main" type="title" preserve="1" showMasterSp="0">
-  <p:cSld name="Title Slide">
-    <p:bg>
-      <p:bgPr>
-        <a:solidFill>
-          <a:schemeClr val="bg1"/>
-        </a:solidFill>
-        <a:effectLst/>
-      </p:bgPr>
-    </p:bg>
+<p:sldLayout xmlns:a="http://schemas.openxmlformats.org/drawingml/2006/main" xmlns:r="http://schemas.openxmlformats.org/officeDocument/2006/relationships" xmlns:p="http://schemas.openxmlformats.org/presentationml/2006/main" type="title" preserve="1">
+  <p:cSld name="Титульный слайд">
     <p:spTree>
       <p:nvGrpSpPr>
         <p:cNvPr id="1" name=""/>
@@ -650,40 +641,11 @@
           <a:chExt cx="0" cy="0"/>
         </a:xfrm>
       </p:grpSpPr>
-      <p:pic>
-        <p:nvPicPr>
-          <p:cNvPr id="2050" name="Picture 2"/>
-          <p:cNvPicPr>
-            <a:picLocks noChangeAspect="1"/>
-          </p:cNvPicPr>
-          <p:nvPr/>
-        </p:nvPicPr>
-        <p:blipFill>
-          <a:blip r:embed="rId2"/>
-          <a:srcRect b="3795"/>
-          <a:stretch>
-            <a:fillRect/>
-          </a:stretch>
-        </p:blipFill>
-        <p:spPr>
-          <a:xfrm>
-            <a:off x="0" y="260350"/>
-            <a:ext cx="12192000" cy="6597650"/>
-          </a:xfrm>
-          <a:prstGeom prst="rect">
-            <a:avLst/>
-          </a:prstGeom>
-          <a:noFill/>
-          <a:ln w="9525">
-            <a:noFill/>
-          </a:ln>
-        </p:spPr>
-      </p:pic>
-      <p:sp>
-        <p:nvSpPr>
-          <p:cNvPr id="2051" name="Rectangle 3"/>
+      <p:sp>
+        <p:nvSpPr>
+          <p:cNvPr id="2" name="Заголовок 1"/>
           <p:cNvSpPr>
-            <a:spLocks noGrp="1" noChangeArrowheads="1"/>
+            <a:spLocks noGrp="1"/>
           </p:cNvSpPr>
           <p:nvPr>
             <p:ph type="ctrTitle"/>
@@ -691,32 +653,31 @@
         </p:nvSpPr>
         <p:spPr>
           <a:xfrm>
-            <a:off x="624417" y="620713"/>
-            <a:ext cx="10943167" cy="1082675"/>
+            <a:off x="1524000" y="1122363"/>
+            <a:ext cx="9144000" cy="2387600"/>
           </a:xfrm>
         </p:spPr>
         <p:txBody>
-          <a:bodyPr/>
+          <a:bodyPr anchor="b"/>
           <a:lstStyle>
-            <a:lvl1pPr>
-              <a:defRPr/>
+            <a:lvl1pPr algn="ctr">
+              <a:defRPr sz="4500"/>
             </a:lvl1pPr>
           </a:lstStyle>
           <a:p>
-            <a:pPr lvl="0"/>
-            <a:r>
-              <a:rPr lang="en-US" altLang="zh-CN" noProof="0" smtClean="0"/>
-              <a:t>Click to edit Master title style</a:t>
-            </a:r>
-            <a:endParaRPr lang="en-US" altLang="zh-CN" noProof="0" smtClean="0"/>
-          </a:p>
-        </p:txBody>
-      </p:sp>
-      <p:sp>
-        <p:nvSpPr>
-          <p:cNvPr id="2052" name="Rectangle 4"/>
+            <a:r>
+              <a:rPr lang="ru-RU" smtClean="0"/>
+              <a:t>Образец заголовка</a:t>
+            </a:r>
+            <a:endParaRPr lang="ru-RU"/>
+          </a:p>
+        </p:txBody>
+      </p:sp>
+      <p:sp>
+        <p:nvSpPr>
+          <p:cNvPr id="3" name="Подзаголовок 2"/>
           <p:cNvSpPr>
-            <a:spLocks noGrp="1" noChangeArrowheads="1"/>
+            <a:spLocks noGrp="1"/>
           </p:cNvSpPr>
           <p:nvPr>
             <p:ph type="subTitle" idx="1"/>
@@ -724,84 +685,73 @@
         </p:nvSpPr>
         <p:spPr>
           <a:xfrm>
-            <a:off x="626533" y="1843088"/>
-            <a:ext cx="10949517" cy="981075"/>
+            <a:off x="1524000" y="3602038"/>
+            <a:ext cx="9144000" cy="1655762"/>
           </a:xfrm>
         </p:spPr>
         <p:txBody>
           <a:bodyPr/>
           <a:lstStyle>
-            <a:lvl1pPr marL="0" indent="0">
-              <a:buFontTx/>
-              <a:buNone/>
-              <a:defRPr/>
+            <a:lvl1pPr marL="0" indent="0" algn="ctr">
+              <a:buNone/>
+              <a:defRPr sz="1800"/>
             </a:lvl1pPr>
+            <a:lvl2pPr marL="342900" indent="0" algn="ctr">
+              <a:buNone/>
+              <a:defRPr sz="1500"/>
+            </a:lvl2pPr>
+            <a:lvl3pPr marL="685800" indent="0" algn="ctr">
+              <a:buNone/>
+              <a:defRPr sz="1350"/>
+            </a:lvl3pPr>
+            <a:lvl4pPr marL="1028700" indent="0" algn="ctr">
+              <a:buNone/>
+              <a:defRPr sz="1200"/>
+            </a:lvl4pPr>
+            <a:lvl5pPr marL="1371600" indent="0" algn="ctr">
+              <a:buNone/>
+              <a:defRPr sz="1200"/>
+            </a:lvl5pPr>
+            <a:lvl6pPr marL="1714500" indent="0" algn="ctr">
+              <a:buNone/>
+              <a:defRPr sz="1200"/>
+            </a:lvl6pPr>
+            <a:lvl7pPr marL="2057400" indent="0" algn="ctr">
+              <a:buNone/>
+              <a:defRPr sz="1200"/>
+            </a:lvl7pPr>
+            <a:lvl8pPr marL="2400300" indent="0" algn="ctr">
+              <a:buNone/>
+              <a:defRPr sz="1200"/>
+            </a:lvl8pPr>
+            <a:lvl9pPr marL="2743200" indent="0" algn="ctr">
+              <a:buNone/>
+              <a:defRPr sz="1200"/>
+            </a:lvl9pPr>
           </a:lstStyle>
           <a:p>
-            <a:pPr lvl="0"/>
-            <a:r>
-              <a:rPr lang="en-US" altLang="zh-CN" noProof="0" smtClean="0"/>
-              <a:t>Click to edit Master subtitle style</a:t>
-            </a:r>
-            <a:endParaRPr lang="en-US" altLang="zh-CN" noProof="0" smtClean="0"/>
-          </a:p>
-        </p:txBody>
-      </p:sp>
-      <p:sp>
-        <p:nvSpPr>
-          <p:cNvPr id="9" name="Rectangle 5"/>
+            <a:r>
+              <a:rPr lang="ru-RU" smtClean="0"/>
+              <a:t>Образец подзаголовка</a:t>
+            </a:r>
+            <a:endParaRPr lang="ru-RU"/>
+          </a:p>
+        </p:txBody>
+      </p:sp>
+      <p:sp>
+        <p:nvSpPr>
+          <p:cNvPr id="4" name="Дата 3"/>
           <p:cNvSpPr>
-            <a:spLocks noGrp="1" noChangeArrowheads="1"/>
+            <a:spLocks noGrp="1"/>
           </p:cNvSpPr>
           <p:nvPr>
-            <p:ph type="dt" sz="half" idx="2"/>
+            <p:ph type="dt" sz="half" idx="10"/>
           </p:nvPr>
         </p:nvSpPr>
-        <p:spPr bwMode="auto">
-          <a:xfrm>
-            <a:off x="609600" y="6245225"/>
-            <a:ext cx="2844800" cy="476250"/>
-          </a:xfrm>
-          <a:prstGeom prst="rect">
-            <a:avLst/>
-          </a:prstGeom>
-          <a:noFill/>
-          <a:extLst>
-            <a:ext uri="{909E8E84-426E-40DD-AFC4-6F175D3DCCD1}">
-              <a14:hiddenFill xmlns:a14="http://schemas.microsoft.com/office/drawing/2010/main">
-                <a:solidFill>
-                  <a:schemeClr val="accent1"/>
-                </a:solidFill>
-              </a14:hiddenFill>
-            </a:ext>
-            <a:ext uri="{91240B29-F687-4F45-9708-019B960494DF}">
-              <a14:hiddenLine xmlns:a14="http://schemas.microsoft.com/office/drawing/2010/main" w="9525">
-                <a:solidFill>
-                  <a:srgbClr val="000000"/>
-                </a:solidFill>
-                <a:miter lim="800000"/>
-                <a:headEnd/>
-                <a:tailEnd/>
-              </a14:hiddenLine>
-            </a:ext>
-            <a:ext uri="{AF507438-7753-43E0-B8FC-AC1667EBCBE1}">
-              <a14:hiddenEffects xmlns:a14="http://schemas.microsoft.com/office/drawing/2010/main">
-                <a:effectLst>
-                  <a:outerShdw dist="35921" dir="2700000" algn="ctr" rotWithShape="0">
-                    <a:schemeClr val="bg2"/>
-                  </a:outerShdw>
-                </a:effectLst>
-              </a14:hiddenEffects>
-            </a:ext>
-          </a:extLst>
-        </p:spPr>
-        <p:txBody>
-          <a:bodyPr vert="horz" wrap="square" lIns="91440" tIns="45720" rIns="91440" bIns="45720" numCol="1" anchor="t" anchorCtr="0" compatLnSpc="1"/>
-          <a:lstStyle>
-            <a:lvl1pPr>
-              <a:defRPr/>
-            </a:lvl1pPr>
-          </a:lstStyle>
+        <p:spPr/>
+        <p:txBody>
+          <a:bodyPr/>
+          <a:lstStyle/>
           <a:p>
             <a:fld id="{760FBDFE-C587-4B4C-A407-44438C67B59E}" type="datetimeFigureOut">
               <a:rPr lang="en-US" smtClean="0"/>
@@ -812,59 +762,18 @@
       </p:sp>
       <p:sp>
         <p:nvSpPr>
-          <p:cNvPr id="10" name="Rectangle 6"/>
+          <p:cNvPr id="5" name="Нижний колонтитул 4"/>
           <p:cNvSpPr>
-            <a:spLocks noGrp="1" noChangeArrowheads="1"/>
+            <a:spLocks noGrp="1"/>
           </p:cNvSpPr>
           <p:nvPr>
-            <p:ph type="ftr" sz="quarter" idx="3"/>
+            <p:ph type="ftr" sz="quarter" idx="11"/>
           </p:nvPr>
         </p:nvSpPr>
-        <p:spPr bwMode="auto">
-          <a:xfrm>
-            <a:off x="4165600" y="6245225"/>
-            <a:ext cx="3860800" cy="476250"/>
-          </a:xfrm>
-          <a:prstGeom prst="rect">
-            <a:avLst/>
-          </a:prstGeom>
-          <a:noFill/>
-          <a:extLst>
-            <a:ext uri="{909E8E84-426E-40DD-AFC4-6F175D3DCCD1}">
-              <a14:hiddenFill xmlns:a14="http://schemas.microsoft.com/office/drawing/2010/main">
-                <a:solidFill>
-                  <a:schemeClr val="accent1"/>
-                </a:solidFill>
-              </a14:hiddenFill>
-            </a:ext>
-            <a:ext uri="{91240B29-F687-4F45-9708-019B960494DF}">
-              <a14:hiddenLine xmlns:a14="http://schemas.microsoft.com/office/drawing/2010/main" w="9525">
-                <a:solidFill>
-                  <a:srgbClr val="000000"/>
-                </a:solidFill>
-                <a:miter lim="800000"/>
-                <a:headEnd/>
-                <a:tailEnd/>
-              </a14:hiddenLine>
-            </a:ext>
-            <a:ext uri="{AF507438-7753-43E0-B8FC-AC1667EBCBE1}">
-              <a14:hiddenEffects xmlns:a14="http://schemas.microsoft.com/office/drawing/2010/main">
-                <a:effectLst>
-                  <a:outerShdw dist="35921" dir="2700000" algn="ctr" rotWithShape="0">
-                    <a:schemeClr val="bg2"/>
-                  </a:outerShdw>
-                </a:effectLst>
-              </a14:hiddenEffects>
-            </a:ext>
-          </a:extLst>
-        </p:spPr>
-        <p:txBody>
-          <a:bodyPr vert="horz" wrap="square" lIns="91440" tIns="45720" rIns="91440" bIns="45720" numCol="1" anchor="t" anchorCtr="0" compatLnSpc="1"/>
-          <a:lstStyle>
-            <a:lvl1pPr>
-              <a:defRPr/>
-            </a:lvl1pPr>
-          </a:lstStyle>
+        <p:spPr/>
+        <p:txBody>
+          <a:bodyPr/>
+          <a:lstStyle/>
           <a:p>
             <a:endParaRPr lang="en-US"/>
           </a:p>
@@ -872,59 +781,18 @@
       </p:sp>
       <p:sp>
         <p:nvSpPr>
-          <p:cNvPr id="11" name="Rectangle 7"/>
+          <p:cNvPr id="6" name="Номер слайда 5"/>
           <p:cNvSpPr>
-            <a:spLocks noGrp="1" noChangeArrowheads="1"/>
+            <a:spLocks noGrp="1"/>
           </p:cNvSpPr>
           <p:nvPr>
-            <p:ph type="sldNum" sz="quarter" idx="4"/>
+            <p:ph type="sldNum" sz="quarter" idx="12"/>
           </p:nvPr>
         </p:nvSpPr>
-        <p:spPr bwMode="auto">
-          <a:xfrm>
-            <a:off x="8737600" y="6245225"/>
-            <a:ext cx="2844800" cy="476250"/>
-          </a:xfrm>
-          <a:prstGeom prst="rect">
-            <a:avLst/>
-          </a:prstGeom>
-          <a:noFill/>
-          <a:extLst>
-            <a:ext uri="{909E8E84-426E-40DD-AFC4-6F175D3DCCD1}">
-              <a14:hiddenFill xmlns:a14="http://schemas.microsoft.com/office/drawing/2010/main">
-                <a:solidFill>
-                  <a:schemeClr val="accent1"/>
-                </a:solidFill>
-              </a14:hiddenFill>
-            </a:ext>
-            <a:ext uri="{91240B29-F687-4F45-9708-019B960494DF}">
-              <a14:hiddenLine xmlns:a14="http://schemas.microsoft.com/office/drawing/2010/main" w="9525">
-                <a:solidFill>
-                  <a:srgbClr val="000000"/>
-                </a:solidFill>
-                <a:miter lim="800000"/>
-                <a:headEnd/>
-                <a:tailEnd/>
-              </a14:hiddenLine>
-            </a:ext>
-            <a:ext uri="{AF507438-7753-43E0-B8FC-AC1667EBCBE1}">
-              <a14:hiddenEffects xmlns:a14="http://schemas.microsoft.com/office/drawing/2010/main">
-                <a:effectLst>
-                  <a:outerShdw dist="35921" dir="2700000" algn="ctr" rotWithShape="0">
-                    <a:schemeClr val="bg2"/>
-                  </a:outerShdw>
-                </a:effectLst>
-              </a14:hiddenEffects>
-            </a:ext>
-          </a:extLst>
-        </p:spPr>
-        <p:txBody>
-          <a:bodyPr vert="horz" wrap="square" lIns="91440" tIns="45720" rIns="91440" bIns="45720" numCol="1" anchor="t" anchorCtr="0" compatLnSpc="1"/>
-          <a:lstStyle>
-            <a:lvl1pPr>
-              <a:defRPr/>
-            </a:lvl1pPr>
-          </a:lstStyle>
+        <p:spPr/>
+        <p:txBody>
+          <a:bodyPr/>
+          <a:lstStyle/>
           <a:p>
             <a:fld id="{49AE70B2-8BF9-45C0-BB95-33D1B9D3A854}" type="slidenum">
               <a:rPr lang="en-US" smtClean="0"/>
@@ -944,7 +812,7 @@
 
 <file path=ppt/slideLayouts/slideLayout10.xml><?xml version="1.0" encoding="utf-8"?>
 <p:sldLayout xmlns:a="http://schemas.openxmlformats.org/drawingml/2006/main" xmlns:r="http://schemas.openxmlformats.org/officeDocument/2006/relationships" xmlns:p="http://schemas.openxmlformats.org/presentationml/2006/main" type="vertTx" preserve="1">
-  <p:cSld name="Title and Vertical Text">
+  <p:cSld name="Заголовок и вертикальный текст">
     <p:spTree>
       <p:nvGrpSpPr>
         <p:cNvPr id="1" name=""/>
@@ -961,7 +829,7 @@
       </p:grpSpPr>
       <p:sp>
         <p:nvSpPr>
-          <p:cNvPr id="2" name="Title 1"/>
+          <p:cNvPr id="2" name="Заголовок 1"/>
           <p:cNvSpPr>
             <a:spLocks noGrp="1"/>
           </p:cNvSpPr>
@@ -975,16 +843,16 @@
           <a:lstStyle/>
           <a:p>
             <a:r>
-              <a:rPr lang="en-US" smtClean="0"/>
-              <a:t>Click to edit Master title style</a:t>
-            </a:r>
-            <a:endParaRPr lang="en-US"/>
-          </a:p>
-        </p:txBody>
-      </p:sp>
-      <p:sp>
-        <p:nvSpPr>
-          <p:cNvPr id="3" name="Vertical Text Placeholder 2"/>
+              <a:rPr lang="ru-RU" smtClean="0"/>
+              <a:t>Образец заголовка</a:t>
+            </a:r>
+            <a:endParaRPr lang="ru-RU"/>
+          </a:p>
+        </p:txBody>
+      </p:sp>
+      <p:sp>
+        <p:nvSpPr>
+          <p:cNvPr id="3" name="Вертикальный текст 2"/>
           <p:cNvSpPr>
             <a:spLocks noGrp="1"/>
           </p:cNvSpPr>
@@ -999,48 +867,48 @@
           <a:p>
             <a:pPr lvl="0"/>
             <a:r>
-              <a:rPr lang="en-US" smtClean="0"/>
-              <a:t>Click to edit Master text styles</a:t>
-            </a:r>
-            <a:endParaRPr lang="en-US" smtClean="0"/>
+              <a:rPr lang="ru-RU" smtClean="0"/>
+              <a:t>Образец текста</a:t>
+            </a:r>
+            <a:endParaRPr lang="ru-RU" smtClean="0"/>
           </a:p>
           <a:p>
             <a:pPr lvl="1"/>
             <a:r>
-              <a:rPr lang="en-US" smtClean="0"/>
-              <a:t>Second level</a:t>
-            </a:r>
-            <a:endParaRPr lang="en-US" smtClean="0"/>
+              <a:rPr lang="ru-RU" smtClean="0"/>
+              <a:t>Второй уровень</a:t>
+            </a:r>
+            <a:endParaRPr lang="ru-RU" smtClean="0"/>
           </a:p>
           <a:p>
             <a:pPr lvl="2"/>
             <a:r>
-              <a:rPr lang="en-US" smtClean="0"/>
-              <a:t>Third level</a:t>
-            </a:r>
-            <a:endParaRPr lang="en-US" smtClean="0"/>
+              <a:rPr lang="ru-RU" smtClean="0"/>
+              <a:t>Третий уровень</a:t>
+            </a:r>
+            <a:endParaRPr lang="ru-RU" smtClean="0"/>
           </a:p>
           <a:p>
             <a:pPr lvl="3"/>
             <a:r>
-              <a:rPr lang="en-US" smtClean="0"/>
-              <a:t>Fourth level</a:t>
-            </a:r>
-            <a:endParaRPr lang="en-US" smtClean="0"/>
+              <a:rPr lang="ru-RU" smtClean="0"/>
+              <a:t>Четвертый уровень</a:t>
+            </a:r>
+            <a:endParaRPr lang="ru-RU" smtClean="0"/>
           </a:p>
           <a:p>
             <a:pPr lvl="4"/>
             <a:r>
-              <a:rPr lang="en-US" smtClean="0"/>
-              <a:t>Fifth level</a:t>
-            </a:r>
-            <a:endParaRPr lang="en-US"/>
-          </a:p>
-        </p:txBody>
-      </p:sp>
-      <p:sp>
-        <p:nvSpPr>
-          <p:cNvPr id="4" name="Замещающая дата 3"/>
+              <a:rPr lang="ru-RU" smtClean="0"/>
+              <a:t>Пятый уровень</a:t>
+            </a:r>
+            <a:endParaRPr lang="ru-RU"/>
+          </a:p>
+        </p:txBody>
+      </p:sp>
+      <p:sp>
+        <p:nvSpPr>
+          <p:cNvPr id="4" name="Дата 3"/>
           <p:cNvSpPr>
             <a:spLocks noGrp="1"/>
           </p:cNvSpPr>
@@ -1051,6 +919,7 @@
         <p:spPr/>
         <p:txBody>
           <a:bodyPr/>
+          <a:lstStyle/>
           <a:p>
             <a:pPr marL="0" marR="0" lvl="0" indent="0" algn="l" defTabSz="914400" rtl="0" eaLnBrk="1" fontAlgn="base" latinLnBrk="0" hangingPunct="1">
               <a:lnSpc>
@@ -1087,7 +956,7 @@
       </p:sp>
       <p:sp>
         <p:nvSpPr>
-          <p:cNvPr id="5" name="Замещающий нижний колонтитул 4"/>
+          <p:cNvPr id="5" name="Нижний колонтитул 4"/>
           <p:cNvSpPr>
             <a:spLocks noGrp="1"/>
           </p:cNvSpPr>
@@ -1098,6 +967,7 @@
         <p:spPr/>
         <p:txBody>
           <a:bodyPr/>
+          <a:lstStyle/>
           <a:p>
             <a:pPr marL="0" marR="0" lvl="0" indent="0" algn="ctr" defTabSz="914400" rtl="0" eaLnBrk="1" fontAlgn="base" latinLnBrk="0" hangingPunct="1">
               <a:lnSpc>
@@ -1134,7 +1004,7 @@
       </p:sp>
       <p:sp>
         <p:nvSpPr>
-          <p:cNvPr id="6" name="Замещающий номер слайда 5"/>
+          <p:cNvPr id="6" name="Номер слайда 5"/>
           <p:cNvSpPr>
             <a:spLocks noGrp="1"/>
           </p:cNvSpPr>
@@ -1145,6 +1015,7 @@
         <p:spPr/>
         <p:txBody>
           <a:bodyPr/>
+          <a:lstStyle/>
           <a:p>
             <a:pPr marL="0" marR="0" lvl="0" indent="0" algn="r" defTabSz="914400" rtl="0" eaLnBrk="1" fontAlgn="base" latinLnBrk="0" hangingPunct="1">
               <a:lnSpc>
@@ -1206,7 +1077,7 @@
 
 <file path=ppt/slideLayouts/slideLayout11.xml><?xml version="1.0" encoding="utf-8"?>
 <p:sldLayout xmlns:a="http://schemas.openxmlformats.org/drawingml/2006/main" xmlns:r="http://schemas.openxmlformats.org/officeDocument/2006/relationships" xmlns:p="http://schemas.openxmlformats.org/presentationml/2006/main" type="vertTitleAndTx" preserve="1">
-  <p:cSld name="Vertical Title and Text">
+  <p:cSld name="Вертикальный заголовок и текст">
     <p:spTree>
       <p:nvGrpSpPr>
         <p:cNvPr id="1" name=""/>
@@ -1223,7 +1094,7 @@
       </p:grpSpPr>
       <p:sp>
         <p:nvSpPr>
-          <p:cNvPr id="2" name="Vertical Title 1"/>
+          <p:cNvPr id="2" name="Вертикальный заголовок 1"/>
           <p:cNvSpPr>
             <a:spLocks noGrp="1"/>
           </p:cNvSpPr>
@@ -1233,8 +1104,8 @@
         </p:nvSpPr>
         <p:spPr>
           <a:xfrm>
-            <a:off x="8839200" y="190500"/>
-            <a:ext cx="2743200" cy="5937250"/>
+            <a:off x="8839200" y="274638"/>
+            <a:ext cx="2743200" cy="5851525"/>
           </a:xfrm>
         </p:spPr>
         <p:txBody>
@@ -1242,16 +1113,16 @@
           <a:lstStyle/>
           <a:p>
             <a:r>
-              <a:rPr lang="en-US" smtClean="0"/>
-              <a:t>Click to edit Master title style</a:t>
-            </a:r>
-            <a:endParaRPr lang="en-US"/>
-          </a:p>
-        </p:txBody>
-      </p:sp>
-      <p:sp>
-        <p:nvSpPr>
-          <p:cNvPr id="3" name="Vertical Text Placeholder 2"/>
+              <a:rPr lang="ru-RU" smtClean="0"/>
+              <a:t>Образец заголовка</a:t>
+            </a:r>
+            <a:endParaRPr lang="ru-RU"/>
+          </a:p>
+        </p:txBody>
+      </p:sp>
+      <p:sp>
+        <p:nvSpPr>
+          <p:cNvPr id="3" name="Вертикальный текст 2"/>
           <p:cNvSpPr>
             <a:spLocks noGrp="1"/>
           </p:cNvSpPr>
@@ -1261,8 +1132,8 @@
         </p:nvSpPr>
         <p:spPr>
           <a:xfrm>
-            <a:off x="609600" y="190500"/>
-            <a:ext cx="8026400" cy="5937250"/>
+            <a:off x="609600" y="274638"/>
+            <a:ext cx="8070573" cy="5851525"/>
           </a:xfrm>
         </p:spPr>
         <p:txBody>
@@ -1271,48 +1142,48 @@
           <a:p>
             <a:pPr lvl="0"/>
             <a:r>
-              <a:rPr lang="en-US" smtClean="0"/>
-              <a:t>Click to edit Master text styles</a:t>
-            </a:r>
-            <a:endParaRPr lang="en-US" smtClean="0"/>
+              <a:rPr lang="ru-RU" smtClean="0"/>
+              <a:t>Образец текста</a:t>
+            </a:r>
+            <a:endParaRPr lang="ru-RU" smtClean="0"/>
           </a:p>
           <a:p>
             <a:pPr lvl="1"/>
             <a:r>
-              <a:rPr lang="en-US" smtClean="0"/>
-              <a:t>Second level</a:t>
-            </a:r>
-            <a:endParaRPr lang="en-US" smtClean="0"/>
+              <a:rPr lang="ru-RU" smtClean="0"/>
+              <a:t>Второй уровень</a:t>
+            </a:r>
+            <a:endParaRPr lang="ru-RU" smtClean="0"/>
           </a:p>
           <a:p>
             <a:pPr lvl="2"/>
             <a:r>
-              <a:rPr lang="en-US" smtClean="0"/>
-              <a:t>Third level</a:t>
-            </a:r>
-            <a:endParaRPr lang="en-US" smtClean="0"/>
+              <a:rPr lang="ru-RU" smtClean="0"/>
+              <a:t>Третий уровень</a:t>
+            </a:r>
+            <a:endParaRPr lang="ru-RU" smtClean="0"/>
           </a:p>
           <a:p>
             <a:pPr lvl="3"/>
             <a:r>
-              <a:rPr lang="en-US" smtClean="0"/>
-              <a:t>Fourth level</a:t>
-            </a:r>
-            <a:endParaRPr lang="en-US" smtClean="0"/>
+              <a:rPr lang="ru-RU" smtClean="0"/>
+              <a:t>Четвертый уровень</a:t>
+            </a:r>
+            <a:endParaRPr lang="ru-RU" smtClean="0"/>
           </a:p>
           <a:p>
             <a:pPr lvl="4"/>
             <a:r>
-              <a:rPr lang="en-US" smtClean="0"/>
-              <a:t>Fifth level</a:t>
-            </a:r>
-            <a:endParaRPr lang="en-US"/>
-          </a:p>
-        </p:txBody>
-      </p:sp>
-      <p:sp>
-        <p:nvSpPr>
-          <p:cNvPr id="4" name="Замещающая дата 3"/>
+              <a:rPr lang="ru-RU" smtClean="0"/>
+              <a:t>Пятый уровень</a:t>
+            </a:r>
+            <a:endParaRPr lang="ru-RU"/>
+          </a:p>
+        </p:txBody>
+      </p:sp>
+      <p:sp>
+        <p:nvSpPr>
+          <p:cNvPr id="4" name="Дата 3"/>
           <p:cNvSpPr>
             <a:spLocks noGrp="1"/>
           </p:cNvSpPr>
@@ -1323,6 +1194,7 @@
         <p:spPr/>
         <p:txBody>
           <a:bodyPr/>
+          <a:lstStyle/>
           <a:p>
             <a:fld id="{760FBDFE-C587-4B4C-A407-44438C67B59E}" type="datetimeFigureOut">
               <a:rPr lang="en-US" smtClean="0"/>
@@ -1333,7 +1205,7 @@
       </p:sp>
       <p:sp>
         <p:nvSpPr>
-          <p:cNvPr id="5" name="Замещающий нижний колонтитул 4"/>
+          <p:cNvPr id="5" name="Нижний колонтитул 4"/>
           <p:cNvSpPr>
             <a:spLocks noGrp="1"/>
           </p:cNvSpPr>
@@ -1344,6 +1216,7 @@
         <p:spPr/>
         <p:txBody>
           <a:bodyPr/>
+          <a:lstStyle/>
           <a:p>
             <a:endParaRPr lang="en-US"/>
           </a:p>
@@ -1351,7 +1224,7 @@
       </p:sp>
       <p:sp>
         <p:nvSpPr>
-          <p:cNvPr id="6" name="Замещающий номер слайда 5"/>
+          <p:cNvPr id="6" name="Номер слайда 5"/>
           <p:cNvSpPr>
             <a:spLocks noGrp="1"/>
           </p:cNvSpPr>
@@ -1362,6 +1235,7 @@
         <p:spPr/>
         <p:txBody>
           <a:bodyPr/>
+          <a:lstStyle/>
           <a:p>
             <a:fld id="{49AE70B2-8BF9-45C0-BB95-33D1B9D3A854}" type="slidenum">
               <a:rPr lang="en-US" smtClean="0"/>
@@ -1381,7 +1255,7 @@
 
 <file path=ppt/slideLayouts/slideLayout2.xml><?xml version="1.0" encoding="utf-8"?>
 <p:sldLayout xmlns:a="http://schemas.openxmlformats.org/drawingml/2006/main" xmlns:r="http://schemas.openxmlformats.org/officeDocument/2006/relationships" xmlns:p="http://schemas.openxmlformats.org/presentationml/2006/main" type="obj" preserve="1">
-  <p:cSld name="Title and Content">
+  <p:cSld name="Заголовок и объект">
     <p:spTree>
       <p:nvGrpSpPr>
         <p:cNvPr id="1" name=""/>
@@ -1398,7 +1272,7 @@
       </p:grpSpPr>
       <p:sp>
         <p:nvSpPr>
-          <p:cNvPr id="2" name="Title 1"/>
+          <p:cNvPr id="2" name="Заголовок 1"/>
           <p:cNvSpPr>
             <a:spLocks noGrp="1"/>
           </p:cNvSpPr>
@@ -1412,16 +1286,16 @@
           <a:lstStyle/>
           <a:p>
             <a:r>
-              <a:rPr lang="en-US" smtClean="0"/>
-              <a:t>Click to edit Master title style</a:t>
-            </a:r>
-            <a:endParaRPr lang="en-US"/>
-          </a:p>
-        </p:txBody>
-      </p:sp>
-      <p:sp>
-        <p:nvSpPr>
-          <p:cNvPr id="3" name="Content Placeholder 2"/>
+              <a:rPr lang="ru-RU" smtClean="0"/>
+              <a:t>Образец заголовка</a:t>
+            </a:r>
+            <a:endParaRPr lang="ru-RU"/>
+          </a:p>
+        </p:txBody>
+      </p:sp>
+      <p:sp>
+        <p:nvSpPr>
+          <p:cNvPr id="3" name="Объект 2"/>
           <p:cNvSpPr>
             <a:spLocks noGrp="1"/>
           </p:cNvSpPr>
@@ -1436,48 +1310,48 @@
           <a:p>
             <a:pPr lvl="0"/>
             <a:r>
-              <a:rPr lang="en-US" smtClean="0"/>
-              <a:t>Click to edit Master text styles</a:t>
-            </a:r>
-            <a:endParaRPr lang="en-US" smtClean="0"/>
+              <a:rPr lang="ru-RU" smtClean="0"/>
+              <a:t>Образец текста</a:t>
+            </a:r>
+            <a:endParaRPr lang="ru-RU" smtClean="0"/>
           </a:p>
           <a:p>
             <a:pPr lvl="1"/>
             <a:r>
-              <a:rPr lang="en-US" smtClean="0"/>
-              <a:t>Second level</a:t>
-            </a:r>
-            <a:endParaRPr lang="en-US" smtClean="0"/>
+              <a:rPr lang="ru-RU" smtClean="0"/>
+              <a:t>Второй уровень</a:t>
+            </a:r>
+            <a:endParaRPr lang="ru-RU" smtClean="0"/>
           </a:p>
           <a:p>
             <a:pPr lvl="2"/>
             <a:r>
-              <a:rPr lang="en-US" smtClean="0"/>
-              <a:t>Third level</a:t>
-            </a:r>
-            <a:endParaRPr lang="en-US" smtClean="0"/>
+              <a:rPr lang="ru-RU" smtClean="0"/>
+              <a:t>Третий уровень</a:t>
+            </a:r>
+            <a:endParaRPr lang="ru-RU" smtClean="0"/>
           </a:p>
           <a:p>
             <a:pPr lvl="3"/>
             <a:r>
-              <a:rPr lang="en-US" smtClean="0"/>
-              <a:t>Fourth level</a:t>
-            </a:r>
-            <a:endParaRPr lang="en-US" smtClean="0"/>
+              <a:rPr lang="ru-RU" smtClean="0"/>
+              <a:t>Четвертый уровень</a:t>
+            </a:r>
+            <a:endParaRPr lang="ru-RU" smtClean="0"/>
           </a:p>
           <a:p>
             <a:pPr lvl="4"/>
             <a:r>
-              <a:rPr lang="en-US" smtClean="0"/>
-              <a:t>Fifth level</a:t>
-            </a:r>
-            <a:endParaRPr lang="en-US"/>
-          </a:p>
-        </p:txBody>
-      </p:sp>
-      <p:sp>
-        <p:nvSpPr>
-          <p:cNvPr id="4" name="Замещающая дата 3"/>
+              <a:rPr lang="ru-RU" smtClean="0"/>
+              <a:t>Пятый уровень</a:t>
+            </a:r>
+            <a:endParaRPr lang="ru-RU"/>
+          </a:p>
+        </p:txBody>
+      </p:sp>
+      <p:sp>
+        <p:nvSpPr>
+          <p:cNvPr id="4" name="Дата 3"/>
           <p:cNvSpPr>
             <a:spLocks noGrp="1"/>
           </p:cNvSpPr>
@@ -1488,6 +1362,7 @@
         <p:spPr/>
         <p:txBody>
           <a:bodyPr/>
+          <a:lstStyle/>
           <a:p>
             <a:fld id="{760FBDFE-C587-4B4C-A407-44438C67B59E}" type="datetimeFigureOut">
               <a:rPr lang="en-US" smtClean="0"/>
@@ -1498,7 +1373,7 @@
       </p:sp>
       <p:sp>
         <p:nvSpPr>
-          <p:cNvPr id="5" name="Замещающий нижний колонтитул 4"/>
+          <p:cNvPr id="5" name="Нижний колонтитул 4"/>
           <p:cNvSpPr>
             <a:spLocks noGrp="1"/>
           </p:cNvSpPr>
@@ -1509,6 +1384,7 @@
         <p:spPr/>
         <p:txBody>
           <a:bodyPr/>
+          <a:lstStyle/>
           <a:p>
             <a:endParaRPr lang="en-US"/>
           </a:p>
@@ -1516,7 +1392,7 @@
       </p:sp>
       <p:sp>
         <p:nvSpPr>
-          <p:cNvPr id="6" name="Замещающий номер слайда 5"/>
+          <p:cNvPr id="6" name="Номер слайда 5"/>
           <p:cNvSpPr>
             <a:spLocks noGrp="1"/>
           </p:cNvSpPr>
@@ -1527,6 +1403,7 @@
         <p:spPr/>
         <p:txBody>
           <a:bodyPr/>
+          <a:lstStyle/>
           <a:p>
             <a:fld id="{49AE70B2-8BF9-45C0-BB95-33D1B9D3A854}" type="slidenum">
               <a:rPr lang="en-US" smtClean="0"/>
@@ -1546,7 +1423,7 @@
 
 <file path=ppt/slideLayouts/slideLayout3.xml><?xml version="1.0" encoding="utf-8"?>
 <p:sldLayout xmlns:a="http://schemas.openxmlformats.org/drawingml/2006/main" xmlns:r="http://schemas.openxmlformats.org/officeDocument/2006/relationships" xmlns:p="http://schemas.openxmlformats.org/presentationml/2006/main" type="secHead" preserve="1">
-  <p:cSld name="Section Header">
+  <p:cSld name="Заголовок раздела">
     <p:spTree>
       <p:nvGrpSpPr>
         <p:cNvPr id="1" name=""/>
@@ -1563,7 +1440,7 @@
       </p:grpSpPr>
       <p:sp>
         <p:nvSpPr>
-          <p:cNvPr id="2" name="Title 1"/>
+          <p:cNvPr id="2" name="Заголовок 1"/>
           <p:cNvSpPr>
             <a:spLocks noGrp="1"/>
           </p:cNvSpPr>
@@ -1581,21 +1458,21 @@
           <a:bodyPr anchor="b"/>
           <a:lstStyle>
             <a:lvl1pPr>
-              <a:defRPr sz="6000"/>
+              <a:defRPr sz="4500"/>
             </a:lvl1pPr>
           </a:lstStyle>
           <a:p>
             <a:r>
-              <a:rPr lang="en-US" smtClean="0"/>
-              <a:t>Click to edit Master title style</a:t>
-            </a:r>
-            <a:endParaRPr lang="en-US"/>
-          </a:p>
-        </p:txBody>
-      </p:sp>
-      <p:sp>
-        <p:nvSpPr>
-          <p:cNvPr id="3" name="Text Placeholder 2"/>
+              <a:rPr lang="ru-RU" smtClean="0"/>
+              <a:t>Образец заголовка</a:t>
+            </a:r>
+            <a:endParaRPr lang="ru-RU"/>
+          </a:p>
+        </p:txBody>
+      </p:sp>
+      <p:sp>
+        <p:nvSpPr>
+          <p:cNvPr id="3" name="Текст 2"/>
           <p:cNvSpPr>
             <a:spLocks noGrp="1"/>
           </p:cNvSpPr>
@@ -1614,54 +1491,108 @@
           <a:lstStyle>
             <a:lvl1pPr marL="0" indent="0">
               <a:buNone/>
-              <a:defRPr sz="2400"/>
+              <a:defRPr sz="1800">
+                <a:solidFill>
+                  <a:schemeClr val="tx1">
+                    <a:tint val="75000"/>
+                  </a:schemeClr>
+                </a:solidFill>
+              </a:defRPr>
             </a:lvl1pPr>
-            <a:lvl2pPr marL="457200" indent="0">
-              <a:buNone/>
-              <a:defRPr sz="2000"/>
+            <a:lvl2pPr marL="342900" indent="0">
+              <a:buNone/>
+              <a:defRPr sz="1500">
+                <a:solidFill>
+                  <a:schemeClr val="tx1">
+                    <a:tint val="75000"/>
+                  </a:schemeClr>
+                </a:solidFill>
+              </a:defRPr>
             </a:lvl2pPr>
-            <a:lvl3pPr marL="914400" indent="0">
-              <a:buNone/>
-              <a:defRPr sz="1800"/>
+            <a:lvl3pPr marL="685800" indent="0">
+              <a:buNone/>
+              <a:defRPr sz="1350">
+                <a:solidFill>
+                  <a:schemeClr val="tx1">
+                    <a:tint val="75000"/>
+                  </a:schemeClr>
+                </a:solidFill>
+              </a:defRPr>
             </a:lvl3pPr>
-            <a:lvl4pPr marL="1371600" indent="0">
-              <a:buNone/>
-              <a:defRPr sz="1600"/>
+            <a:lvl4pPr marL="1028700" indent="0">
+              <a:buNone/>
+              <a:defRPr sz="1200">
+                <a:solidFill>
+                  <a:schemeClr val="tx1">
+                    <a:tint val="75000"/>
+                  </a:schemeClr>
+                </a:solidFill>
+              </a:defRPr>
             </a:lvl4pPr>
-            <a:lvl5pPr marL="1828800" indent="0">
-              <a:buNone/>
-              <a:defRPr sz="1600"/>
+            <a:lvl5pPr marL="1371600" indent="0">
+              <a:buNone/>
+              <a:defRPr sz="1200">
+                <a:solidFill>
+                  <a:schemeClr val="tx1">
+                    <a:tint val="75000"/>
+                  </a:schemeClr>
+                </a:solidFill>
+              </a:defRPr>
             </a:lvl5pPr>
-            <a:lvl6pPr marL="2286000" indent="0">
-              <a:buNone/>
-              <a:defRPr sz="1600"/>
+            <a:lvl6pPr marL="1714500" indent="0">
+              <a:buNone/>
+              <a:defRPr sz="1200">
+                <a:solidFill>
+                  <a:schemeClr val="tx1">
+                    <a:tint val="75000"/>
+                  </a:schemeClr>
+                </a:solidFill>
+              </a:defRPr>
             </a:lvl6pPr>
-            <a:lvl7pPr marL="2743200" indent="0">
-              <a:buNone/>
-              <a:defRPr sz="1600"/>
+            <a:lvl7pPr marL="2057400" indent="0">
+              <a:buNone/>
+              <a:defRPr sz="1200">
+                <a:solidFill>
+                  <a:schemeClr val="tx1">
+                    <a:tint val="75000"/>
+                  </a:schemeClr>
+                </a:solidFill>
+              </a:defRPr>
             </a:lvl7pPr>
-            <a:lvl8pPr marL="3200400" indent="0">
-              <a:buNone/>
-              <a:defRPr sz="1600"/>
+            <a:lvl8pPr marL="2400300" indent="0">
+              <a:buNone/>
+              <a:defRPr sz="1200">
+                <a:solidFill>
+                  <a:schemeClr val="tx1">
+                    <a:tint val="75000"/>
+                  </a:schemeClr>
+                </a:solidFill>
+              </a:defRPr>
             </a:lvl8pPr>
-            <a:lvl9pPr marL="3657600" indent="0">
-              <a:buNone/>
-              <a:defRPr sz="1600"/>
+            <a:lvl9pPr marL="2743200" indent="0">
+              <a:buNone/>
+              <a:defRPr sz="1200">
+                <a:solidFill>
+                  <a:schemeClr val="tx1">
+                    <a:tint val="75000"/>
+                  </a:schemeClr>
+                </a:solidFill>
+              </a:defRPr>
             </a:lvl9pPr>
           </a:lstStyle>
           <a:p>
             <a:pPr lvl="0"/>
             <a:r>
-              <a:rPr lang="en-US" smtClean="0"/>
-              <a:t>Click to edit Master text styles</a:t>
-            </a:r>
-            <a:endParaRPr lang="en-US" smtClean="0"/>
-          </a:p>
-        </p:txBody>
-      </p:sp>
-      <p:sp>
-        <p:nvSpPr>
-          <p:cNvPr id="4" name="Замещающая дата 3"/>
+              <a:rPr lang="ru-RU" smtClean="0"/>
+              <a:t>Образец текста</a:t>
+            </a:r>
+            <a:endParaRPr lang="ru-RU" smtClean="0"/>
+          </a:p>
+        </p:txBody>
+      </p:sp>
+      <p:sp>
+        <p:nvSpPr>
+          <p:cNvPr id="4" name="Дата 3"/>
           <p:cNvSpPr>
             <a:spLocks noGrp="1"/>
           </p:cNvSpPr>
@@ -1672,6 +1603,7 @@
         <p:spPr/>
         <p:txBody>
           <a:bodyPr/>
+          <a:lstStyle/>
           <a:p>
             <a:fld id="{760FBDFE-C587-4B4C-A407-44438C67B59E}" type="datetimeFigureOut">
               <a:rPr lang="en-US" smtClean="0"/>
@@ -1682,7 +1614,7 @@
       </p:sp>
       <p:sp>
         <p:nvSpPr>
-          <p:cNvPr id="5" name="Замещающий нижний колонтитул 4"/>
+          <p:cNvPr id="5" name="Нижний колонтитул 4"/>
           <p:cNvSpPr>
             <a:spLocks noGrp="1"/>
           </p:cNvSpPr>
@@ -1693,6 +1625,7 @@
         <p:spPr/>
         <p:txBody>
           <a:bodyPr/>
+          <a:lstStyle/>
           <a:p>
             <a:endParaRPr lang="en-US"/>
           </a:p>
@@ -1700,7 +1633,7 @@
       </p:sp>
       <p:sp>
         <p:nvSpPr>
-          <p:cNvPr id="6" name="Замещающий номер слайда 5"/>
+          <p:cNvPr id="6" name="Номер слайда 5"/>
           <p:cNvSpPr>
             <a:spLocks noGrp="1"/>
           </p:cNvSpPr>
@@ -1711,6 +1644,7 @@
         <p:spPr/>
         <p:txBody>
           <a:bodyPr/>
+          <a:lstStyle/>
           <a:p>
             <a:fld id="{49AE70B2-8BF9-45C0-BB95-33D1B9D3A854}" type="slidenum">
               <a:rPr lang="en-US" smtClean="0"/>
@@ -1730,7 +1664,7 @@
 
 <file path=ppt/slideLayouts/slideLayout4.xml><?xml version="1.0" encoding="utf-8"?>
 <p:sldLayout xmlns:a="http://schemas.openxmlformats.org/drawingml/2006/main" xmlns:r="http://schemas.openxmlformats.org/officeDocument/2006/relationships" xmlns:p="http://schemas.openxmlformats.org/presentationml/2006/main" type="twoObj" preserve="1">
-  <p:cSld name="Two Content">
+  <p:cSld name="Два объекта">
     <p:spTree>
       <p:nvGrpSpPr>
         <p:cNvPr id="1" name=""/>
@@ -1747,7 +1681,7 @@
       </p:grpSpPr>
       <p:sp>
         <p:nvSpPr>
-          <p:cNvPr id="2" name="Title 1"/>
+          <p:cNvPr id="2" name="Заголовок 1"/>
           <p:cNvSpPr>
             <a:spLocks noGrp="1"/>
           </p:cNvSpPr>
@@ -1761,16 +1695,16 @@
           <a:lstStyle/>
           <a:p>
             <a:r>
-              <a:rPr lang="en-US" smtClean="0"/>
-              <a:t>Click to edit Master title style</a:t>
-            </a:r>
-            <a:endParaRPr lang="en-US"/>
-          </a:p>
-        </p:txBody>
-      </p:sp>
-      <p:sp>
-        <p:nvSpPr>
-          <p:cNvPr id="3" name="Content Placeholder 2"/>
+              <a:rPr lang="ru-RU" smtClean="0"/>
+              <a:t>Образец заголовка</a:t>
+            </a:r>
+            <a:endParaRPr lang="ru-RU"/>
+          </a:p>
+        </p:txBody>
+      </p:sp>
+      <p:sp>
+        <p:nvSpPr>
+          <p:cNvPr id="3" name="Объект 2"/>
           <p:cNvSpPr>
             <a:spLocks noGrp="1"/>
           </p:cNvSpPr>
@@ -1780,8 +1714,8 @@
         </p:nvSpPr>
         <p:spPr>
           <a:xfrm>
-            <a:off x="609600" y="1174750"/>
-            <a:ext cx="5384800" cy="4953000"/>
+            <a:off x="609600" y="1600200"/>
+            <a:ext cx="5376672" cy="4525963"/>
           </a:xfrm>
         </p:spPr>
         <p:txBody>
@@ -1790,48 +1724,48 @@
           <a:p>
             <a:pPr lvl="0"/>
             <a:r>
-              <a:rPr lang="en-US" smtClean="0"/>
-              <a:t>Click to edit Master text styles</a:t>
-            </a:r>
-            <a:endParaRPr lang="en-US" smtClean="0"/>
+              <a:rPr lang="ru-RU" smtClean="0"/>
+              <a:t>Образец текста</a:t>
+            </a:r>
+            <a:endParaRPr lang="ru-RU" smtClean="0"/>
           </a:p>
           <a:p>
             <a:pPr lvl="1"/>
             <a:r>
-              <a:rPr lang="en-US" smtClean="0"/>
-              <a:t>Second level</a:t>
-            </a:r>
-            <a:endParaRPr lang="en-US" smtClean="0"/>
+              <a:rPr lang="ru-RU" smtClean="0"/>
+              <a:t>Второй уровень</a:t>
+            </a:r>
+            <a:endParaRPr lang="ru-RU" smtClean="0"/>
           </a:p>
           <a:p>
             <a:pPr lvl="2"/>
             <a:r>
-              <a:rPr lang="en-US" smtClean="0"/>
-              <a:t>Third level</a:t>
-            </a:r>
-            <a:endParaRPr lang="en-US" smtClean="0"/>
+              <a:rPr lang="ru-RU" smtClean="0"/>
+              <a:t>Третий уровень</a:t>
+            </a:r>
+            <a:endParaRPr lang="ru-RU" smtClean="0"/>
           </a:p>
           <a:p>
             <a:pPr lvl="3"/>
             <a:r>
-              <a:rPr lang="en-US" smtClean="0"/>
-              <a:t>Fourth level</a:t>
-            </a:r>
-            <a:endParaRPr lang="en-US" smtClean="0"/>
+              <a:rPr lang="ru-RU" smtClean="0"/>
+              <a:t>Четвертый уровень</a:t>
+            </a:r>
+            <a:endParaRPr lang="ru-RU" smtClean="0"/>
           </a:p>
           <a:p>
             <a:pPr lvl="4"/>
             <a:r>
-              <a:rPr lang="en-US" smtClean="0"/>
-              <a:t>Fifth level</a:t>
-            </a:r>
-            <a:endParaRPr lang="en-US"/>
-          </a:p>
-        </p:txBody>
-      </p:sp>
-      <p:sp>
-        <p:nvSpPr>
-          <p:cNvPr id="4" name="Content Placeholder 3"/>
+              <a:rPr lang="ru-RU" smtClean="0"/>
+              <a:t>Пятый уровень</a:t>
+            </a:r>
+            <a:endParaRPr lang="ru-RU"/>
+          </a:p>
+        </p:txBody>
+      </p:sp>
+      <p:sp>
+        <p:nvSpPr>
+          <p:cNvPr id="4" name="Объект 3"/>
           <p:cNvSpPr>
             <a:spLocks noGrp="1"/>
           </p:cNvSpPr>
@@ -1841,8 +1775,8 @@
         </p:nvSpPr>
         <p:spPr>
           <a:xfrm>
-            <a:off x="6197600" y="1174750"/>
-            <a:ext cx="5384800" cy="4953000"/>
+            <a:off x="6205728" y="1600200"/>
+            <a:ext cx="5376672" cy="4525963"/>
           </a:xfrm>
         </p:spPr>
         <p:txBody>
@@ -1851,48 +1785,48 @@
           <a:p>
             <a:pPr lvl="0"/>
             <a:r>
-              <a:rPr lang="en-US" smtClean="0"/>
-              <a:t>Click to edit Master text styles</a:t>
-            </a:r>
-            <a:endParaRPr lang="en-US" smtClean="0"/>
+              <a:rPr lang="ru-RU" smtClean="0"/>
+              <a:t>Образец текста</a:t>
+            </a:r>
+            <a:endParaRPr lang="ru-RU" smtClean="0"/>
           </a:p>
           <a:p>
             <a:pPr lvl="1"/>
             <a:r>
-              <a:rPr lang="en-US" smtClean="0"/>
-              <a:t>Second level</a:t>
-            </a:r>
-            <a:endParaRPr lang="en-US" smtClean="0"/>
+              <a:rPr lang="ru-RU" smtClean="0"/>
+              <a:t>Второй уровень</a:t>
+            </a:r>
+            <a:endParaRPr lang="ru-RU" smtClean="0"/>
           </a:p>
           <a:p>
             <a:pPr lvl="2"/>
             <a:r>
-              <a:rPr lang="en-US" smtClean="0"/>
-              <a:t>Third level</a:t>
-            </a:r>
-            <a:endParaRPr lang="en-US" smtClean="0"/>
+              <a:rPr lang="ru-RU" smtClean="0"/>
+              <a:t>Третий уровень</a:t>
+            </a:r>
+            <a:endParaRPr lang="ru-RU" smtClean="0"/>
           </a:p>
           <a:p>
             <a:pPr lvl="3"/>
             <a:r>
-              <a:rPr lang="en-US" smtClean="0"/>
-              <a:t>Fourth level</a:t>
-            </a:r>
-            <a:endParaRPr lang="en-US" smtClean="0"/>
+              <a:rPr lang="ru-RU" smtClean="0"/>
+              <a:t>Четвертый уровень</a:t>
+            </a:r>
+            <a:endParaRPr lang="ru-RU" smtClean="0"/>
           </a:p>
           <a:p>
             <a:pPr lvl="4"/>
             <a:r>
-              <a:rPr lang="en-US" smtClean="0"/>
-              <a:t>Fifth level</a:t>
-            </a:r>
-            <a:endParaRPr lang="en-US"/>
-          </a:p>
-        </p:txBody>
-      </p:sp>
-      <p:sp>
-        <p:nvSpPr>
-          <p:cNvPr id="5" name="Замещающая дата 4"/>
+              <a:rPr lang="ru-RU" smtClean="0"/>
+              <a:t>Пятый уровень</a:t>
+            </a:r>
+            <a:endParaRPr lang="ru-RU"/>
+          </a:p>
+        </p:txBody>
+      </p:sp>
+      <p:sp>
+        <p:nvSpPr>
+          <p:cNvPr id="5" name="Дата 4"/>
           <p:cNvSpPr>
             <a:spLocks noGrp="1"/>
           </p:cNvSpPr>
@@ -1903,6 +1837,7 @@
         <p:spPr/>
         <p:txBody>
           <a:bodyPr/>
+          <a:lstStyle/>
           <a:p>
             <a:fld id="{760FBDFE-C587-4B4C-A407-44438C67B59E}" type="datetimeFigureOut">
               <a:rPr lang="en-US" smtClean="0"/>
@@ -1913,7 +1848,7 @@
       </p:sp>
       <p:sp>
         <p:nvSpPr>
-          <p:cNvPr id="6" name="Замещающий нижний колонтитул 5"/>
+          <p:cNvPr id="6" name="Нижний колонтитул 5"/>
           <p:cNvSpPr>
             <a:spLocks noGrp="1"/>
           </p:cNvSpPr>
@@ -1924,6 +1859,7 @@
         <p:spPr/>
         <p:txBody>
           <a:bodyPr/>
+          <a:lstStyle/>
           <a:p>
             <a:endParaRPr lang="en-US"/>
           </a:p>
@@ -1931,7 +1867,7 @@
       </p:sp>
       <p:sp>
         <p:nvSpPr>
-          <p:cNvPr id="7" name="Замещающий номер слайда 6"/>
+          <p:cNvPr id="7" name="Номер слайда 6"/>
           <p:cNvSpPr>
             <a:spLocks noGrp="1"/>
           </p:cNvSpPr>
@@ -1942,6 +1878,7 @@
         <p:spPr/>
         <p:txBody>
           <a:bodyPr/>
+          <a:lstStyle/>
           <a:p>
             <a:fld id="{49AE70B2-8BF9-45C0-BB95-33D1B9D3A854}" type="slidenum">
               <a:rPr lang="en-US" smtClean="0"/>
@@ -1961,7 +1898,7 @@
 
 <file path=ppt/slideLayouts/slideLayout5.xml><?xml version="1.0" encoding="utf-8"?>
 <p:sldLayout xmlns:a="http://schemas.openxmlformats.org/drawingml/2006/main" xmlns:r="http://schemas.openxmlformats.org/officeDocument/2006/relationships" xmlns:p="http://schemas.openxmlformats.org/presentationml/2006/main" type="twoTxTwoObj" preserve="1">
-  <p:cSld name="Comparison">
+  <p:cSld name="Сравнение">
     <p:spTree>
       <p:nvGrpSpPr>
         <p:cNvPr id="1" name=""/>
@@ -1978,7 +1915,7 @@
       </p:grpSpPr>
       <p:sp>
         <p:nvSpPr>
-          <p:cNvPr id="2" name="Title 1"/>
+          <p:cNvPr id="2" name="Заголовок 1"/>
           <p:cNvSpPr>
             <a:spLocks noGrp="1"/>
           </p:cNvSpPr>
@@ -1988,7 +1925,7 @@
         </p:nvSpPr>
         <p:spPr>
           <a:xfrm>
-            <a:off x="840317" y="365125"/>
+            <a:off x="839788" y="365125"/>
             <a:ext cx="10515600" cy="1325563"/>
           </a:xfrm>
         </p:spPr>
@@ -1997,16 +1934,16 @@
           <a:lstStyle/>
           <a:p>
             <a:r>
-              <a:rPr lang="en-US" smtClean="0"/>
-              <a:t>Click to edit Master title style</a:t>
-            </a:r>
-            <a:endParaRPr lang="en-US"/>
-          </a:p>
-        </p:txBody>
-      </p:sp>
-      <p:sp>
-        <p:nvSpPr>
-          <p:cNvPr id="3" name="Text Placeholder 2"/>
+              <a:rPr lang="ru-RU" smtClean="0"/>
+              <a:t>Образец заголовка</a:t>
+            </a:r>
+            <a:endParaRPr lang="ru-RU"/>
+          </a:p>
+        </p:txBody>
+      </p:sp>
+      <p:sp>
+        <p:nvSpPr>
+          <p:cNvPr id="3" name="Текст 2"/>
           <p:cNvSpPr>
             <a:spLocks noGrp="1"/>
           </p:cNvSpPr>
@@ -2016,8 +1953,8 @@
         </p:nvSpPr>
         <p:spPr>
           <a:xfrm>
-            <a:off x="840317" y="1681163"/>
-            <a:ext cx="5158316" cy="823912"/>
+            <a:off x="839788" y="1681163"/>
+            <a:ext cx="5157787" cy="823912"/>
           </a:xfrm>
         </p:spPr>
         <p:txBody>
@@ -2025,54 +1962,54 @@
           <a:lstStyle>
             <a:lvl1pPr marL="0" indent="0">
               <a:buNone/>
-              <a:defRPr sz="2400" b="1"/>
+              <a:defRPr sz="1800" b="1"/>
             </a:lvl1pPr>
-            <a:lvl2pPr marL="457200" indent="0">
-              <a:buNone/>
-              <a:defRPr sz="2000" b="1"/>
+            <a:lvl2pPr marL="342900" indent="0">
+              <a:buNone/>
+              <a:defRPr sz="1500" b="1"/>
             </a:lvl2pPr>
-            <a:lvl3pPr marL="914400" indent="0">
-              <a:buNone/>
-              <a:defRPr sz="1800" b="1"/>
+            <a:lvl3pPr marL="685800" indent="0">
+              <a:buNone/>
+              <a:defRPr sz="1350" b="1"/>
             </a:lvl3pPr>
-            <a:lvl4pPr marL="1371600" indent="0">
-              <a:buNone/>
-              <a:defRPr sz="1600" b="1"/>
+            <a:lvl4pPr marL="1028700" indent="0">
+              <a:buNone/>
+              <a:defRPr sz="1200" b="1"/>
             </a:lvl4pPr>
-            <a:lvl5pPr marL="1828800" indent="0">
-              <a:buNone/>
-              <a:defRPr sz="1600" b="1"/>
+            <a:lvl5pPr marL="1371600" indent="0">
+              <a:buNone/>
+              <a:defRPr sz="1200" b="1"/>
             </a:lvl5pPr>
-            <a:lvl6pPr marL="2286000" indent="0">
-              <a:buNone/>
-              <a:defRPr sz="1600" b="1"/>
+            <a:lvl6pPr marL="1714500" indent="0">
+              <a:buNone/>
+              <a:defRPr sz="1200" b="1"/>
             </a:lvl6pPr>
-            <a:lvl7pPr marL="2743200" indent="0">
-              <a:buNone/>
-              <a:defRPr sz="1600" b="1"/>
+            <a:lvl7pPr marL="2057400" indent="0">
+              <a:buNone/>
+              <a:defRPr sz="1200" b="1"/>
             </a:lvl7pPr>
-            <a:lvl8pPr marL="3200400" indent="0">
-              <a:buNone/>
-              <a:defRPr sz="1600" b="1"/>
+            <a:lvl8pPr marL="2400300" indent="0">
+              <a:buNone/>
+              <a:defRPr sz="1200" b="1"/>
             </a:lvl8pPr>
-            <a:lvl9pPr marL="3657600" indent="0">
-              <a:buNone/>
-              <a:defRPr sz="1600" b="1"/>
+            <a:lvl9pPr marL="2743200" indent="0">
+              <a:buNone/>
+              <a:defRPr sz="1200" b="1"/>
             </a:lvl9pPr>
           </a:lstStyle>
           <a:p>
             <a:pPr lvl="0"/>
             <a:r>
-              <a:rPr lang="en-US" smtClean="0"/>
-              <a:t>Click to edit Master text styles</a:t>
-            </a:r>
-            <a:endParaRPr lang="en-US" smtClean="0"/>
-          </a:p>
-        </p:txBody>
-      </p:sp>
-      <p:sp>
-        <p:nvSpPr>
-          <p:cNvPr id="4" name="Content Placeholder 3"/>
+              <a:rPr lang="ru-RU" smtClean="0"/>
+              <a:t>Образец текста</a:t>
+            </a:r>
+            <a:endParaRPr lang="ru-RU" smtClean="0"/>
+          </a:p>
+        </p:txBody>
+      </p:sp>
+      <p:sp>
+        <p:nvSpPr>
+          <p:cNvPr id="4" name="Объект 3"/>
           <p:cNvSpPr>
             <a:spLocks noGrp="1"/>
           </p:cNvSpPr>
@@ -2082,8 +2019,8 @@
         </p:nvSpPr>
         <p:spPr>
           <a:xfrm>
-            <a:off x="840317" y="2505075"/>
-            <a:ext cx="5158316" cy="3684588"/>
+            <a:off x="839788" y="2505075"/>
+            <a:ext cx="5157787" cy="3684588"/>
           </a:xfrm>
         </p:spPr>
         <p:txBody>
@@ -2092,48 +2029,48 @@
           <a:p>
             <a:pPr lvl="0"/>
             <a:r>
-              <a:rPr lang="en-US" smtClean="0"/>
-              <a:t>Click to edit Master text styles</a:t>
-            </a:r>
-            <a:endParaRPr lang="en-US" smtClean="0"/>
+              <a:rPr lang="ru-RU" smtClean="0"/>
+              <a:t>Образец текста</a:t>
+            </a:r>
+            <a:endParaRPr lang="ru-RU" smtClean="0"/>
           </a:p>
           <a:p>
             <a:pPr lvl="1"/>
             <a:r>
-              <a:rPr lang="en-US" smtClean="0"/>
-              <a:t>Second level</a:t>
-            </a:r>
-            <a:endParaRPr lang="en-US" smtClean="0"/>
+              <a:rPr lang="ru-RU" smtClean="0"/>
+              <a:t>Второй уровень</a:t>
+            </a:r>
+            <a:endParaRPr lang="ru-RU" smtClean="0"/>
           </a:p>
           <a:p>
             <a:pPr lvl="2"/>
             <a:r>
-              <a:rPr lang="en-US" smtClean="0"/>
-              <a:t>Third level</a:t>
-            </a:r>
-            <a:endParaRPr lang="en-US" smtClean="0"/>
+              <a:rPr lang="ru-RU" smtClean="0"/>
+              <a:t>Третий уровень</a:t>
+            </a:r>
+            <a:endParaRPr lang="ru-RU" smtClean="0"/>
           </a:p>
           <a:p>
             <a:pPr lvl="3"/>
             <a:r>
-              <a:rPr lang="en-US" smtClean="0"/>
-              <a:t>Fourth level</a:t>
-            </a:r>
-            <a:endParaRPr lang="en-US" smtClean="0"/>
+              <a:rPr lang="ru-RU" smtClean="0"/>
+              <a:t>Четвертый уровень</a:t>
+            </a:r>
+            <a:endParaRPr lang="ru-RU" smtClean="0"/>
           </a:p>
           <a:p>
             <a:pPr lvl="4"/>
             <a:r>
-              <a:rPr lang="en-US" smtClean="0"/>
-              <a:t>Fifth level</a:t>
-            </a:r>
-            <a:endParaRPr lang="en-US"/>
-          </a:p>
-        </p:txBody>
-      </p:sp>
-      <p:sp>
-        <p:nvSpPr>
-          <p:cNvPr id="5" name="Text Placeholder 4"/>
+              <a:rPr lang="ru-RU" smtClean="0"/>
+              <a:t>Пятый уровень</a:t>
+            </a:r>
+            <a:endParaRPr lang="ru-RU"/>
+          </a:p>
+        </p:txBody>
+      </p:sp>
+      <p:sp>
+        <p:nvSpPr>
+          <p:cNvPr id="5" name="Текст 4"/>
           <p:cNvSpPr>
             <a:spLocks noGrp="1"/>
           </p:cNvSpPr>
@@ -2144,7 +2081,7 @@
         <p:spPr>
           <a:xfrm>
             <a:off x="6172200" y="1681163"/>
-            <a:ext cx="5183717" cy="823912"/>
+            <a:ext cx="5183188" cy="823912"/>
           </a:xfrm>
         </p:spPr>
         <p:txBody>
@@ -2152,54 +2089,54 @@
           <a:lstStyle>
             <a:lvl1pPr marL="0" indent="0">
               <a:buNone/>
-              <a:defRPr sz="2400" b="1"/>
+              <a:defRPr sz="1800" b="1"/>
             </a:lvl1pPr>
-            <a:lvl2pPr marL="457200" indent="0">
-              <a:buNone/>
-              <a:defRPr sz="2000" b="1"/>
+            <a:lvl2pPr marL="342900" indent="0">
+              <a:buNone/>
+              <a:defRPr sz="1500" b="1"/>
             </a:lvl2pPr>
-            <a:lvl3pPr marL="914400" indent="0">
-              <a:buNone/>
-              <a:defRPr sz="1800" b="1"/>
+            <a:lvl3pPr marL="685800" indent="0">
+              <a:buNone/>
+              <a:defRPr sz="1350" b="1"/>
             </a:lvl3pPr>
-            <a:lvl4pPr marL="1371600" indent="0">
-              <a:buNone/>
-              <a:defRPr sz="1600" b="1"/>
+            <a:lvl4pPr marL="1028700" indent="0">
+              <a:buNone/>
+              <a:defRPr sz="1200" b="1"/>
             </a:lvl4pPr>
-            <a:lvl5pPr marL="1828800" indent="0">
-              <a:buNone/>
-              <a:defRPr sz="1600" b="1"/>
+            <a:lvl5pPr marL="1371600" indent="0">
+              <a:buNone/>
+              <a:defRPr sz="1200" b="1"/>
             </a:lvl5pPr>
-            <a:lvl6pPr marL="2286000" indent="0">
-              <a:buNone/>
-              <a:defRPr sz="1600" b="1"/>
+            <a:lvl6pPr marL="1714500" indent="0">
+              <a:buNone/>
+              <a:defRPr sz="1200" b="1"/>
             </a:lvl6pPr>
-            <a:lvl7pPr marL="2743200" indent="0">
-              <a:buNone/>
-              <a:defRPr sz="1600" b="1"/>
+            <a:lvl7pPr marL="2057400" indent="0">
+              <a:buNone/>
+              <a:defRPr sz="1200" b="1"/>
             </a:lvl7pPr>
-            <a:lvl8pPr marL="3200400" indent="0">
-              <a:buNone/>
-              <a:defRPr sz="1600" b="1"/>
+            <a:lvl8pPr marL="2400300" indent="0">
+              <a:buNone/>
+              <a:defRPr sz="1200" b="1"/>
             </a:lvl8pPr>
-            <a:lvl9pPr marL="3657600" indent="0">
-              <a:buNone/>
-              <a:defRPr sz="1600" b="1"/>
+            <a:lvl9pPr marL="2743200" indent="0">
+              <a:buNone/>
+              <a:defRPr sz="1200" b="1"/>
             </a:lvl9pPr>
           </a:lstStyle>
           <a:p>
             <a:pPr lvl="0"/>
             <a:r>
-              <a:rPr lang="en-US" smtClean="0"/>
-              <a:t>Click to edit Master text styles</a:t>
-            </a:r>
-            <a:endParaRPr lang="en-US" smtClean="0"/>
-          </a:p>
-        </p:txBody>
-      </p:sp>
-      <p:sp>
-        <p:nvSpPr>
-          <p:cNvPr id="6" name="Content Placeholder 5"/>
+              <a:rPr lang="ru-RU" smtClean="0"/>
+              <a:t>Образец текста</a:t>
+            </a:r>
+            <a:endParaRPr lang="ru-RU" smtClean="0"/>
+          </a:p>
+        </p:txBody>
+      </p:sp>
+      <p:sp>
+        <p:nvSpPr>
+          <p:cNvPr id="6" name="Объект 5"/>
           <p:cNvSpPr>
             <a:spLocks noGrp="1"/>
           </p:cNvSpPr>
@@ -2210,7 +2147,7 @@
         <p:spPr>
           <a:xfrm>
             <a:off x="6172200" y="2505075"/>
-            <a:ext cx="5183717" cy="3684588"/>
+            <a:ext cx="5183188" cy="3684588"/>
           </a:xfrm>
         </p:spPr>
         <p:txBody>
@@ -2219,48 +2156,48 @@
           <a:p>
             <a:pPr lvl="0"/>
             <a:r>
-              <a:rPr lang="en-US" smtClean="0"/>
-              <a:t>Click to edit Master text styles</a:t>
-            </a:r>
-            <a:endParaRPr lang="en-US" smtClean="0"/>
+              <a:rPr lang="ru-RU" smtClean="0"/>
+              <a:t>Образец текста</a:t>
+            </a:r>
+            <a:endParaRPr lang="ru-RU" smtClean="0"/>
           </a:p>
           <a:p>
             <a:pPr lvl="1"/>
             <a:r>
-              <a:rPr lang="en-US" smtClean="0"/>
-              <a:t>Second level</a:t>
-            </a:r>
-            <a:endParaRPr lang="en-US" smtClean="0"/>
+              <a:rPr lang="ru-RU" smtClean="0"/>
+              <a:t>Второй уровень</a:t>
+            </a:r>
+            <a:endParaRPr lang="ru-RU" smtClean="0"/>
           </a:p>
           <a:p>
             <a:pPr lvl="2"/>
             <a:r>
-              <a:rPr lang="en-US" smtClean="0"/>
-              <a:t>Third level</a:t>
-            </a:r>
-            <a:endParaRPr lang="en-US" smtClean="0"/>
+              <a:rPr lang="ru-RU" smtClean="0"/>
+              <a:t>Третий уровень</a:t>
+            </a:r>
+            <a:endParaRPr lang="ru-RU" smtClean="0"/>
           </a:p>
           <a:p>
             <a:pPr lvl="3"/>
             <a:r>
-              <a:rPr lang="en-US" smtClean="0"/>
-              <a:t>Fourth level</a:t>
-            </a:r>
-            <a:endParaRPr lang="en-US" smtClean="0"/>
+              <a:rPr lang="ru-RU" smtClean="0"/>
+              <a:t>Четвертый уровень</a:t>
+            </a:r>
+            <a:endParaRPr lang="ru-RU" smtClean="0"/>
           </a:p>
           <a:p>
             <a:pPr lvl="4"/>
             <a:r>
-              <a:rPr lang="en-US" smtClean="0"/>
-              <a:t>Fifth level</a:t>
-            </a:r>
-            <a:endParaRPr lang="en-US"/>
-          </a:p>
-        </p:txBody>
-      </p:sp>
-      <p:sp>
-        <p:nvSpPr>
-          <p:cNvPr id="7" name="Замещающая дата 6"/>
+              <a:rPr lang="ru-RU" smtClean="0"/>
+              <a:t>Пятый уровень</a:t>
+            </a:r>
+            <a:endParaRPr lang="ru-RU"/>
+          </a:p>
+        </p:txBody>
+      </p:sp>
+      <p:sp>
+        <p:nvSpPr>
+          <p:cNvPr id="7" name="Дата 6"/>
           <p:cNvSpPr>
             <a:spLocks noGrp="1"/>
           </p:cNvSpPr>
@@ -2271,6 +2208,7 @@
         <p:spPr/>
         <p:txBody>
           <a:bodyPr/>
+          <a:lstStyle/>
           <a:p>
             <a:fld id="{760FBDFE-C587-4B4C-A407-44438C67B59E}" type="datetimeFigureOut">
               <a:rPr lang="en-US" smtClean="0"/>
@@ -2281,7 +2219,7 @@
       </p:sp>
       <p:sp>
         <p:nvSpPr>
-          <p:cNvPr id="8" name="Замещающий нижний колонтитул 7"/>
+          <p:cNvPr id="8" name="Нижний колонтитул 7"/>
           <p:cNvSpPr>
             <a:spLocks noGrp="1"/>
           </p:cNvSpPr>
@@ -2292,6 +2230,7 @@
         <p:spPr/>
         <p:txBody>
           <a:bodyPr/>
+          <a:lstStyle/>
           <a:p>
             <a:endParaRPr lang="en-US"/>
           </a:p>
@@ -2299,7 +2238,7 @@
       </p:sp>
       <p:sp>
         <p:nvSpPr>
-          <p:cNvPr id="9" name="Замещающий номер слайда 8"/>
+          <p:cNvPr id="9" name="Номер слайда 8"/>
           <p:cNvSpPr>
             <a:spLocks noGrp="1"/>
           </p:cNvSpPr>
@@ -2310,6 +2249,7 @@
         <p:spPr/>
         <p:txBody>
           <a:bodyPr/>
+          <a:lstStyle/>
           <a:p>
             <a:fld id="{49AE70B2-8BF9-45C0-BB95-33D1B9D3A854}" type="slidenum">
               <a:rPr lang="en-US" smtClean="0"/>
@@ -2329,7 +2269,7 @@
 
 <file path=ppt/slideLayouts/slideLayout6.xml><?xml version="1.0" encoding="utf-8"?>
 <p:sldLayout xmlns:a="http://schemas.openxmlformats.org/drawingml/2006/main" xmlns:r="http://schemas.openxmlformats.org/officeDocument/2006/relationships" xmlns:p="http://schemas.openxmlformats.org/presentationml/2006/main" type="titleOnly" preserve="1">
-  <p:cSld name="Title Only">
+  <p:cSld name="Только заголовок">
     <p:spTree>
       <p:nvGrpSpPr>
         <p:cNvPr id="1" name=""/>
@@ -2346,7 +2286,7 @@
       </p:grpSpPr>
       <p:sp>
         <p:nvSpPr>
-          <p:cNvPr id="2" name="Title 1"/>
+          <p:cNvPr id="2" name="Заголовок 1"/>
           <p:cNvSpPr>
             <a:spLocks noGrp="1"/>
           </p:cNvSpPr>
@@ -2360,16 +2300,16 @@
           <a:lstStyle/>
           <a:p>
             <a:r>
-              <a:rPr lang="en-US" smtClean="0"/>
-              <a:t>Click to edit Master title style</a:t>
-            </a:r>
-            <a:endParaRPr lang="en-US"/>
-          </a:p>
-        </p:txBody>
-      </p:sp>
-      <p:sp>
-        <p:nvSpPr>
-          <p:cNvPr id="3" name="Замещающая дата 2"/>
+              <a:rPr lang="ru-RU" smtClean="0"/>
+              <a:t>Образец заголовка</a:t>
+            </a:r>
+            <a:endParaRPr lang="ru-RU"/>
+          </a:p>
+        </p:txBody>
+      </p:sp>
+      <p:sp>
+        <p:nvSpPr>
+          <p:cNvPr id="3" name="Дата 2"/>
           <p:cNvSpPr>
             <a:spLocks noGrp="1"/>
           </p:cNvSpPr>
@@ -2380,6 +2320,7 @@
         <p:spPr/>
         <p:txBody>
           <a:bodyPr/>
+          <a:lstStyle/>
           <a:p>
             <a:fld id="{760FBDFE-C587-4B4C-A407-44438C67B59E}" type="datetimeFigureOut">
               <a:rPr lang="en-US" smtClean="0"/>
@@ -2390,7 +2331,7 @@
       </p:sp>
       <p:sp>
         <p:nvSpPr>
-          <p:cNvPr id="4" name="Замещающий нижний колонтитул 3"/>
+          <p:cNvPr id="4" name="Нижний колонтитул 3"/>
           <p:cNvSpPr>
             <a:spLocks noGrp="1"/>
           </p:cNvSpPr>
@@ -2401,6 +2342,7 @@
         <p:spPr/>
         <p:txBody>
           <a:bodyPr/>
+          <a:lstStyle/>
           <a:p>
             <a:endParaRPr lang="en-US"/>
           </a:p>
@@ -2408,7 +2350,7 @@
       </p:sp>
       <p:sp>
         <p:nvSpPr>
-          <p:cNvPr id="5" name="Замещающий номер слайда 4"/>
+          <p:cNvPr id="5" name="Номер слайда 4"/>
           <p:cNvSpPr>
             <a:spLocks noGrp="1"/>
           </p:cNvSpPr>
@@ -2419,6 +2361,7 @@
         <p:spPr/>
         <p:txBody>
           <a:bodyPr/>
+          <a:lstStyle/>
           <a:p>
             <a:fld id="{49AE70B2-8BF9-45C0-BB95-33D1B9D3A854}" type="slidenum">
               <a:rPr lang="en-US" smtClean="0"/>
@@ -2438,7 +2381,7 @@
 
 <file path=ppt/slideLayouts/slideLayout7.xml><?xml version="1.0" encoding="utf-8"?>
 <p:sldLayout xmlns:a="http://schemas.openxmlformats.org/drawingml/2006/main" xmlns:r="http://schemas.openxmlformats.org/officeDocument/2006/relationships" xmlns:p="http://schemas.openxmlformats.org/presentationml/2006/main" type="blank" preserve="1">
-  <p:cSld name="Blank">
+  <p:cSld name="Пустой слайд">
     <p:spTree>
       <p:nvGrpSpPr>
         <p:cNvPr id="1" name=""/>
@@ -2455,7 +2398,7 @@
       </p:grpSpPr>
       <p:sp>
         <p:nvSpPr>
-          <p:cNvPr id="2" name="Замещающая дата 1"/>
+          <p:cNvPr id="2" name="Дата 1"/>
           <p:cNvSpPr>
             <a:spLocks noGrp="1"/>
           </p:cNvSpPr>
@@ -2466,6 +2409,7 @@
         <p:spPr/>
         <p:txBody>
           <a:bodyPr/>
+          <a:lstStyle/>
           <a:p>
             <a:fld id="{760FBDFE-C587-4B4C-A407-44438C67B59E}" type="datetimeFigureOut">
               <a:rPr lang="en-US" smtClean="0"/>
@@ -2476,7 +2420,7 @@
       </p:sp>
       <p:sp>
         <p:nvSpPr>
-          <p:cNvPr id="3" name="Замещающий нижний колонтитул 2"/>
+          <p:cNvPr id="3" name="Нижний колонтитул 2"/>
           <p:cNvSpPr>
             <a:spLocks noGrp="1"/>
           </p:cNvSpPr>
@@ -2487,6 +2431,7 @@
         <p:spPr/>
         <p:txBody>
           <a:bodyPr/>
+          <a:lstStyle/>
           <a:p>
             <a:endParaRPr lang="en-US"/>
           </a:p>
@@ -2494,7 +2439,7 @@
       </p:sp>
       <p:sp>
         <p:nvSpPr>
-          <p:cNvPr id="4" name="Замещающий номер слайда 3"/>
+          <p:cNvPr id="4" name="Номер слайда 3"/>
           <p:cNvSpPr>
             <a:spLocks noGrp="1"/>
           </p:cNvSpPr>
@@ -2505,6 +2450,7 @@
         <p:spPr/>
         <p:txBody>
           <a:bodyPr/>
+          <a:lstStyle/>
           <a:p>
             <a:fld id="{49AE70B2-8BF9-45C0-BB95-33D1B9D3A854}" type="slidenum">
               <a:rPr lang="en-US" smtClean="0"/>
@@ -2524,7 +2470,7 @@
 
 <file path=ppt/slideLayouts/slideLayout8.xml><?xml version="1.0" encoding="utf-8"?>
 <p:sldLayout xmlns:a="http://schemas.openxmlformats.org/drawingml/2006/main" xmlns:r="http://schemas.openxmlformats.org/officeDocument/2006/relationships" xmlns:p="http://schemas.openxmlformats.org/presentationml/2006/main" type="objTx" preserve="1">
-  <p:cSld name="Content with Caption">
+  <p:cSld name="Объект с подписью">
     <p:spTree>
       <p:nvGrpSpPr>
         <p:cNvPr id="1" name=""/>
@@ -2541,7 +2487,7 @@
       </p:grpSpPr>
       <p:sp>
         <p:nvSpPr>
-          <p:cNvPr id="2" name="Title 1"/>
+          <p:cNvPr id="2" name="Заголовок 1"/>
           <p:cNvSpPr>
             <a:spLocks noGrp="1"/>
           </p:cNvSpPr>
@@ -2551,29 +2497,29 @@
         </p:nvSpPr>
         <p:spPr>
           <a:xfrm>
-            <a:off x="840317" y="457200"/>
-            <a:ext cx="3932767" cy="1600200"/>
+            <a:off x="839788" y="457200"/>
+            <a:ext cx="3932237" cy="1600200"/>
           </a:xfrm>
         </p:spPr>
         <p:txBody>
           <a:bodyPr anchor="b"/>
           <a:lstStyle>
             <a:lvl1pPr>
-              <a:defRPr sz="3200"/>
+              <a:defRPr sz="2400"/>
             </a:lvl1pPr>
           </a:lstStyle>
           <a:p>
             <a:r>
-              <a:rPr lang="en-US" smtClean="0"/>
-              <a:t>Click to edit Master title style</a:t>
-            </a:r>
-            <a:endParaRPr lang="en-US"/>
-          </a:p>
-        </p:txBody>
-      </p:sp>
-      <p:sp>
-        <p:nvSpPr>
-          <p:cNvPr id="3" name="Content Placeholder 2"/>
+              <a:rPr lang="ru-RU" smtClean="0"/>
+              <a:t>Образец заголовка</a:t>
+            </a:r>
+            <a:endParaRPr lang="ru-RU"/>
+          </a:p>
+        </p:txBody>
+      </p:sp>
+      <p:sp>
+        <p:nvSpPr>
+          <p:cNvPr id="3" name="Объект 2"/>
           <p:cNvSpPr>
             <a:spLocks noGrp="1"/>
           </p:cNvSpPr>
@@ -2583,7 +2529,7 @@
         </p:nvSpPr>
         <p:spPr>
           <a:xfrm>
-            <a:off x="5183717" y="987425"/>
+            <a:off x="5183188" y="987425"/>
             <a:ext cx="6172200" cy="4873625"/>
           </a:xfrm>
         </p:spPr>
@@ -2591,78 +2537,78 @@
           <a:bodyPr/>
           <a:lstStyle>
             <a:lvl1pPr>
-              <a:defRPr sz="3200"/>
+              <a:defRPr sz="2400"/>
             </a:lvl1pPr>
             <a:lvl2pPr>
-              <a:defRPr sz="2800"/>
+              <a:defRPr sz="2100"/>
             </a:lvl2pPr>
             <a:lvl3pPr>
-              <a:defRPr sz="2400"/>
+              <a:defRPr sz="1800"/>
             </a:lvl3pPr>
             <a:lvl4pPr>
-              <a:defRPr sz="2000"/>
+              <a:defRPr sz="1500"/>
             </a:lvl4pPr>
             <a:lvl5pPr>
-              <a:defRPr sz="2000"/>
+              <a:defRPr sz="1500"/>
             </a:lvl5pPr>
             <a:lvl6pPr>
-              <a:defRPr sz="2000"/>
+              <a:defRPr sz="1500"/>
             </a:lvl6pPr>
             <a:lvl7pPr>
-              <a:defRPr sz="2000"/>
+              <a:defRPr sz="1500"/>
             </a:lvl7pPr>
             <a:lvl8pPr>
-              <a:defRPr sz="2000"/>
+              <a:defRPr sz="1500"/>
             </a:lvl8pPr>
             <a:lvl9pPr>
-              <a:defRPr sz="2000"/>
+              <a:defRPr sz="1500"/>
             </a:lvl9pPr>
           </a:lstStyle>
           <a:p>
             <a:pPr lvl="0"/>
             <a:r>
-              <a:rPr lang="en-US" smtClean="0"/>
-              <a:t>Click to edit Master text styles</a:t>
-            </a:r>
-            <a:endParaRPr lang="en-US" smtClean="0"/>
+              <a:rPr lang="ru-RU" smtClean="0"/>
+              <a:t>Образец текста</a:t>
+            </a:r>
+            <a:endParaRPr lang="ru-RU" smtClean="0"/>
           </a:p>
           <a:p>
             <a:pPr lvl="1"/>
             <a:r>
-              <a:rPr lang="en-US" smtClean="0"/>
-              <a:t>Second level</a:t>
-            </a:r>
-            <a:endParaRPr lang="en-US" smtClean="0"/>
+              <a:rPr lang="ru-RU" smtClean="0"/>
+              <a:t>Второй уровень</a:t>
+            </a:r>
+            <a:endParaRPr lang="ru-RU" smtClean="0"/>
           </a:p>
           <a:p>
             <a:pPr lvl="2"/>
             <a:r>
-              <a:rPr lang="en-US" smtClean="0"/>
-              <a:t>Third level</a:t>
-            </a:r>
-            <a:endParaRPr lang="en-US" smtClean="0"/>
+              <a:rPr lang="ru-RU" smtClean="0"/>
+              <a:t>Третий уровень</a:t>
+            </a:r>
+            <a:endParaRPr lang="ru-RU" smtClean="0"/>
           </a:p>
           <a:p>
             <a:pPr lvl="3"/>
             <a:r>
-              <a:rPr lang="en-US" smtClean="0"/>
-              <a:t>Fourth level</a:t>
-            </a:r>
-            <a:endParaRPr lang="en-US" smtClean="0"/>
+              <a:rPr lang="ru-RU" smtClean="0"/>
+              <a:t>Четвертый уровень</a:t>
+            </a:r>
+            <a:endParaRPr lang="ru-RU" smtClean="0"/>
           </a:p>
           <a:p>
             <a:pPr lvl="4"/>
             <a:r>
-              <a:rPr lang="en-US" smtClean="0"/>
-              <a:t>Fifth level</a:t>
-            </a:r>
-            <a:endParaRPr lang="en-US"/>
-          </a:p>
-        </p:txBody>
-      </p:sp>
-      <p:sp>
-        <p:nvSpPr>
-          <p:cNvPr id="4" name="Text Placeholder 3"/>
+              <a:rPr lang="ru-RU" smtClean="0"/>
+              <a:t>Пятый уровень</a:t>
+            </a:r>
+            <a:endParaRPr lang="ru-RU"/>
+          </a:p>
+        </p:txBody>
+      </p:sp>
+      <p:sp>
+        <p:nvSpPr>
+          <p:cNvPr id="4" name="Текст 3"/>
           <p:cNvSpPr>
             <a:spLocks noGrp="1"/>
           </p:cNvSpPr>
@@ -2672,8 +2618,8 @@
         </p:nvSpPr>
         <p:spPr>
           <a:xfrm>
-            <a:off x="840317" y="2057400"/>
-            <a:ext cx="3932767" cy="3811588"/>
+            <a:off x="839788" y="2057400"/>
+            <a:ext cx="3932237" cy="3811588"/>
           </a:xfrm>
         </p:spPr>
         <p:txBody>
@@ -2681,54 +2627,54 @@
           <a:lstStyle>
             <a:lvl1pPr marL="0" indent="0">
               <a:buNone/>
-              <a:defRPr sz="1600"/>
+              <a:defRPr sz="1200"/>
             </a:lvl1pPr>
-            <a:lvl2pPr marL="457200" indent="0">
-              <a:buNone/>
-              <a:defRPr sz="1400"/>
+            <a:lvl2pPr marL="342900" indent="0">
+              <a:buNone/>
+              <a:defRPr sz="1050"/>
             </a:lvl2pPr>
-            <a:lvl3pPr marL="914400" indent="0">
-              <a:buNone/>
-              <a:defRPr sz="1200"/>
+            <a:lvl3pPr marL="685800" indent="0">
+              <a:buNone/>
+              <a:defRPr sz="900"/>
             </a:lvl3pPr>
-            <a:lvl4pPr marL="1371600" indent="0">
-              <a:buNone/>
-              <a:defRPr sz="1000"/>
+            <a:lvl4pPr marL="1028700" indent="0">
+              <a:buNone/>
+              <a:defRPr sz="750"/>
             </a:lvl4pPr>
-            <a:lvl5pPr marL="1828800" indent="0">
-              <a:buNone/>
-              <a:defRPr sz="1000"/>
+            <a:lvl5pPr marL="1371600" indent="0">
+              <a:buNone/>
+              <a:defRPr sz="750"/>
             </a:lvl5pPr>
-            <a:lvl6pPr marL="2286000" indent="0">
-              <a:buNone/>
-              <a:defRPr sz="1000"/>
+            <a:lvl6pPr marL="1714500" indent="0">
+              <a:buNone/>
+              <a:defRPr sz="750"/>
             </a:lvl6pPr>
-            <a:lvl7pPr marL="2743200" indent="0">
-              <a:buNone/>
-              <a:defRPr sz="1000"/>
+            <a:lvl7pPr marL="2057400" indent="0">
+              <a:buNone/>
+              <a:defRPr sz="750"/>
             </a:lvl7pPr>
-            <a:lvl8pPr marL="3200400" indent="0">
-              <a:buNone/>
-              <a:defRPr sz="1000"/>
+            <a:lvl8pPr marL="2400300" indent="0">
+              <a:buNone/>
+              <a:defRPr sz="750"/>
             </a:lvl8pPr>
-            <a:lvl9pPr marL="3657600" indent="0">
-              <a:buNone/>
-              <a:defRPr sz="1000"/>
+            <a:lvl9pPr marL="2743200" indent="0">
+              <a:buNone/>
+              <a:defRPr sz="750"/>
             </a:lvl9pPr>
           </a:lstStyle>
           <a:p>
             <a:pPr lvl="0"/>
             <a:r>
-              <a:rPr lang="en-US" smtClean="0"/>
-              <a:t>Click to edit Master text styles</a:t>
-            </a:r>
-            <a:endParaRPr lang="en-US" smtClean="0"/>
-          </a:p>
-        </p:txBody>
-      </p:sp>
-      <p:sp>
-        <p:nvSpPr>
-          <p:cNvPr id="5" name="Замещающая дата 4"/>
+              <a:rPr lang="ru-RU" smtClean="0"/>
+              <a:t>Образец текста</a:t>
+            </a:r>
+            <a:endParaRPr lang="ru-RU" smtClean="0"/>
+          </a:p>
+        </p:txBody>
+      </p:sp>
+      <p:sp>
+        <p:nvSpPr>
+          <p:cNvPr id="5" name="Дата 4"/>
           <p:cNvSpPr>
             <a:spLocks noGrp="1"/>
           </p:cNvSpPr>
@@ -2739,6 +2685,7 @@
         <p:spPr/>
         <p:txBody>
           <a:bodyPr/>
+          <a:lstStyle/>
           <a:p>
             <a:pPr marL="0" marR="0" lvl="0" indent="0" algn="l" defTabSz="914400" rtl="0" eaLnBrk="1" fontAlgn="base" latinLnBrk="0" hangingPunct="1">
               <a:lnSpc>
@@ -2775,7 +2722,7 @@
       </p:sp>
       <p:sp>
         <p:nvSpPr>
-          <p:cNvPr id="6" name="Замещающий нижний колонтитул 5"/>
+          <p:cNvPr id="6" name="Нижний колонтитул 5"/>
           <p:cNvSpPr>
             <a:spLocks noGrp="1"/>
           </p:cNvSpPr>
@@ -2786,6 +2733,7 @@
         <p:spPr/>
         <p:txBody>
           <a:bodyPr/>
+          <a:lstStyle/>
           <a:p>
             <a:pPr marL="0" marR="0" lvl="0" indent="0" algn="ctr" defTabSz="914400" rtl="0" eaLnBrk="1" fontAlgn="base" latinLnBrk="0" hangingPunct="1">
               <a:lnSpc>
@@ -2822,7 +2770,7 @@
       </p:sp>
       <p:sp>
         <p:nvSpPr>
-          <p:cNvPr id="7" name="Замещающий номер слайда 6"/>
+          <p:cNvPr id="7" name="Номер слайда 6"/>
           <p:cNvSpPr>
             <a:spLocks noGrp="1"/>
           </p:cNvSpPr>
@@ -2833,6 +2781,7 @@
         <p:spPr/>
         <p:txBody>
           <a:bodyPr/>
+          <a:lstStyle/>
           <a:p>
             <a:pPr marL="0" marR="0" lvl="0" indent="0" algn="r" defTabSz="914400" rtl="0" eaLnBrk="1" fontAlgn="base" latinLnBrk="0" hangingPunct="1">
               <a:lnSpc>
@@ -2894,7 +2843,7 @@
 
 <file path=ppt/slideLayouts/slideLayout9.xml><?xml version="1.0" encoding="utf-8"?>
 <p:sldLayout xmlns:a="http://schemas.openxmlformats.org/drawingml/2006/main" xmlns:r="http://schemas.openxmlformats.org/officeDocument/2006/relationships" xmlns:p="http://schemas.openxmlformats.org/presentationml/2006/main" type="picTx" preserve="1">
-  <p:cSld name="Picture with Caption">
+  <p:cSld name="Рисунок с подписью">
     <p:spTree>
       <p:nvGrpSpPr>
         <p:cNvPr id="1" name=""/>
@@ -2911,7 +2860,7 @@
       </p:grpSpPr>
       <p:sp>
         <p:nvSpPr>
-          <p:cNvPr id="2" name="Title 1"/>
+          <p:cNvPr id="2" name="Заголовок 1"/>
           <p:cNvSpPr>
             <a:spLocks noGrp="1"/>
           </p:cNvSpPr>
@@ -2921,29 +2870,29 @@
         </p:nvSpPr>
         <p:spPr>
           <a:xfrm>
-            <a:off x="840317" y="457200"/>
-            <a:ext cx="3932767" cy="1600200"/>
+            <a:off x="839788" y="457200"/>
+            <a:ext cx="3932237" cy="1600200"/>
           </a:xfrm>
         </p:spPr>
         <p:txBody>
           <a:bodyPr anchor="b"/>
           <a:lstStyle>
             <a:lvl1pPr>
-              <a:defRPr sz="3200"/>
+              <a:defRPr sz="2400"/>
             </a:lvl1pPr>
           </a:lstStyle>
           <a:p>
             <a:r>
-              <a:rPr lang="en-US" smtClean="0"/>
-              <a:t>Click to edit Master title style</a:t>
-            </a:r>
-            <a:endParaRPr lang="en-US"/>
-          </a:p>
-        </p:txBody>
-      </p:sp>
-      <p:sp>
-        <p:nvSpPr>
-          <p:cNvPr id="3" name="Picture Placeholder 2"/>
+              <a:rPr lang="ru-RU" smtClean="0"/>
+              <a:t>Образец заголовка</a:t>
+            </a:r>
+            <a:endParaRPr lang="ru-RU"/>
+          </a:p>
+        </p:txBody>
+      </p:sp>
+      <p:sp>
+        <p:nvSpPr>
+          <p:cNvPr id="3" name="Рисунок 2"/>
           <p:cNvSpPr>
             <a:spLocks noGrp="1"/>
           </p:cNvSpPr>
@@ -2953,87 +2902,58 @@
         </p:nvSpPr>
         <p:spPr>
           <a:xfrm>
-            <a:off x="5183717" y="987425"/>
+            <a:off x="5183188" y="987425"/>
             <a:ext cx="6172200" cy="4873625"/>
           </a:xfrm>
         </p:spPr>
         <p:txBody>
-          <a:bodyPr vert="horz" wrap="square" lIns="91440" tIns="45720" rIns="91440" bIns="45720" numCol="1" anchor="t" anchorCtr="0" compatLnSpc="1"/>
+          <a:bodyPr/>
           <a:lstStyle>
             <a:lvl1pPr marL="0" indent="0">
               <a:buNone/>
-              <a:defRPr sz="3200"/>
+              <a:defRPr sz="2400"/>
             </a:lvl1pPr>
-            <a:lvl2pPr marL="457200" indent="0">
-              <a:buNone/>
-              <a:defRPr sz="2800"/>
+            <a:lvl2pPr marL="342900" indent="0">
+              <a:buNone/>
+              <a:defRPr sz="2100"/>
             </a:lvl2pPr>
-            <a:lvl3pPr marL="914400" indent="0">
-              <a:buNone/>
-              <a:defRPr sz="2400"/>
+            <a:lvl3pPr marL="685800" indent="0">
+              <a:buNone/>
+              <a:defRPr sz="1800"/>
             </a:lvl3pPr>
-            <a:lvl4pPr marL="1371600" indent="0">
-              <a:buNone/>
-              <a:defRPr sz="2000"/>
+            <a:lvl4pPr marL="1028700" indent="0">
+              <a:buNone/>
+              <a:defRPr sz="1500"/>
             </a:lvl4pPr>
-            <a:lvl5pPr marL="1828800" indent="0">
-              <a:buNone/>
-              <a:defRPr sz="2000"/>
+            <a:lvl5pPr marL="1371600" indent="0">
+              <a:buNone/>
+              <a:defRPr sz="1500"/>
             </a:lvl5pPr>
-            <a:lvl6pPr marL="2286000" indent="0">
-              <a:buNone/>
-              <a:defRPr sz="2000"/>
+            <a:lvl6pPr marL="1714500" indent="0">
+              <a:buNone/>
+              <a:defRPr sz="1500"/>
             </a:lvl6pPr>
-            <a:lvl7pPr marL="2743200" indent="0">
-              <a:buNone/>
-              <a:defRPr sz="2000"/>
+            <a:lvl7pPr marL="2057400" indent="0">
+              <a:buNone/>
+              <a:defRPr sz="1500"/>
             </a:lvl7pPr>
-            <a:lvl8pPr marL="3200400" indent="0">
-              <a:buNone/>
-              <a:defRPr sz="2000"/>
+            <a:lvl8pPr marL="2400300" indent="0">
+              <a:buNone/>
+              <a:defRPr sz="1500"/>
             </a:lvl8pPr>
-            <a:lvl9pPr marL="3657600" indent="0">
-              <a:buNone/>
-              <a:defRPr sz="2000"/>
+            <a:lvl9pPr marL="2743200" indent="0">
+              <a:buNone/>
+              <a:defRPr sz="1500"/>
             </a:lvl9pPr>
           </a:lstStyle>
           <a:p>
-            <a:pPr marL="0" marR="0" lvl="0" indent="0" algn="l" defTabSz="914400" rtl="0" eaLnBrk="1" fontAlgn="base" latinLnBrk="0" hangingPunct="1">
-              <a:lnSpc>
-                <a:spcPct val="100000"/>
-              </a:lnSpc>
-              <a:spcBef>
-                <a:spcPct val="20000"/>
-              </a:spcBef>
-              <a:spcAft>
-                <a:spcPct val="0"/>
-              </a:spcAft>
-              <a:buClrTx/>
-              <a:buSzTx/>
-              <a:buFontTx/>
-              <a:buNone/>
-              <a:defRPr/>
-            </a:pPr>
-            <a:endParaRPr kumimoji="0" lang="en-US" sz="3200" b="0" i="0" u="none" strike="noStrike" kern="1200" cap="none" spc="0" normalizeH="0" baseline="0" noProof="0" smtClean="0">
-              <a:ln>
-                <a:noFill/>
-              </a:ln>
-              <a:solidFill>
-                <a:schemeClr val="tx1"/>
-              </a:solidFill>
-              <a:effectLst/>
-              <a:uLnTx/>
-              <a:uFillTx/>
-              <a:latin typeface="+mn-lt"/>
-              <a:ea typeface="+mn-ea"/>
-              <a:cs typeface="+mn-cs"/>
-            </a:endParaRPr>
-          </a:p>
-        </p:txBody>
-      </p:sp>
-      <p:sp>
-        <p:nvSpPr>
-          <p:cNvPr id="4" name="Text Placeholder 3"/>
+            <a:endParaRPr lang="ru-RU"/>
+          </a:p>
+        </p:txBody>
+      </p:sp>
+      <p:sp>
+        <p:nvSpPr>
+          <p:cNvPr id="4" name="Текст 3"/>
           <p:cNvSpPr>
             <a:spLocks noGrp="1"/>
           </p:cNvSpPr>
@@ -3043,8 +2963,8 @@
         </p:nvSpPr>
         <p:spPr>
           <a:xfrm>
-            <a:off x="840317" y="2057400"/>
-            <a:ext cx="3932767" cy="3811588"/>
+            <a:off x="839788" y="2057400"/>
+            <a:ext cx="3932237" cy="3811588"/>
           </a:xfrm>
         </p:spPr>
         <p:txBody>
@@ -3052,54 +2972,54 @@
           <a:lstStyle>
             <a:lvl1pPr marL="0" indent="0">
               <a:buNone/>
-              <a:defRPr sz="1600"/>
+              <a:defRPr sz="1200"/>
             </a:lvl1pPr>
-            <a:lvl2pPr marL="457200" indent="0">
-              <a:buNone/>
-              <a:defRPr sz="1400"/>
+            <a:lvl2pPr marL="342900" indent="0">
+              <a:buNone/>
+              <a:defRPr sz="1050"/>
             </a:lvl2pPr>
-            <a:lvl3pPr marL="914400" indent="0">
-              <a:buNone/>
-              <a:defRPr sz="1200"/>
+            <a:lvl3pPr marL="685800" indent="0">
+              <a:buNone/>
+              <a:defRPr sz="900"/>
             </a:lvl3pPr>
-            <a:lvl4pPr marL="1371600" indent="0">
-              <a:buNone/>
-              <a:defRPr sz="1000"/>
+            <a:lvl4pPr marL="1028700" indent="0">
+              <a:buNone/>
+              <a:defRPr sz="750"/>
             </a:lvl4pPr>
-            <a:lvl5pPr marL="1828800" indent="0">
-              <a:buNone/>
-              <a:defRPr sz="1000"/>
+            <a:lvl5pPr marL="1371600" indent="0">
+              <a:buNone/>
+              <a:defRPr sz="750"/>
             </a:lvl5pPr>
-            <a:lvl6pPr marL="2286000" indent="0">
-              <a:buNone/>
-              <a:defRPr sz="1000"/>
+            <a:lvl6pPr marL="1714500" indent="0">
+              <a:buNone/>
+              <a:defRPr sz="750"/>
             </a:lvl6pPr>
-            <a:lvl7pPr marL="2743200" indent="0">
-              <a:buNone/>
-              <a:defRPr sz="1000"/>
+            <a:lvl7pPr marL="2057400" indent="0">
+              <a:buNone/>
+              <a:defRPr sz="750"/>
             </a:lvl7pPr>
-            <a:lvl8pPr marL="3200400" indent="0">
-              <a:buNone/>
-              <a:defRPr sz="1000"/>
+            <a:lvl8pPr marL="2400300" indent="0">
+              <a:buNone/>
+              <a:defRPr sz="750"/>
             </a:lvl8pPr>
-            <a:lvl9pPr marL="3657600" indent="0">
-              <a:buNone/>
-              <a:defRPr sz="1000"/>
+            <a:lvl9pPr marL="2743200" indent="0">
+              <a:buNone/>
+              <a:defRPr sz="750"/>
             </a:lvl9pPr>
           </a:lstStyle>
           <a:p>
             <a:pPr lvl="0"/>
             <a:r>
-              <a:rPr lang="en-US" smtClean="0"/>
-              <a:t>Click to edit Master text styles</a:t>
-            </a:r>
-            <a:endParaRPr lang="en-US" smtClean="0"/>
-          </a:p>
-        </p:txBody>
-      </p:sp>
-      <p:sp>
-        <p:nvSpPr>
-          <p:cNvPr id="5" name="Замещающая дата 4"/>
+              <a:rPr lang="ru-RU" smtClean="0"/>
+              <a:t>Образец текста</a:t>
+            </a:r>
+            <a:endParaRPr lang="ru-RU" smtClean="0"/>
+          </a:p>
+        </p:txBody>
+      </p:sp>
+      <p:sp>
+        <p:nvSpPr>
+          <p:cNvPr id="5" name="Дата 4"/>
           <p:cNvSpPr>
             <a:spLocks noGrp="1"/>
           </p:cNvSpPr>
@@ -3110,6 +3030,7 @@
         <p:spPr/>
         <p:txBody>
           <a:bodyPr/>
+          <a:lstStyle/>
           <a:p>
             <a:fld id="{9EFD9D74-47D9-4702-A33C-335B63B48DBF}" type="datetimeFigureOut">
               <a:rPr lang="en-US" smtClean="0"/>
@@ -3120,7 +3041,7 @@
       </p:sp>
       <p:sp>
         <p:nvSpPr>
-          <p:cNvPr id="6" name="Замещающий нижний колонтитул 5"/>
+          <p:cNvPr id="6" name="Нижний колонтитул 5"/>
           <p:cNvSpPr>
             <a:spLocks noGrp="1"/>
           </p:cNvSpPr>
@@ -3131,6 +3052,7 @@
         <p:spPr/>
         <p:txBody>
           <a:bodyPr/>
+          <a:lstStyle/>
           <a:p>
             <a:endParaRPr lang="en-US" dirty="0"/>
           </a:p>
@@ -3138,7 +3060,7 @@
       </p:sp>
       <p:sp>
         <p:nvSpPr>
-          <p:cNvPr id="7" name="Замещающий номер слайда 6"/>
+          <p:cNvPr id="7" name="Номер слайда 6"/>
           <p:cNvSpPr>
             <a:spLocks noGrp="1"/>
           </p:cNvSpPr>
@@ -3149,6 +3071,7 @@
         <p:spPr/>
         <p:txBody>
           <a:bodyPr/>
+          <a:lstStyle/>
           <a:p>
             <a:fld id="{FABC47A4-756D-490B-A52F-7D9E2C9FC05F}" type="slidenum">
               <a:rPr lang="en-US" smtClean="0"/>
@@ -3172,7 +3095,9 @@
     <p:bg>
       <p:bgPr>
         <a:solidFill>
-          <a:schemeClr val="bg1"/>
+          <a:schemeClr val="bg1">
+            <a:alpha val="100000"/>
+          </a:schemeClr>
         </a:solidFill>
         <a:effectLst/>
       </p:bgPr>
@@ -3184,24 +3109,18 @@
         <p:nvPr/>
       </p:nvGrpSpPr>
       <p:grpSpPr/>
-      <p:pic>
-        <p:nvPicPr>
-          <p:cNvPr id="1026" name="Picture 2"/>
-          <p:cNvPicPr>
-            <a:picLocks noChangeAspect="1"/>
-          </p:cNvPicPr>
-          <p:nvPr/>
-        </p:nvPicPr>
-        <p:blipFill>
-          <a:blip r:embed="rId12"/>
-          <a:stretch>
-            <a:fillRect/>
-          </a:stretch>
-        </p:blipFill>
+      <p:sp>
+        <p:nvSpPr>
+          <p:cNvPr id="1026" name="Заголовок 1025"/>
+          <p:cNvSpPr/>
+          <p:nvPr>
+            <p:ph type="title"/>
+          </p:nvPr>
+        </p:nvSpPr>
         <p:spPr>
           <a:xfrm>
-            <a:off x="0" y="0"/>
-            <a:ext cx="12192000" cy="6858000"/>
+            <a:off x="609600" y="274638"/>
+            <a:ext cx="10972800" cy="1143000"/>
           </a:xfrm>
           <a:prstGeom prst="rect">
             <a:avLst/>
@@ -3211,21 +3130,28 @@
             <a:noFill/>
           </a:ln>
         </p:spPr>
-      </p:pic>
-      <p:sp>
-        <p:nvSpPr>
-          <p:cNvPr id="1027" name="Rectangle 3"/>
-          <p:cNvSpPr>
-            <a:spLocks noGrp="1"/>
-          </p:cNvSpPr>
+        <p:txBody>
+          <a:bodyPr anchor="ctr" anchorCtr="0"/>
+          <a:p>
+            <a:pPr lvl="0"/>
+            <a:r>
+              <a:t>Click to edit Master title style</a:t>
+            </a:r>
+          </a:p>
+        </p:txBody>
+      </p:sp>
+      <p:sp>
+        <p:nvSpPr>
+          <p:cNvPr id="1027" name="Замещающий текст 1026"/>
+          <p:cNvSpPr/>
           <p:nvPr>
-            <p:ph type="title"/>
+            <p:ph type="body" idx="1"/>
           </p:nvPr>
         </p:nvSpPr>
         <p:spPr>
           <a:xfrm>
-            <a:off x="609600" y="190500"/>
-            <a:ext cx="10972800" cy="582613"/>
+            <a:off x="609600" y="1600200"/>
+            <a:ext cx="10972800" cy="4525963"/>
           </a:xfrm>
           <a:prstGeom prst="rect">
             <a:avLst/>
@@ -3236,31 +3162,51 @@
           </a:ln>
         </p:spPr>
         <p:txBody>
-          <a:bodyPr anchor="ctr" anchorCtr="0"/>
+          <a:bodyPr/>
           <a:p>
             <a:pPr lvl="0"/>
             <a:r>
-              <a:rPr lang="en-US" altLang="zh-CN" dirty="0"/>
-              <a:t>Click to edit Master title style</a:t>
-            </a:r>
-            <a:endParaRPr lang="en-US" altLang="zh-CN" dirty="0"/>
-          </a:p>
-        </p:txBody>
-      </p:sp>
-      <p:sp>
-        <p:nvSpPr>
-          <p:cNvPr id="1028" name="Rectangle 4"/>
-          <p:cNvSpPr>
-            <a:spLocks noGrp="1"/>
-          </p:cNvSpPr>
+              <a:t>Click to edit Master text styles</a:t>
+            </a:r>
+          </a:p>
+          <a:p>
+            <a:pPr lvl="1"/>
+            <a:r>
+              <a:t>Second level</a:t>
+            </a:r>
+          </a:p>
+          <a:p>
+            <a:pPr lvl="2"/>
+            <a:r>
+              <a:t>Third level</a:t>
+            </a:r>
+          </a:p>
+          <a:p>
+            <a:pPr lvl="3"/>
+            <a:r>
+              <a:t>Fourth level</a:t>
+            </a:r>
+          </a:p>
+          <a:p>
+            <a:pPr lvl="4"/>
+            <a:r>
+              <a:t>Fifth level</a:t>
+            </a:r>
+          </a:p>
+        </p:txBody>
+      </p:sp>
+      <p:sp>
+        <p:nvSpPr>
+          <p:cNvPr id="1028" name="Замещающая дата 1027"/>
+          <p:cNvSpPr/>
           <p:nvPr>
-            <p:ph type="body" idx="1"/>
+            <p:ph type="dt" sz="half" idx="2"/>
           </p:nvPr>
         </p:nvSpPr>
         <p:spPr>
           <a:xfrm>
-            <a:off x="609600" y="1174750"/>
-            <a:ext cx="10972800" cy="4953000"/>
+            <a:off x="609600" y="6245225"/>
+            <a:ext cx="2844800" cy="476250"/>
           </a:xfrm>
           <a:prstGeom prst="rect">
             <a:avLst/>
@@ -3272,102 +3218,6 @@
         </p:spPr>
         <p:txBody>
           <a:bodyPr/>
-          <a:p>
-            <a:pPr lvl="0"/>
-            <a:r>
-              <a:rPr lang="en-US" altLang="zh-CN" dirty="0"/>
-              <a:t>Click to edit Master text styles</a:t>
-            </a:r>
-            <a:endParaRPr lang="en-US" altLang="zh-CN" dirty="0"/>
-          </a:p>
-          <a:p>
-            <a:pPr lvl="1"/>
-            <a:r>
-              <a:rPr lang="en-US" altLang="zh-CN" dirty="0"/>
-              <a:t>Second level</a:t>
-            </a:r>
-            <a:endParaRPr lang="en-US" altLang="zh-CN" dirty="0"/>
-          </a:p>
-          <a:p>
-            <a:pPr lvl="2"/>
-            <a:r>
-              <a:rPr lang="en-US" altLang="zh-CN" dirty="0"/>
-              <a:t>Third level</a:t>
-            </a:r>
-            <a:endParaRPr lang="en-US" altLang="zh-CN" dirty="0"/>
-          </a:p>
-          <a:p>
-            <a:pPr lvl="3"/>
-            <a:r>
-              <a:rPr lang="en-US" altLang="zh-CN" dirty="0"/>
-              <a:t>Fourth level</a:t>
-            </a:r>
-            <a:endParaRPr lang="en-US" altLang="zh-CN" dirty="0"/>
-          </a:p>
-          <a:p>
-            <a:pPr lvl="4"/>
-            <a:r>
-              <a:rPr lang="en-US" altLang="zh-CN" dirty="0"/>
-              <a:t>Fifth level</a:t>
-            </a:r>
-            <a:endParaRPr lang="en-US" altLang="zh-CN" dirty="0"/>
-          </a:p>
-        </p:txBody>
-      </p:sp>
-      <p:sp>
-        <p:nvSpPr>
-          <p:cNvPr id="1029" name="Rectangle 5"/>
-          <p:cNvSpPr>
-            <a:spLocks noGrp="1" noChangeArrowheads="1"/>
-          </p:cNvSpPr>
-          <p:nvPr>
-            <p:ph type="dt" sz="half" idx="2"/>
-          </p:nvPr>
-        </p:nvSpPr>
-        <p:spPr bwMode="auto">
-          <a:xfrm>
-            <a:off x="609600" y="6245225"/>
-            <a:ext cx="2844800" cy="476250"/>
-          </a:xfrm>
-          <a:prstGeom prst="rect">
-            <a:avLst/>
-          </a:prstGeom>
-          <a:noFill/>
-          <a:ln>
-            <a:noFill/>
-          </a:ln>
-          <a:effectLst/>
-          <a:extLst>
-            <a:ext uri="{909E8E84-426E-40DD-AFC4-6F175D3DCCD1}">
-              <a14:hiddenFill xmlns:a14="http://schemas.microsoft.com/office/drawing/2010/main">
-                <a:solidFill>
-                  <a:schemeClr val="accent1"/>
-                </a:solidFill>
-              </a14:hiddenFill>
-            </a:ext>
-            <a:ext uri="{91240B29-F687-4F45-9708-019B960494DF}">
-              <a14:hiddenLine xmlns:a14="http://schemas.microsoft.com/office/drawing/2010/main" w="9525">
-                <a:solidFill>
-                  <a:srgbClr val="000000"/>
-                </a:solidFill>
-                <a:miter lim="800000"/>
-                <a:headEnd/>
-                <a:tailEnd/>
-              </a14:hiddenLine>
-            </a:ext>
-            <a:ext uri="{AF507438-7753-43E0-B8FC-AC1667EBCBE1}">
-              <a14:hiddenEffects xmlns:a14="http://schemas.microsoft.com/office/drawing/2010/main">
-                <a:effectLst>
-                  <a:outerShdw dist="35921" dir="2700000" algn="ctr" rotWithShape="0">
-                    <a:schemeClr val="bg2"/>
-                  </a:outerShdw>
-                </a:effectLst>
-              </a14:hiddenEffects>
-            </a:ext>
-          </a:extLst>
-        </p:spPr>
-        <p:txBody>
-          <a:bodyPr vert="horz" wrap="square" lIns="91440" tIns="45720" rIns="91440" bIns="45720" numCol="1" anchor="t" anchorCtr="0" compatLnSpc="1"/>
           <a:lstStyle>
             <a:lvl1pPr>
               <a:defRPr sz="1400"/>
@@ -3383,15 +3233,13 @@
       </p:sp>
       <p:sp>
         <p:nvSpPr>
-          <p:cNvPr id="1030" name="Rectangle 6"/>
-          <p:cNvSpPr>
-            <a:spLocks noGrp="1" noChangeArrowheads="1"/>
-          </p:cNvSpPr>
+          <p:cNvPr id="1029" name="Замещающий нижний колонтитул 1028"/>
+          <p:cNvSpPr/>
           <p:nvPr>
             <p:ph type="ftr" sz="quarter" idx="3"/>
           </p:nvPr>
         </p:nvSpPr>
-        <p:spPr bwMode="auto">
+        <p:spPr>
           <a:xfrm>
             <a:off x="4165600" y="6245225"/>
             <a:ext cx="3860800" cy="476250"/>
@@ -3400,41 +3248,12 @@
             <a:avLst/>
           </a:prstGeom>
           <a:noFill/>
-          <a:ln>
+          <a:ln w="9525">
             <a:noFill/>
           </a:ln>
-          <a:effectLst/>
-          <a:extLst>
-            <a:ext uri="{909E8E84-426E-40DD-AFC4-6F175D3DCCD1}">
-              <a14:hiddenFill xmlns:a14="http://schemas.microsoft.com/office/drawing/2010/main">
-                <a:solidFill>
-                  <a:schemeClr val="accent1"/>
-                </a:solidFill>
-              </a14:hiddenFill>
-            </a:ext>
-            <a:ext uri="{91240B29-F687-4F45-9708-019B960494DF}">
-              <a14:hiddenLine xmlns:a14="http://schemas.microsoft.com/office/drawing/2010/main" w="9525">
-                <a:solidFill>
-                  <a:srgbClr val="000000"/>
-                </a:solidFill>
-                <a:miter lim="800000"/>
-                <a:headEnd/>
-                <a:tailEnd/>
-              </a14:hiddenLine>
-            </a:ext>
-            <a:ext uri="{AF507438-7753-43E0-B8FC-AC1667EBCBE1}">
-              <a14:hiddenEffects xmlns:a14="http://schemas.microsoft.com/office/drawing/2010/main">
-                <a:effectLst>
-                  <a:outerShdw dist="35921" dir="2700000" algn="ctr" rotWithShape="0">
-                    <a:schemeClr val="bg2"/>
-                  </a:outerShdw>
-                </a:effectLst>
-              </a14:hiddenEffects>
-            </a:ext>
-          </a:extLst>
         </p:spPr>
         <p:txBody>
-          <a:bodyPr vert="horz" wrap="square" lIns="91440" tIns="45720" rIns="91440" bIns="45720" numCol="1" anchor="t" anchorCtr="0" compatLnSpc="1"/>
+          <a:bodyPr/>
           <a:lstStyle>
             <a:lvl1pPr algn="ctr">
               <a:defRPr sz="1400"/>
@@ -3447,15 +3266,13 @@
       </p:sp>
       <p:sp>
         <p:nvSpPr>
-          <p:cNvPr id="1031" name="Rectangle 7"/>
-          <p:cNvSpPr>
-            <a:spLocks noGrp="1" noChangeArrowheads="1"/>
-          </p:cNvSpPr>
+          <p:cNvPr id="1030" name="Замещающий номер слайда 1029"/>
+          <p:cNvSpPr/>
           <p:nvPr>
             <p:ph type="sldNum" sz="quarter" idx="4"/>
           </p:nvPr>
         </p:nvSpPr>
-        <p:spPr bwMode="auto">
+        <p:spPr>
           <a:xfrm>
             <a:off x="8737600" y="6245225"/>
             <a:ext cx="2844800" cy="476250"/>
@@ -3464,41 +3281,12 @@
             <a:avLst/>
           </a:prstGeom>
           <a:noFill/>
-          <a:ln>
+          <a:ln w="9525">
             <a:noFill/>
           </a:ln>
-          <a:effectLst/>
-          <a:extLst>
-            <a:ext uri="{909E8E84-426E-40DD-AFC4-6F175D3DCCD1}">
-              <a14:hiddenFill xmlns:a14="http://schemas.microsoft.com/office/drawing/2010/main">
-                <a:solidFill>
-                  <a:schemeClr val="accent1"/>
-                </a:solidFill>
-              </a14:hiddenFill>
-            </a:ext>
-            <a:ext uri="{91240B29-F687-4F45-9708-019B960494DF}">
-              <a14:hiddenLine xmlns:a14="http://schemas.microsoft.com/office/drawing/2010/main" w="9525">
-                <a:solidFill>
-                  <a:srgbClr val="000000"/>
-                </a:solidFill>
-                <a:miter lim="800000"/>
-                <a:headEnd/>
-                <a:tailEnd/>
-              </a14:hiddenLine>
-            </a:ext>
-            <a:ext uri="{AF507438-7753-43E0-B8FC-AC1667EBCBE1}">
-              <a14:hiddenEffects xmlns:a14="http://schemas.microsoft.com/office/drawing/2010/main">
-                <a:effectLst>
-                  <a:outerShdw dist="35921" dir="2700000" algn="ctr" rotWithShape="0">
-                    <a:schemeClr val="bg2"/>
-                  </a:outerShdw>
-                </a:effectLst>
-              </a14:hiddenEffects>
-            </a:ext>
-          </a:extLst>
         </p:spPr>
         <p:txBody>
-          <a:bodyPr vert="horz" wrap="square" lIns="91440" tIns="45720" rIns="91440" bIns="45720" numCol="1" anchor="t" anchorCtr="0" compatLnSpc="1"/>
+          <a:bodyPr/>
           <a:lstStyle>
             <a:lvl1pPr algn="r">
               <a:defRPr sz="1400"/>
@@ -3531,145 +3319,32 @@
   <p:hf sldNum="0" hdr="0" ftr="0" dt="0"/>
   <p:txStyles>
     <p:titleStyle>
-      <a:lvl1pPr algn="l" rtl="0" fontAlgn="base">
+      <a:lvl1pPr marL="0" lvl="0" indent="0" algn="ctr" defTabSz="914400" eaLnBrk="1" fontAlgn="base" latinLnBrk="0" hangingPunct="1">
+        <a:lnSpc>
+          <a:spcPct val="100000"/>
+        </a:lnSpc>
         <a:spcBef>
           <a:spcPct val="0"/>
         </a:spcBef>
         <a:spcAft>
           <a:spcPct val="0"/>
         </a:spcAft>
-        <a:defRPr sz="3600" kern="1200">
+        <a:buNone/>
+        <a:defRPr sz="4400" b="0" i="0" u="none" kern="1200" baseline="0">
           <a:solidFill>
-            <a:schemeClr val="tx1"/>
+            <a:schemeClr val="tx2"/>
           </a:solidFill>
           <a:latin typeface="+mj-lt"/>
           <a:ea typeface="+mj-ea"/>
           <a:cs typeface="+mj-cs"/>
         </a:defRPr>
       </a:lvl1pPr>
-      <a:lvl2pPr algn="l" rtl="0" fontAlgn="base">
-        <a:spcBef>
-          <a:spcPct val="0"/>
-        </a:spcBef>
-        <a:spcAft>
-          <a:spcPct val="0"/>
-        </a:spcAft>
-        <a:defRPr sz="3600">
-          <a:solidFill>
-            <a:schemeClr val="tx1"/>
-          </a:solidFill>
-          <a:latin typeface="Arial" panose="020B0604020202020204" pitchFamily="34" charset="0"/>
-          <a:ea typeface="SimSun" panose="02010600030101010101" pitchFamily="2" charset="-122"/>
-        </a:defRPr>
-      </a:lvl2pPr>
-      <a:lvl3pPr algn="l" rtl="0" fontAlgn="base">
-        <a:spcBef>
-          <a:spcPct val="0"/>
-        </a:spcBef>
-        <a:spcAft>
-          <a:spcPct val="0"/>
-        </a:spcAft>
-        <a:defRPr sz="3600">
-          <a:solidFill>
-            <a:schemeClr val="tx1"/>
-          </a:solidFill>
-          <a:latin typeface="Arial" panose="020B0604020202020204" pitchFamily="34" charset="0"/>
-          <a:ea typeface="SimSun" panose="02010600030101010101" pitchFamily="2" charset="-122"/>
-        </a:defRPr>
-      </a:lvl3pPr>
-      <a:lvl4pPr algn="l" rtl="0" fontAlgn="base">
-        <a:spcBef>
-          <a:spcPct val="0"/>
-        </a:spcBef>
-        <a:spcAft>
-          <a:spcPct val="0"/>
-        </a:spcAft>
-        <a:defRPr sz="3600">
-          <a:solidFill>
-            <a:schemeClr val="tx1"/>
-          </a:solidFill>
-          <a:latin typeface="Arial" panose="020B0604020202020204" pitchFamily="34" charset="0"/>
-          <a:ea typeface="SimSun" panose="02010600030101010101" pitchFamily="2" charset="-122"/>
-        </a:defRPr>
-      </a:lvl4pPr>
-      <a:lvl5pPr algn="l" rtl="0" fontAlgn="base">
-        <a:spcBef>
-          <a:spcPct val="0"/>
-        </a:spcBef>
-        <a:spcAft>
-          <a:spcPct val="0"/>
-        </a:spcAft>
-        <a:defRPr sz="3600">
-          <a:solidFill>
-            <a:schemeClr val="tx1"/>
-          </a:solidFill>
-          <a:latin typeface="Arial" panose="020B0604020202020204" pitchFamily="34" charset="0"/>
-          <a:ea typeface="SimSun" panose="02010600030101010101" pitchFamily="2" charset="-122"/>
-        </a:defRPr>
-      </a:lvl5pPr>
-      <a:lvl6pPr marL="457200" algn="l" rtl="0" fontAlgn="base">
-        <a:spcBef>
-          <a:spcPct val="0"/>
-        </a:spcBef>
-        <a:spcAft>
-          <a:spcPct val="0"/>
-        </a:spcAft>
-        <a:defRPr sz="3600">
-          <a:solidFill>
-            <a:schemeClr val="tx1"/>
-          </a:solidFill>
-          <a:latin typeface="Arial" panose="020B0604020202020204" pitchFamily="34" charset="0"/>
-          <a:ea typeface="SimSun" panose="02010600030101010101" pitchFamily="2" charset="-122"/>
-        </a:defRPr>
-      </a:lvl6pPr>
-      <a:lvl7pPr marL="914400" algn="l" rtl="0" fontAlgn="base">
-        <a:spcBef>
-          <a:spcPct val="0"/>
-        </a:spcBef>
-        <a:spcAft>
-          <a:spcPct val="0"/>
-        </a:spcAft>
-        <a:defRPr sz="3600">
-          <a:solidFill>
-            <a:schemeClr val="tx1"/>
-          </a:solidFill>
-          <a:latin typeface="Arial" panose="020B0604020202020204" pitchFamily="34" charset="0"/>
-          <a:ea typeface="SimSun" panose="02010600030101010101" pitchFamily="2" charset="-122"/>
-        </a:defRPr>
-      </a:lvl7pPr>
-      <a:lvl8pPr marL="1371600" algn="l" rtl="0" fontAlgn="base">
-        <a:spcBef>
-          <a:spcPct val="0"/>
-        </a:spcBef>
-        <a:spcAft>
-          <a:spcPct val="0"/>
-        </a:spcAft>
-        <a:defRPr sz="3600">
-          <a:solidFill>
-            <a:schemeClr val="tx1"/>
-          </a:solidFill>
-          <a:latin typeface="Arial" panose="020B0604020202020204" pitchFamily="34" charset="0"/>
-          <a:ea typeface="SimSun" panose="02010600030101010101" pitchFamily="2" charset="-122"/>
-        </a:defRPr>
-      </a:lvl8pPr>
-      <a:lvl9pPr marL="1828800" algn="l" rtl="0" fontAlgn="base">
-        <a:spcBef>
-          <a:spcPct val="0"/>
-        </a:spcBef>
-        <a:spcAft>
-          <a:spcPct val="0"/>
-        </a:spcAft>
-        <a:defRPr sz="3600">
-          <a:solidFill>
-            <a:schemeClr val="tx1"/>
-          </a:solidFill>
-          <a:latin typeface="Arial" panose="020B0604020202020204" pitchFamily="34" charset="0"/>
-          <a:ea typeface="SimSun" panose="02010600030101010101" pitchFamily="2" charset="-122"/>
-        </a:defRPr>
-      </a:lvl9pPr>
     </p:titleStyle>
     <p:bodyStyle>
-      <a:lvl1pPr marL="342900" indent="-342900" algn="l" rtl="0" fontAlgn="base">
+      <a:lvl1pPr marL="342900" lvl="0" indent="-342900" algn="l" defTabSz="914400" eaLnBrk="1" fontAlgn="base" latinLnBrk="0" hangingPunct="1">
+        <a:lnSpc>
+          <a:spcPct val="100000"/>
+        </a:lnSpc>
         <a:spcBef>
           <a:spcPct val="20000"/>
         </a:spcBef>
@@ -3677,7 +3352,7 @@
           <a:spcPct val="0"/>
         </a:spcAft>
         <a:buChar char="•"/>
-        <a:defRPr sz="3200" kern="1200">
+        <a:defRPr sz="3200" b="0" i="0" u="none" kern="1200" baseline="0">
           <a:solidFill>
             <a:schemeClr val="tx1"/>
           </a:solidFill>
@@ -3686,7 +3361,10 @@
           <a:cs typeface="+mn-cs"/>
         </a:defRPr>
       </a:lvl1pPr>
-      <a:lvl2pPr marL="742950" indent="-285750" algn="l" rtl="0" fontAlgn="base">
+      <a:lvl2pPr marL="742950" lvl="1" indent="-285750" algn="l" defTabSz="914400" eaLnBrk="1" fontAlgn="base" latinLnBrk="0" hangingPunct="1">
+        <a:lnSpc>
+          <a:spcPct val="100000"/>
+        </a:lnSpc>
         <a:spcBef>
           <a:spcPct val="20000"/>
         </a:spcBef>
@@ -3694,7 +3372,7 @@
           <a:spcPct val="0"/>
         </a:spcAft>
         <a:buChar char="–"/>
-        <a:defRPr sz="2800" kern="1200">
+        <a:defRPr sz="2800" b="0" i="0" u="none" kern="1200" baseline="0">
           <a:solidFill>
             <a:schemeClr val="tx1"/>
           </a:solidFill>
@@ -3703,7 +3381,10 @@
           <a:cs typeface="+mn-cs"/>
         </a:defRPr>
       </a:lvl2pPr>
-      <a:lvl3pPr marL="1143000" indent="-228600" algn="l" rtl="0" fontAlgn="base">
+      <a:lvl3pPr marL="1143000" lvl="2" indent="-228600" algn="l" defTabSz="914400" eaLnBrk="1" fontAlgn="base" latinLnBrk="0" hangingPunct="1">
+        <a:lnSpc>
+          <a:spcPct val="100000"/>
+        </a:lnSpc>
         <a:spcBef>
           <a:spcPct val="20000"/>
         </a:spcBef>
@@ -3711,7 +3392,7 @@
           <a:spcPct val="0"/>
         </a:spcAft>
         <a:buChar char="•"/>
-        <a:defRPr sz="2400" kern="1200">
+        <a:defRPr sz="2400" b="0" i="0" u="none" kern="1200" baseline="0">
           <a:solidFill>
             <a:schemeClr val="tx1"/>
           </a:solidFill>
@@ -3720,7 +3401,10 @@
           <a:cs typeface="+mn-cs"/>
         </a:defRPr>
       </a:lvl3pPr>
-      <a:lvl4pPr marL="1600200" indent="-228600" algn="l" rtl="0" fontAlgn="base">
+      <a:lvl4pPr marL="1600200" lvl="3" indent="-228600" algn="l" defTabSz="914400" eaLnBrk="1" fontAlgn="base" latinLnBrk="0" hangingPunct="1">
+        <a:lnSpc>
+          <a:spcPct val="100000"/>
+        </a:lnSpc>
         <a:spcBef>
           <a:spcPct val="20000"/>
         </a:spcBef>
@@ -3728,7 +3412,7 @@
           <a:spcPct val="0"/>
         </a:spcAft>
         <a:buChar char="–"/>
-        <a:defRPr sz="2000" kern="1200">
+        <a:defRPr sz="2000" b="0" i="0" u="none" kern="1200" baseline="0">
           <a:solidFill>
             <a:schemeClr val="tx1"/>
           </a:solidFill>
@@ -3737,7 +3421,10 @@
           <a:cs typeface="+mn-cs"/>
         </a:defRPr>
       </a:lvl4pPr>
-      <a:lvl5pPr marL="2057400" indent="-228600" algn="l" rtl="0" fontAlgn="base">
+      <a:lvl5pPr marL="2057400" lvl="4" indent="-228600" algn="l" defTabSz="914400" eaLnBrk="1" fontAlgn="base" latinLnBrk="0" hangingPunct="1">
+        <a:lnSpc>
+          <a:spcPct val="100000"/>
+        </a:lnSpc>
         <a:spcBef>
           <a:spcPct val="20000"/>
         </a:spcBef>
@@ -3745,7 +3432,7 @@
           <a:spcPct val="0"/>
         </a:spcAft>
         <a:buChar char="»"/>
-        <a:defRPr sz="2000" kern="1200">
+        <a:defRPr sz="2000" b="0" i="0" u="none" kern="1200" baseline="0">
           <a:solidFill>
             <a:schemeClr val="tx1"/>
           </a:solidFill>
@@ -3754,16 +3441,18 @@
           <a:cs typeface="+mn-cs"/>
         </a:defRPr>
       </a:lvl5pPr>
-      <a:lvl6pPr marL="2514600" indent="-228600" algn="l" defTabSz="914400" rtl="0" eaLnBrk="1" latinLnBrk="0" hangingPunct="1">
+      <a:lvl6pPr marL="2514600" lvl="5" indent="-228600" algn="l" defTabSz="914400" eaLnBrk="1" fontAlgn="base" latinLnBrk="0" hangingPunct="1">
         <a:lnSpc>
-          <a:spcPct val="90000"/>
+          <a:spcPct val="100000"/>
         </a:lnSpc>
         <a:spcBef>
-          <a:spcPts val="500"/>
+          <a:spcPct val="20000"/>
         </a:spcBef>
-        <a:buFont typeface="Arial" panose="020B0604020202020204" pitchFamily="34" charset="0"/>
-        <a:buChar char="•"/>
-        <a:defRPr sz="1800" kern="1200">
+        <a:spcAft>
+          <a:spcPct val="0"/>
+        </a:spcAft>
+        <a:buChar char="»"/>
+        <a:defRPr sz="2000" b="0" i="0" u="none" kern="1200" baseline="0">
           <a:solidFill>
             <a:schemeClr val="tx1"/>
           </a:solidFill>
@@ -3772,16 +3461,18 @@
           <a:cs typeface="+mn-cs"/>
         </a:defRPr>
       </a:lvl6pPr>
-      <a:lvl7pPr marL="2971800" indent="-228600" algn="l" defTabSz="914400" rtl="0" eaLnBrk="1" latinLnBrk="0" hangingPunct="1">
+      <a:lvl7pPr marL="2971800" lvl="6" indent="-228600" algn="l" defTabSz="914400" eaLnBrk="1" fontAlgn="base" latinLnBrk="0" hangingPunct="1">
         <a:lnSpc>
-          <a:spcPct val="90000"/>
+          <a:spcPct val="100000"/>
         </a:lnSpc>
         <a:spcBef>
-          <a:spcPts val="500"/>
+          <a:spcPct val="20000"/>
         </a:spcBef>
-        <a:buFont typeface="Arial" panose="020B0604020202020204" pitchFamily="34" charset="0"/>
-        <a:buChar char="•"/>
-        <a:defRPr sz="1800" kern="1200">
+        <a:spcAft>
+          <a:spcPct val="0"/>
+        </a:spcAft>
+        <a:buChar char="»"/>
+        <a:defRPr sz="2000" b="0" i="0" u="none" kern="1200" baseline="0">
           <a:solidFill>
             <a:schemeClr val="tx1"/>
           </a:solidFill>
@@ -3790,16 +3481,18 @@
           <a:cs typeface="+mn-cs"/>
         </a:defRPr>
       </a:lvl7pPr>
-      <a:lvl8pPr marL="3429000" indent="-228600" algn="l" defTabSz="914400" rtl="0" eaLnBrk="1" latinLnBrk="0" hangingPunct="1">
+      <a:lvl8pPr marL="3429000" lvl="7" indent="-228600" algn="l" defTabSz="914400" eaLnBrk="1" fontAlgn="base" latinLnBrk="0" hangingPunct="1">
         <a:lnSpc>
-          <a:spcPct val="90000"/>
+          <a:spcPct val="100000"/>
         </a:lnSpc>
         <a:spcBef>
-          <a:spcPts val="500"/>
+          <a:spcPct val="20000"/>
         </a:spcBef>
-        <a:buFont typeface="Arial" panose="020B0604020202020204" pitchFamily="34" charset="0"/>
-        <a:buChar char="•"/>
-        <a:defRPr sz="1800" kern="1200">
+        <a:spcAft>
+          <a:spcPct val="0"/>
+        </a:spcAft>
+        <a:buChar char="»"/>
+        <a:defRPr sz="2000" b="0" i="0" u="none" kern="1200" baseline="0">
           <a:solidFill>
             <a:schemeClr val="tx1"/>
           </a:solidFill>
@@ -3808,16 +3501,18 @@
           <a:cs typeface="+mn-cs"/>
         </a:defRPr>
       </a:lvl8pPr>
-      <a:lvl9pPr marL="3886200" indent="-228600" algn="l" defTabSz="914400" rtl="0" eaLnBrk="1" latinLnBrk="0" hangingPunct="1">
+      <a:lvl9pPr marL="3886200" lvl="8" indent="-228600" algn="l" defTabSz="914400" eaLnBrk="1" fontAlgn="base" latinLnBrk="0" hangingPunct="1">
         <a:lnSpc>
-          <a:spcPct val="90000"/>
+          <a:spcPct val="100000"/>
         </a:lnSpc>
         <a:spcBef>
-          <a:spcPts val="500"/>
+          <a:spcPct val="20000"/>
         </a:spcBef>
-        <a:buFont typeface="Arial" panose="020B0604020202020204" pitchFamily="34" charset="0"/>
-        <a:buChar char="•"/>
-        <a:defRPr sz="1800" kern="1200">
+        <a:spcAft>
+          <a:spcPct val="0"/>
+        </a:spcAft>
+        <a:buChar char="»"/>
+        <a:defRPr sz="2000" b="0" i="0" u="none" kern="1200" baseline="0">
           <a:solidFill>
             <a:schemeClr val="tx1"/>
           </a:solidFill>
@@ -3828,11 +3523,19 @@
       </a:lvl9pPr>
     </p:bodyStyle>
     <p:otherStyle>
-      <a:defPPr>
-        <a:defRPr lang="en-US"/>
-      </a:defPPr>
-      <a:lvl1pPr marL="0" algn="l" defTabSz="914400" rtl="0" eaLnBrk="1" latinLnBrk="0" hangingPunct="1">
-        <a:defRPr sz="1800" kern="1200">
+      <a:lvl1pPr marL="0" lvl="0" indent="0" algn="l" defTabSz="914400" eaLnBrk="1" fontAlgn="base" latinLnBrk="0" hangingPunct="1">
+        <a:lnSpc>
+          <a:spcPct val="100000"/>
+        </a:lnSpc>
+        <a:spcBef>
+          <a:spcPct val="0"/>
+        </a:spcBef>
+        <a:spcAft>
+          <a:spcPct val="0"/>
+        </a:spcAft>
+        <a:buFont typeface="Arial" panose="020B0604020202020204" pitchFamily="34" charset="0"/>
+        <a:buNone/>
+        <a:defRPr sz="1800" b="0" i="0" u="none" kern="1200" baseline="0">
           <a:solidFill>
             <a:schemeClr val="tx1"/>
           </a:solidFill>
@@ -3841,82 +3544,170 @@
           <a:cs typeface="+mn-cs"/>
         </a:defRPr>
       </a:lvl1pPr>
-      <a:lvl2pPr marL="457200" algn="l" defTabSz="914400" rtl="0" eaLnBrk="1" latinLnBrk="0" hangingPunct="1">
-        <a:defRPr sz="1800" kern="1200">
+      <a:lvl2pPr marL="457200" lvl="1" indent="0" algn="l" defTabSz="914400" eaLnBrk="1" fontAlgn="base" latinLnBrk="0" hangingPunct="1">
+        <a:lnSpc>
+          <a:spcPct val="100000"/>
+        </a:lnSpc>
+        <a:spcBef>
+          <a:spcPct val="0"/>
+        </a:spcBef>
+        <a:spcAft>
+          <a:spcPct val="0"/>
+        </a:spcAft>
+        <a:buFont typeface="Arial" panose="020B0604020202020204" pitchFamily="34" charset="0"/>
+        <a:buNone/>
+        <a:defRPr b="0" i="0" u="none" kern="1200" baseline="0">
           <a:solidFill>
             <a:schemeClr val="tx1"/>
           </a:solidFill>
-          <a:latin typeface="+mn-lt"/>
+          <a:latin typeface="Arial" panose="020B0604020202020204" pitchFamily="34" charset="0"/>
           <a:ea typeface="+mn-ea"/>
           <a:cs typeface="+mn-cs"/>
         </a:defRPr>
       </a:lvl2pPr>
-      <a:lvl3pPr marL="914400" algn="l" defTabSz="914400" rtl="0" eaLnBrk="1" latinLnBrk="0" hangingPunct="1">
-        <a:defRPr sz="1800" kern="1200">
+      <a:lvl3pPr marL="914400" lvl="2" indent="0" algn="l" defTabSz="914400" eaLnBrk="1" fontAlgn="base" latinLnBrk="0" hangingPunct="1">
+        <a:lnSpc>
+          <a:spcPct val="100000"/>
+        </a:lnSpc>
+        <a:spcBef>
+          <a:spcPct val="0"/>
+        </a:spcBef>
+        <a:spcAft>
+          <a:spcPct val="0"/>
+        </a:spcAft>
+        <a:buFont typeface="Arial" panose="020B0604020202020204" pitchFamily="34" charset="0"/>
+        <a:buNone/>
+        <a:defRPr b="0" i="0" u="none" kern="1200" baseline="0">
           <a:solidFill>
             <a:schemeClr val="tx1"/>
           </a:solidFill>
-          <a:latin typeface="+mn-lt"/>
+          <a:latin typeface="Arial" panose="020B0604020202020204" pitchFamily="34" charset="0"/>
           <a:ea typeface="+mn-ea"/>
           <a:cs typeface="+mn-cs"/>
         </a:defRPr>
       </a:lvl3pPr>
-      <a:lvl4pPr marL="1371600" algn="l" defTabSz="914400" rtl="0" eaLnBrk="1" latinLnBrk="0" hangingPunct="1">
-        <a:defRPr sz="1800" kern="1200">
+      <a:lvl4pPr marL="1371600" lvl="3" indent="0" algn="l" defTabSz="914400" eaLnBrk="1" fontAlgn="base" latinLnBrk="0" hangingPunct="1">
+        <a:lnSpc>
+          <a:spcPct val="100000"/>
+        </a:lnSpc>
+        <a:spcBef>
+          <a:spcPct val="0"/>
+        </a:spcBef>
+        <a:spcAft>
+          <a:spcPct val="0"/>
+        </a:spcAft>
+        <a:buFont typeface="Arial" panose="020B0604020202020204" pitchFamily="34" charset="0"/>
+        <a:buNone/>
+        <a:defRPr b="0" i="0" u="none" kern="1200" baseline="0">
           <a:solidFill>
             <a:schemeClr val="tx1"/>
           </a:solidFill>
-          <a:latin typeface="+mn-lt"/>
+          <a:latin typeface="Arial" panose="020B0604020202020204" pitchFamily="34" charset="0"/>
           <a:ea typeface="+mn-ea"/>
           <a:cs typeface="+mn-cs"/>
         </a:defRPr>
       </a:lvl4pPr>
-      <a:lvl5pPr marL="1828800" algn="l" defTabSz="914400" rtl="0" eaLnBrk="1" latinLnBrk="0" hangingPunct="1">
-        <a:defRPr sz="1800" kern="1200">
+      <a:lvl5pPr marL="1828800" lvl="4" indent="0" algn="l" defTabSz="914400" eaLnBrk="1" fontAlgn="base" latinLnBrk="0" hangingPunct="1">
+        <a:lnSpc>
+          <a:spcPct val="100000"/>
+        </a:lnSpc>
+        <a:spcBef>
+          <a:spcPct val="0"/>
+        </a:spcBef>
+        <a:spcAft>
+          <a:spcPct val="0"/>
+        </a:spcAft>
+        <a:buFont typeface="Arial" panose="020B0604020202020204" pitchFamily="34" charset="0"/>
+        <a:buNone/>
+        <a:defRPr b="0" i="0" u="none" kern="1200" baseline="0">
           <a:solidFill>
             <a:schemeClr val="tx1"/>
           </a:solidFill>
-          <a:latin typeface="+mn-lt"/>
+          <a:latin typeface="Arial" panose="020B0604020202020204" pitchFamily="34" charset="0"/>
           <a:ea typeface="+mn-ea"/>
           <a:cs typeface="+mn-cs"/>
         </a:defRPr>
       </a:lvl5pPr>
-      <a:lvl6pPr marL="2286000" algn="l" defTabSz="914400" rtl="0" eaLnBrk="1" latinLnBrk="0" hangingPunct="1">
-        <a:defRPr sz="1800" kern="1200">
+      <a:lvl6pPr marL="2286000" lvl="5" indent="0" algn="l" defTabSz="914400" eaLnBrk="1" fontAlgn="base" latinLnBrk="0" hangingPunct="1">
+        <a:lnSpc>
+          <a:spcPct val="100000"/>
+        </a:lnSpc>
+        <a:spcBef>
+          <a:spcPct val="0"/>
+        </a:spcBef>
+        <a:spcAft>
+          <a:spcPct val="0"/>
+        </a:spcAft>
+        <a:buFont typeface="Arial" panose="020B0604020202020204" pitchFamily="34" charset="0"/>
+        <a:buNone/>
+        <a:defRPr b="0" i="0" u="none" kern="1200" baseline="0">
           <a:solidFill>
             <a:schemeClr val="tx1"/>
           </a:solidFill>
-          <a:latin typeface="+mn-lt"/>
+          <a:latin typeface="Arial" panose="020B0604020202020204" pitchFamily="34" charset="0"/>
           <a:ea typeface="+mn-ea"/>
           <a:cs typeface="+mn-cs"/>
         </a:defRPr>
       </a:lvl6pPr>
-      <a:lvl7pPr marL="2743200" algn="l" defTabSz="914400" rtl="0" eaLnBrk="1" latinLnBrk="0" hangingPunct="1">
-        <a:defRPr sz="1800" kern="1200">
+      <a:lvl7pPr marL="2743200" lvl="6" indent="0" algn="l" defTabSz="914400" eaLnBrk="1" fontAlgn="base" latinLnBrk="0" hangingPunct="1">
+        <a:lnSpc>
+          <a:spcPct val="100000"/>
+        </a:lnSpc>
+        <a:spcBef>
+          <a:spcPct val="0"/>
+        </a:spcBef>
+        <a:spcAft>
+          <a:spcPct val="0"/>
+        </a:spcAft>
+        <a:buFont typeface="Arial" panose="020B0604020202020204" pitchFamily="34" charset="0"/>
+        <a:buNone/>
+        <a:defRPr b="0" i="0" u="none" kern="1200" baseline="0">
           <a:solidFill>
             <a:schemeClr val="tx1"/>
           </a:solidFill>
-          <a:latin typeface="+mn-lt"/>
+          <a:latin typeface="Arial" panose="020B0604020202020204" pitchFamily="34" charset="0"/>
           <a:ea typeface="+mn-ea"/>
           <a:cs typeface="+mn-cs"/>
         </a:defRPr>
       </a:lvl7pPr>
-      <a:lvl8pPr marL="3200400" algn="l" defTabSz="914400" rtl="0" eaLnBrk="1" latinLnBrk="0" hangingPunct="1">
-        <a:defRPr sz="1800" kern="1200">
+      <a:lvl8pPr marL="3200400" lvl="7" indent="0" algn="l" defTabSz="914400" eaLnBrk="1" fontAlgn="base" latinLnBrk="0" hangingPunct="1">
+        <a:lnSpc>
+          <a:spcPct val="100000"/>
+        </a:lnSpc>
+        <a:spcBef>
+          <a:spcPct val="0"/>
+        </a:spcBef>
+        <a:spcAft>
+          <a:spcPct val="0"/>
+        </a:spcAft>
+        <a:buFont typeface="Arial" panose="020B0604020202020204" pitchFamily="34" charset="0"/>
+        <a:buNone/>
+        <a:defRPr b="0" i="0" u="none" kern="1200" baseline="0">
           <a:solidFill>
             <a:schemeClr val="tx1"/>
           </a:solidFill>
-          <a:latin typeface="+mn-lt"/>
+          <a:latin typeface="Arial" panose="020B0604020202020204" pitchFamily="34" charset="0"/>
           <a:ea typeface="+mn-ea"/>
           <a:cs typeface="+mn-cs"/>
         </a:defRPr>
       </a:lvl8pPr>
-      <a:lvl9pPr marL="3657600" algn="l" defTabSz="914400" rtl="0" eaLnBrk="1" latinLnBrk="0" hangingPunct="1">
-        <a:defRPr sz="1800" kern="1200">
+      <a:lvl9pPr marL="3657600" lvl="8" indent="0" algn="l" defTabSz="914400" eaLnBrk="1" fontAlgn="base" latinLnBrk="0" hangingPunct="1">
+        <a:lnSpc>
+          <a:spcPct val="100000"/>
+        </a:lnSpc>
+        <a:spcBef>
+          <a:spcPct val="0"/>
+        </a:spcBef>
+        <a:spcAft>
+          <a:spcPct val="0"/>
+        </a:spcAft>
+        <a:buFont typeface="Arial" panose="020B0604020202020204" pitchFamily="34" charset="0"/>
+        <a:buNone/>
+        <a:defRPr b="0" i="0" u="none" kern="1200" baseline="0">
           <a:solidFill>
             <a:schemeClr val="tx1"/>
           </a:solidFill>
-          <a:latin typeface="+mn-lt"/>
+          <a:latin typeface="Arial" panose="020B0604020202020204" pitchFamily="34" charset="0"/>
           <a:ea typeface="+mn-ea"/>
           <a:cs typeface="+mn-cs"/>
         </a:defRPr>
@@ -3946,6 +3737,3927 @@
       <p:sp>
         <p:nvSpPr>
           <p:cNvPr id="3" name="Прямоугольник 2"/>
+          <p:cNvSpPr/>
+          <p:nvPr/>
+        </p:nvSpPr>
+        <p:spPr>
+          <a:xfrm>
+            <a:off x="0" y="-635"/>
+            <a:ext cx="12191365" cy="6858635"/>
+          </a:xfrm>
+          <a:prstGeom prst="rect">
+            <a:avLst/>
+          </a:prstGeom>
+          <a:gradFill>
+            <a:gsLst>
+              <a:gs pos="0">
+                <a:srgbClr val="007BD3"/>
+              </a:gs>
+              <a:gs pos="100000">
+                <a:srgbClr val="034373"/>
+              </a:gs>
+            </a:gsLst>
+            <a:lin scaled="0"/>
+          </a:gradFill>
+          <a:ln>
+            <a:noFill/>
+            <a:headEnd type="none" w="med" len="med"/>
+            <a:tailEnd type="none" w="med" len="med"/>
+          </a:ln>
+        </p:spPr>
+        <p:style>
+          <a:lnRef idx="2">
+            <a:schemeClr val="accent3"/>
+          </a:lnRef>
+          <a:fillRef idx="1">
+            <a:schemeClr val="lt1"/>
+          </a:fillRef>
+          <a:effectRef idx="0">
+            <a:schemeClr val="accent3"/>
+          </a:effectRef>
+          <a:fontRef idx="minor">
+            <a:schemeClr val="dk1"/>
+          </a:fontRef>
+        </p:style>
+        <p:txBody>
+          <a:bodyPr vert="horz" wrap="none" lIns="91440" tIns="45720" rIns="91440" bIns="45720" numCol="1" anchor="ctr" anchorCtr="0" compatLnSpc="1"/>
+          <a:p>
+            <a:pPr marL="0" marR="0" indent="0" algn="l" defTabSz="914400" rtl="0" eaLnBrk="1" fontAlgn="base" latinLnBrk="0" hangingPunct="1">
+              <a:lnSpc>
+                <a:spcPct val="100000"/>
+              </a:lnSpc>
+              <a:spcBef>
+                <a:spcPct val="0"/>
+              </a:spcBef>
+              <a:spcAft>
+                <a:spcPct val="0"/>
+              </a:spcAft>
+              <a:buClrTx/>
+              <a:buSzTx/>
+              <a:buFontTx/>
+              <a:buNone/>
+            </a:pPr>
+            <a:endParaRPr kumimoji="0" lang="zh-CN" altLang="en-US" sz="1800" b="0" i="0" u="none" strike="noStrike" cap="none" normalizeH="0" baseline="0" smtClean="0">
+              <a:ln>
+                <a:noFill/>
+              </a:ln>
+              <a:solidFill>
+                <a:schemeClr val="tx1"/>
+              </a:solidFill>
+              <a:effectLst/>
+              <a:latin typeface="Arial" panose="020B0604020202020204" pitchFamily="34" charset="0"/>
+              <a:ea typeface="SimSun" panose="02010600030101010101" pitchFamily="2" charset="-122"/>
+            </a:endParaRPr>
+          </a:p>
+        </p:txBody>
+      </p:sp>
+      <p:sp>
+        <p:nvSpPr>
+          <p:cNvPr id="2" name="Title 1"/>
+          <p:cNvSpPr>
+            <a:spLocks noGrp="1"/>
+          </p:cNvSpPr>
+          <p:nvPr>
+            <p:ph type="ctrTitle"/>
+          </p:nvPr>
+        </p:nvSpPr>
+        <p:spPr>
+          <a:xfrm>
+            <a:off x="0" y="1026160"/>
+            <a:ext cx="5532755" cy="1749425"/>
+          </a:xfrm>
+        </p:spPr>
+        <p:txBody>
+          <a:bodyPr/>
+          <a:lstStyle/>
+          <a:p>
+            <a:r>
+              <a:rPr lang="ru-RU" sz="5400">
+                <a:ln w="10160">
+                  <a:solidFill>
+                    <a:schemeClr val="accent5"/>
+                  </a:solidFill>
+                  <a:prstDash val="solid"/>
+                </a:ln>
+                <a:solidFill>
+                  <a:srgbClr val="FFFFFF"/>
+                </a:solidFill>
+                <a:effectLst>
+                  <a:outerShdw blurRad="38100" dist="22860" dir="5400000" algn="tl" rotWithShape="0">
+                    <a:srgbClr val="000000">
+                      <a:alpha val="30000"/>
+                    </a:srgbClr>
+                  </a:outerShdw>
+                </a:effectLst>
+              </a:rPr>
+              <a:t>Приложение </a:t>
+            </a:r>
+            <a:br>
+              <a:rPr lang="ru-RU" sz="5400">
+                <a:ln w="10160">
+                  <a:solidFill>
+                    <a:schemeClr val="accent5"/>
+                  </a:solidFill>
+                  <a:prstDash val="solid"/>
+                </a:ln>
+                <a:solidFill>
+                  <a:srgbClr val="FFFFFF"/>
+                </a:solidFill>
+                <a:effectLst>
+                  <a:outerShdw blurRad="38100" dist="22860" dir="5400000" algn="tl" rotWithShape="0">
+                    <a:srgbClr val="000000">
+                      <a:alpha val="30000"/>
+                    </a:srgbClr>
+                  </a:outerShdw>
+                </a:effectLst>
+              </a:rPr>
+            </a:br>
+            <a:r>
+              <a:rPr lang="ru-RU" sz="5400">
+                <a:ln w="10160">
+                  <a:solidFill>
+                    <a:schemeClr val="accent5"/>
+                  </a:solidFill>
+                  <a:prstDash val="solid"/>
+                </a:ln>
+                <a:solidFill>
+                  <a:srgbClr val="FFFFFF"/>
+                </a:solidFill>
+                <a:effectLst>
+                  <a:outerShdw blurRad="38100" dist="22860" dir="5400000" algn="tl" rotWithShape="0">
+                    <a:srgbClr val="000000">
+                      <a:alpha val="30000"/>
+                    </a:srgbClr>
+                  </a:outerShdw>
+                </a:effectLst>
+              </a:rPr>
+              <a:t>«</a:t>
+            </a:r>
+            <a:r>
+              <a:rPr lang="en-US" sz="5400">
+                <a:ln w="10160">
+                  <a:solidFill>
+                    <a:schemeClr val="accent5"/>
+                  </a:solidFill>
+                  <a:prstDash val="solid"/>
+                </a:ln>
+                <a:solidFill>
+                  <a:srgbClr val="FFFFFF"/>
+                </a:solidFill>
+                <a:effectLst>
+                  <a:outerShdw blurRad="38100" dist="22860" dir="5400000" algn="tl" rotWithShape="0">
+                    <a:srgbClr val="000000">
+                      <a:alpha val="30000"/>
+                    </a:srgbClr>
+                  </a:outerShdw>
+                </a:effectLst>
+              </a:rPr>
+              <a:t>School</a:t>
+            </a:r>
+            <a:r>
+              <a:rPr lang="ru-RU" altLang="en-US" sz="5400">
+                <a:ln w="10160">
+                  <a:solidFill>
+                    <a:schemeClr val="accent5"/>
+                  </a:solidFill>
+                  <a:prstDash val="solid"/>
+                </a:ln>
+                <a:solidFill>
+                  <a:srgbClr val="FFFFFF"/>
+                </a:solidFill>
+                <a:effectLst>
+                  <a:outerShdw blurRad="38100" dist="22860" dir="5400000" algn="tl" rotWithShape="0">
+                    <a:srgbClr val="000000">
+                      <a:alpha val="30000"/>
+                    </a:srgbClr>
+                  </a:outerShdw>
+                </a:effectLst>
+              </a:rPr>
+              <a:t> </a:t>
+            </a:r>
+            <a:r>
+              <a:rPr lang="en-US" altLang="en-US" sz="5400">
+                <a:ln w="10160">
+                  <a:solidFill>
+                    <a:schemeClr val="accent5"/>
+                  </a:solidFill>
+                  <a:prstDash val="solid"/>
+                </a:ln>
+                <a:solidFill>
+                  <a:srgbClr val="FFFFFF"/>
+                </a:solidFill>
+                <a:effectLst>
+                  <a:outerShdw blurRad="38100" dist="22860" dir="5400000" algn="tl" rotWithShape="0">
+                    <a:srgbClr val="000000">
+                      <a:alpha val="30000"/>
+                    </a:srgbClr>
+                  </a:outerShdw>
+                </a:effectLst>
+              </a:rPr>
+              <a:t>helper</a:t>
+            </a:r>
+            <a:r>
+              <a:rPr lang="ru-RU" altLang="en-US" sz="5400">
+                <a:ln w="10160">
+                  <a:solidFill>
+                    <a:schemeClr val="accent5"/>
+                  </a:solidFill>
+                  <a:prstDash val="solid"/>
+                </a:ln>
+                <a:solidFill>
+                  <a:srgbClr val="FFFFFF"/>
+                </a:solidFill>
+                <a:effectLst>
+                  <a:outerShdw blurRad="38100" dist="22860" dir="5400000" algn="tl" rotWithShape="0">
+                    <a:srgbClr val="000000">
+                      <a:alpha val="30000"/>
+                    </a:srgbClr>
+                  </a:outerShdw>
+                </a:effectLst>
+              </a:rPr>
+              <a:t>»</a:t>
+            </a:r>
+            <a:endParaRPr lang="ru-RU" altLang="en-US" sz="5400">
+              <a:ln w="10160">
+                <a:solidFill>
+                  <a:schemeClr val="accent5"/>
+                </a:solidFill>
+                <a:prstDash val="solid"/>
+              </a:ln>
+              <a:solidFill>
+                <a:srgbClr val="FFFFFF"/>
+              </a:solidFill>
+              <a:effectLst>
+                <a:outerShdw blurRad="38100" dist="22860" dir="5400000" algn="tl" rotWithShape="0">
+                  <a:srgbClr val="000000">
+                    <a:alpha val="30000"/>
+                  </a:srgbClr>
+                </a:outerShdw>
+              </a:effectLst>
+            </a:endParaRPr>
+          </a:p>
+        </p:txBody>
+      </p:sp>
+      <p:sp>
+        <p:nvSpPr>
+          <p:cNvPr id="5" name="Subtitle 4"/>
+          <p:cNvSpPr>
+            <a:spLocks noGrp="1"/>
+          </p:cNvSpPr>
+          <p:nvPr>
+            <p:ph type="subTitle" idx="1"/>
+          </p:nvPr>
+        </p:nvSpPr>
+        <p:spPr>
+          <a:xfrm>
+            <a:off x="0" y="5248910"/>
+            <a:ext cx="3759835" cy="835025"/>
+          </a:xfrm>
+        </p:spPr>
+        <p:txBody>
+          <a:bodyPr/>
+          <a:lstStyle/>
+          <a:p>
+            <a:r>
+              <a:rPr lang="en-US" sz="2400">
+                <a:ln w="10160">
+                  <a:solidFill>
+                    <a:schemeClr val="accent5"/>
+                  </a:solidFill>
+                  <a:prstDash val="solid"/>
+                </a:ln>
+                <a:solidFill>
+                  <a:srgbClr val="FFFFFF"/>
+                </a:solidFill>
+                <a:effectLst>
+                  <a:outerShdw blurRad="38100" dist="22860" dir="5400000" algn="tl" rotWithShape="0">
+                    <a:srgbClr val="000000">
+                      <a:alpha val="30000"/>
+                    </a:srgbClr>
+                  </a:outerShdw>
+                </a:effectLst>
+              </a:rPr>
+              <a:t>Author: MrChudak</a:t>
+            </a:r>
+            <a:endParaRPr lang="en-US" sz="2400">
+              <a:ln w="10160">
+                <a:solidFill>
+                  <a:schemeClr val="accent5"/>
+                </a:solidFill>
+                <a:prstDash val="solid"/>
+              </a:ln>
+              <a:solidFill>
+                <a:srgbClr val="FFFFFF"/>
+              </a:solidFill>
+              <a:effectLst>
+                <a:outerShdw blurRad="38100" dist="22860" dir="5400000" algn="tl" rotWithShape="0">
+                  <a:srgbClr val="000000">
+                    <a:alpha val="30000"/>
+                  </a:srgbClr>
+                </a:outerShdw>
+              </a:effectLst>
+            </a:endParaRPr>
+          </a:p>
+          <a:p>
+            <a:r>
+              <a:rPr lang="en-US" sz="2400">
+                <a:ln w="10160">
+                  <a:solidFill>
+                    <a:schemeClr val="accent5"/>
+                  </a:solidFill>
+                  <a:prstDash val="solid"/>
+                </a:ln>
+                <a:solidFill>
+                  <a:srgbClr val="FFFFFF"/>
+                </a:solidFill>
+                <a:effectLst>
+                  <a:outerShdw blurRad="38100" dist="22860" dir="5400000" algn="tl" rotWithShape="0">
+                    <a:srgbClr val="000000">
+                      <a:alpha val="30000"/>
+                    </a:srgbClr>
+                  </a:outerShdw>
+                </a:effectLst>
+              </a:rPr>
+              <a:t>2023</a:t>
+            </a:r>
+            <a:endParaRPr lang="en-US" sz="2400">
+              <a:ln w="10160">
+                <a:solidFill>
+                  <a:schemeClr val="accent5"/>
+                </a:solidFill>
+                <a:prstDash val="solid"/>
+              </a:ln>
+              <a:solidFill>
+                <a:srgbClr val="FFFFFF"/>
+              </a:solidFill>
+              <a:effectLst>
+                <a:outerShdw blurRad="38100" dist="22860" dir="5400000" algn="tl" rotWithShape="0">
+                  <a:srgbClr val="000000">
+                    <a:alpha val="30000"/>
+                  </a:srgbClr>
+                </a:outerShdw>
+              </a:effectLst>
+            </a:endParaRPr>
+          </a:p>
+        </p:txBody>
+      </p:sp>
+    </p:spTree>
+  </p:cSld>
+  <p:clrMapOvr>
+    <a:masterClrMapping/>
+  </p:clrMapOvr>
+</p:sld>
+</file>
+
+<file path=ppt/slides/slide2.xml><?xml version="1.0" encoding="utf-8"?>
+<p:sld xmlns:a="http://schemas.openxmlformats.org/drawingml/2006/main" xmlns:r="http://schemas.openxmlformats.org/officeDocument/2006/relationships" xmlns:p="http://schemas.openxmlformats.org/presentationml/2006/main">
+  <p:cSld>
+    <p:spTree>
+      <p:nvGrpSpPr>
+        <p:cNvPr id="1" name=""/>
+        <p:cNvGrpSpPr/>
+        <p:nvPr/>
+      </p:nvGrpSpPr>
+      <p:grpSpPr/>
+      <p:sp>
+        <p:nvSpPr>
+          <p:cNvPr id="4" name="Прямоугольник 3"/>
+          <p:cNvSpPr/>
+          <p:nvPr/>
+        </p:nvSpPr>
+        <p:spPr>
+          <a:xfrm>
+            <a:off x="0" y="0"/>
+            <a:ext cx="12191365" cy="6858635"/>
+          </a:xfrm>
+          <a:prstGeom prst="rect">
+            <a:avLst/>
+          </a:prstGeom>
+          <a:solidFill>
+            <a:schemeClr val="bg1"/>
+          </a:solidFill>
+          <a:ln>
+            <a:noFill/>
+            <a:headEnd type="none" w="med" len="med"/>
+            <a:tailEnd type="none" w="med" len="med"/>
+          </a:ln>
+        </p:spPr>
+        <p:style>
+          <a:lnRef idx="2">
+            <a:schemeClr val="accent3"/>
+          </a:lnRef>
+          <a:fillRef idx="1">
+            <a:schemeClr val="lt1"/>
+          </a:fillRef>
+          <a:effectRef idx="0">
+            <a:schemeClr val="accent3"/>
+          </a:effectRef>
+          <a:fontRef idx="minor">
+            <a:schemeClr val="dk1"/>
+          </a:fontRef>
+        </p:style>
+        <p:txBody>
+          <a:bodyPr vert="horz" wrap="none" lIns="91440" tIns="45720" rIns="91440" bIns="45720" numCol="1" anchor="ctr" anchorCtr="0" compatLnSpc="1"/>
+          <a:p>
+            <a:pPr marL="0" marR="0" indent="0" algn="l" defTabSz="914400" rtl="0" eaLnBrk="1" fontAlgn="base" latinLnBrk="0" hangingPunct="1">
+              <a:lnSpc>
+                <a:spcPct val="100000"/>
+              </a:lnSpc>
+              <a:spcBef>
+                <a:spcPct val="0"/>
+              </a:spcBef>
+              <a:spcAft>
+                <a:spcPct val="0"/>
+              </a:spcAft>
+              <a:buClrTx/>
+              <a:buSzTx/>
+              <a:buFontTx/>
+              <a:buNone/>
+            </a:pPr>
+            <a:endParaRPr kumimoji="0" lang="zh-CN" altLang="en-US" sz="1800" b="0" i="0" u="none" strike="noStrike" cap="none" normalizeH="0" baseline="0" smtClean="0">
+              <a:ln>
+                <a:noFill/>
+              </a:ln>
+              <a:solidFill>
+                <a:schemeClr val="tx1"/>
+              </a:solidFill>
+              <a:effectLst/>
+              <a:latin typeface="Arial" panose="020B0604020202020204" pitchFamily="34" charset="0"/>
+              <a:ea typeface="SimSun" panose="02010600030101010101" pitchFamily="2" charset="-122"/>
+            </a:endParaRPr>
+          </a:p>
+        </p:txBody>
+      </p:sp>
+      <p:sp>
+        <p:nvSpPr>
+          <p:cNvPr id="2" name="Заголовок 1"/>
+          <p:cNvSpPr>
+            <a:spLocks noGrp="1"/>
+          </p:cNvSpPr>
+          <p:nvPr>
+            <p:ph type="title"/>
+          </p:nvPr>
+        </p:nvSpPr>
+        <p:spPr/>
+        <p:txBody>
+          <a:bodyPr/>
+          <a:p>
+            <a:r>
+              <a:rPr lang="ru-RU" altLang="ru-RU">
+                <a:solidFill>
+                  <a:schemeClr val="accent1">
+                    <a:lumMod val="50000"/>
+                  </a:schemeClr>
+                </a:solidFill>
+              </a:rPr>
+              <a:t>Описание</a:t>
+            </a:r>
+            <a:endParaRPr lang="ru-RU" altLang="ru-RU">
+              <a:solidFill>
+                <a:schemeClr val="accent1">
+                  <a:lumMod val="50000"/>
+                </a:schemeClr>
+              </a:solidFill>
+            </a:endParaRPr>
+          </a:p>
+        </p:txBody>
+      </p:sp>
+      <p:sp>
+        <p:nvSpPr>
+          <p:cNvPr id="3" name="Замещающее содержимое 2"/>
+          <p:cNvSpPr>
+            <a:spLocks noGrp="1"/>
+          </p:cNvSpPr>
+          <p:nvPr>
+            <p:ph idx="1"/>
+          </p:nvPr>
+        </p:nvSpPr>
+        <p:spPr/>
+        <p:txBody>
+          <a:bodyPr/>
+          <a:p>
+            <a:pPr marL="0" indent="0">
+              <a:buNone/>
+            </a:pPr>
+            <a:r>
+              <a:rPr lang="ru-RU" altLang="en-US">
+                <a:solidFill>
+                  <a:schemeClr val="accent1">
+                    <a:lumMod val="50000"/>
+                  </a:schemeClr>
+                </a:solidFill>
+              </a:rPr>
+              <a:t>Приложение создано для удобного структурирования информации из школьных тем. В приложении представлена возможность записывать собственные заметки по темам, создавать графики по заданной функции(в окончательной версии) и чертить 2</a:t>
+            </a:r>
+            <a:r>
+              <a:rPr lang="en-US" altLang="ru-RU">
+                <a:solidFill>
+                  <a:schemeClr val="accent1">
+                    <a:lumMod val="50000"/>
+                  </a:schemeClr>
+                </a:solidFill>
+              </a:rPr>
+              <a:t>D </a:t>
+            </a:r>
+            <a:r>
+              <a:rPr lang="ru-RU" altLang="ru-RU">
+                <a:solidFill>
+                  <a:schemeClr val="accent1">
+                    <a:lumMod val="50000"/>
+                  </a:schemeClr>
+                </a:solidFill>
+              </a:rPr>
+              <a:t>или </a:t>
+            </a:r>
+            <a:r>
+              <a:rPr lang="en-US" altLang="ru-RU">
+                <a:solidFill>
+                  <a:schemeClr val="accent1">
+                    <a:lumMod val="50000"/>
+                  </a:schemeClr>
+                </a:solidFill>
+              </a:rPr>
+              <a:t>3D </a:t>
+            </a:r>
+            <a:r>
+              <a:rPr lang="ru-RU" altLang="ru-RU">
+                <a:solidFill>
+                  <a:schemeClr val="accent1">
+                    <a:lumMod val="50000"/>
+                  </a:schemeClr>
+                </a:solidFill>
+              </a:rPr>
+              <a:t>модели геометрических фигур</a:t>
+            </a:r>
+            <a:r>
+              <a:rPr lang="ru-RU" altLang="en-US">
+                <a:solidFill>
+                  <a:schemeClr val="accent1">
+                    <a:lumMod val="50000"/>
+                  </a:schemeClr>
+                </a:solidFill>
+                <a:sym typeface="+mn-ea"/>
+              </a:rPr>
+              <a:t>(в окончательной версии)</a:t>
+            </a:r>
+            <a:r>
+              <a:rPr lang="ru-RU" altLang="ru-RU">
+                <a:solidFill>
+                  <a:schemeClr val="accent1">
+                    <a:lumMod val="50000"/>
+                  </a:schemeClr>
+                </a:solidFill>
+              </a:rPr>
+              <a:t>.</a:t>
+            </a:r>
+            <a:endParaRPr lang="ru-RU" altLang="ru-RU">
+              <a:solidFill>
+                <a:schemeClr val="accent1">
+                  <a:lumMod val="50000"/>
+                </a:schemeClr>
+              </a:solidFill>
+            </a:endParaRPr>
+          </a:p>
+        </p:txBody>
+      </p:sp>
+    </p:spTree>
+  </p:cSld>
+  <p:clrMapOvr>
+    <a:masterClrMapping/>
+  </p:clrMapOvr>
+</p:sld>
+</file>
+
+<file path=ppt/slides/slide3.xml><?xml version="1.0" encoding="utf-8"?>
+<p:sld xmlns:a="http://schemas.openxmlformats.org/drawingml/2006/main" xmlns:r="http://schemas.openxmlformats.org/officeDocument/2006/relationships" xmlns:p="http://schemas.openxmlformats.org/presentationml/2006/main">
+  <p:cSld>
+    <p:spTree>
+      <p:nvGrpSpPr>
+        <p:cNvPr id="1" name=""/>
+        <p:cNvGrpSpPr/>
+        <p:nvPr/>
+      </p:nvGrpSpPr>
+      <p:grpSpPr/>
+      <p:sp>
+        <p:nvSpPr>
+          <p:cNvPr id="4" name="Прямоугольник 3"/>
+          <p:cNvSpPr/>
+          <p:nvPr/>
+        </p:nvSpPr>
+        <p:spPr>
+          <a:xfrm>
+            <a:off x="0" y="0"/>
+            <a:ext cx="12191365" cy="6858635"/>
+          </a:xfrm>
+          <a:prstGeom prst="rect">
+            <a:avLst/>
+          </a:prstGeom>
+          <a:ln>
+            <a:headEnd type="none" w="med" len="med"/>
+            <a:tailEnd type="none" w="med" len="med"/>
+          </a:ln>
+        </p:spPr>
+        <p:style>
+          <a:lnRef idx="2">
+            <a:schemeClr val="accent3"/>
+          </a:lnRef>
+          <a:fillRef idx="1">
+            <a:schemeClr val="lt1"/>
+          </a:fillRef>
+          <a:effectRef idx="0">
+            <a:schemeClr val="accent3"/>
+          </a:effectRef>
+          <a:fontRef idx="minor">
+            <a:schemeClr val="dk1"/>
+          </a:fontRef>
+        </p:style>
+        <p:txBody>
+          <a:bodyPr vert="horz" wrap="none" lIns="91440" tIns="45720" rIns="91440" bIns="45720" numCol="1" anchor="ctr" anchorCtr="0" compatLnSpc="1"/>
+          <a:p>
+            <a:pPr marL="0" marR="0" indent="0" algn="l" defTabSz="914400" rtl="0" eaLnBrk="1" fontAlgn="base" latinLnBrk="0" hangingPunct="1">
+              <a:lnSpc>
+                <a:spcPct val="100000"/>
+              </a:lnSpc>
+              <a:spcBef>
+                <a:spcPct val="0"/>
+              </a:spcBef>
+              <a:spcAft>
+                <a:spcPct val="0"/>
+              </a:spcAft>
+              <a:buClrTx/>
+              <a:buSzTx/>
+              <a:buFontTx/>
+              <a:buNone/>
+            </a:pPr>
+            <a:endParaRPr kumimoji="0" lang="zh-CN" altLang="en-US" sz="1800" b="0" i="0" u="none" strike="noStrike" cap="none" normalizeH="0" baseline="0" smtClean="0">
+              <a:ln>
+                <a:noFill/>
+              </a:ln>
+              <a:solidFill>
+                <a:schemeClr val="tx1"/>
+              </a:solidFill>
+              <a:effectLst/>
+              <a:latin typeface="Arial" panose="020B0604020202020204" pitchFamily="34" charset="0"/>
+              <a:ea typeface="SimSun" panose="02010600030101010101" pitchFamily="2" charset="-122"/>
+            </a:endParaRPr>
+          </a:p>
+        </p:txBody>
+      </p:sp>
+      <p:sp>
+        <p:nvSpPr>
+          <p:cNvPr id="2" name="Заголовок 1"/>
+          <p:cNvSpPr>
+            <a:spLocks noGrp="1"/>
+          </p:cNvSpPr>
+          <p:nvPr>
+            <p:ph type="title"/>
+          </p:nvPr>
+        </p:nvSpPr>
+        <p:spPr/>
+        <p:txBody>
+          <a:bodyPr/>
+          <a:p>
+            <a:r>
+              <a:rPr lang="ru-RU" altLang="en-US">
+                <a:solidFill>
+                  <a:schemeClr val="accent1">
+                    <a:lumMod val="50000"/>
+                  </a:schemeClr>
+                </a:solidFill>
+              </a:rPr>
+              <a:t>Ресурсы</a:t>
+            </a:r>
+            <a:endParaRPr lang="ru-RU" altLang="en-US">
+              <a:solidFill>
+                <a:schemeClr val="accent1">
+                  <a:lumMod val="50000"/>
+                </a:schemeClr>
+              </a:solidFill>
+            </a:endParaRPr>
+          </a:p>
+        </p:txBody>
+      </p:sp>
+      <p:sp>
+        <p:nvSpPr>
+          <p:cNvPr id="3" name="Замещающее содержимое 2"/>
+          <p:cNvSpPr>
+            <a:spLocks noGrp="1"/>
+          </p:cNvSpPr>
+          <p:nvPr>
+            <p:ph idx="1"/>
+          </p:nvPr>
+        </p:nvSpPr>
+        <p:spPr>
+          <a:xfrm>
+            <a:off x="609600" y="1600200"/>
+            <a:ext cx="10972800" cy="5078730"/>
+          </a:xfrm>
+        </p:spPr>
+        <p:txBody>
+          <a:bodyPr/>
+          <a:p>
+            <a:pPr marL="0" indent="0">
+              <a:buNone/>
+            </a:pPr>
+            <a:r>
+              <a:rPr lang="en-US" altLang="en-US">
+                <a:solidFill>
+                  <a:schemeClr val="accent1">
+                    <a:lumMod val="50000"/>
+                  </a:schemeClr>
+                </a:solidFill>
+              </a:rPr>
+              <a:t>PyQt5 -</a:t>
+            </a:r>
+            <a:r>
+              <a:rPr lang="ru-RU" altLang="en-US">
+                <a:solidFill>
+                  <a:schemeClr val="accent1">
+                    <a:lumMod val="50000"/>
+                  </a:schemeClr>
+                </a:solidFill>
+              </a:rPr>
+              <a:t> Библиотека для созданий оконных приложения для разных целей</a:t>
+            </a:r>
+            <a:endParaRPr lang="en-US" altLang="en-US">
+              <a:solidFill>
+                <a:schemeClr val="accent1">
+                  <a:lumMod val="50000"/>
+                </a:schemeClr>
+              </a:solidFill>
+            </a:endParaRPr>
+          </a:p>
+          <a:p>
+            <a:pPr marL="0" indent="0">
+              <a:buNone/>
+            </a:pPr>
+            <a:r>
+              <a:rPr lang="en-US" altLang="en-US">
+                <a:solidFill>
+                  <a:schemeClr val="accent1">
+                    <a:lumMod val="50000"/>
+                  </a:schemeClr>
+                </a:solidFill>
+              </a:rPr>
+              <a:t>sys -</a:t>
+            </a:r>
+            <a:r>
+              <a:rPr lang="ru-RU" altLang="en-US">
+                <a:solidFill>
+                  <a:schemeClr val="accent1">
+                    <a:lumMod val="50000"/>
+                  </a:schemeClr>
+                </a:solidFill>
+              </a:rPr>
+              <a:t> обеспечивает доступ к используемым переменным</a:t>
+            </a:r>
+            <a:r>
+              <a:rPr lang="en-US" altLang="ru-RU">
+                <a:solidFill>
+                  <a:schemeClr val="accent1">
+                    <a:lumMod val="50000"/>
+                  </a:schemeClr>
+                </a:solidFill>
+              </a:rPr>
+              <a:t> </a:t>
+            </a:r>
+            <a:r>
+              <a:rPr lang="ru-RU" altLang="ru-RU">
+                <a:solidFill>
+                  <a:schemeClr val="accent1">
+                    <a:lumMod val="50000"/>
+                  </a:schemeClr>
+                </a:solidFill>
+              </a:rPr>
+              <a:t>и функциям</a:t>
+            </a:r>
+            <a:r>
+              <a:rPr lang="ru-RU" altLang="en-US">
+                <a:solidFill>
+                  <a:schemeClr val="accent1">
+                    <a:lumMod val="50000"/>
+                  </a:schemeClr>
+                </a:solidFill>
+              </a:rPr>
+              <a:t>, которые тесно связаны с интерпретатором</a:t>
+            </a:r>
+            <a:endParaRPr lang="ru-RU" altLang="en-US">
+              <a:solidFill>
+                <a:schemeClr val="accent1">
+                  <a:lumMod val="50000"/>
+                </a:schemeClr>
+              </a:solidFill>
+            </a:endParaRPr>
+          </a:p>
+          <a:p>
+            <a:pPr marL="0" indent="0">
+              <a:buNone/>
+            </a:pPr>
+            <a:r>
+              <a:rPr lang="en-US" altLang="en-US">
+                <a:solidFill>
+                  <a:schemeClr val="accent1">
+                    <a:lumMod val="50000"/>
+                  </a:schemeClr>
+                </a:solidFill>
+              </a:rPr>
+              <a:t>markdown</a:t>
+            </a:r>
+            <a:r>
+              <a:rPr lang="ru-RU" altLang="en-US">
+                <a:solidFill>
+                  <a:schemeClr val="accent1">
+                    <a:lumMod val="50000"/>
+                  </a:schemeClr>
+                </a:solidFill>
+              </a:rPr>
+              <a:t> - Модуль, которыйй позволяет преобразовать синтаксис </a:t>
+            </a:r>
+            <a:r>
+              <a:rPr lang="en-US" altLang="en-US">
+                <a:solidFill>
+                  <a:schemeClr val="accent1">
+                    <a:lumMod val="50000"/>
+                  </a:schemeClr>
+                </a:solidFill>
+              </a:rPr>
+              <a:t>markdown </a:t>
+            </a:r>
+            <a:r>
+              <a:rPr lang="ru-RU" altLang="en-US">
+                <a:solidFill>
+                  <a:schemeClr val="accent1">
+                    <a:lumMod val="50000"/>
+                  </a:schemeClr>
+                </a:solidFill>
+              </a:rPr>
+              <a:t>В </a:t>
+            </a:r>
+            <a:r>
+              <a:rPr lang="en-US" altLang="en-US">
+                <a:solidFill>
+                  <a:schemeClr val="accent1">
+                    <a:lumMod val="50000"/>
+                  </a:schemeClr>
+                </a:solidFill>
+              </a:rPr>
+              <a:t>html</a:t>
+            </a:r>
+            <a:endParaRPr lang="en-US" altLang="en-US">
+              <a:solidFill>
+                <a:schemeClr val="accent1">
+                  <a:lumMod val="50000"/>
+                </a:schemeClr>
+              </a:solidFill>
+            </a:endParaRPr>
+          </a:p>
+          <a:p>
+            <a:pPr marL="0" indent="0">
+              <a:buNone/>
+            </a:pPr>
+            <a:endParaRPr lang="en-US" altLang="en-US">
+              <a:solidFill>
+                <a:schemeClr val="accent1">
+                  <a:lumMod val="50000"/>
+                </a:schemeClr>
+              </a:solidFill>
+            </a:endParaRPr>
+          </a:p>
+          <a:p>
+            <a:pPr marL="0" indent="0">
+              <a:buNone/>
+            </a:pPr>
+            <a:r>
+              <a:rPr lang="ru-RU" altLang="en-US">
+                <a:solidFill>
+                  <a:schemeClr val="accent1">
+                    <a:lumMod val="40000"/>
+                    <a:lumOff val="60000"/>
+                  </a:schemeClr>
+                </a:solidFill>
+              </a:rPr>
+              <a:t>Код проекта и инструкцию к нему можно посмотреть в </a:t>
+            </a:r>
+            <a:r>
+              <a:rPr lang="en-US" altLang="ru-RU">
+                <a:ln w="9525">
+                  <a:solidFill>
+                    <a:schemeClr val="bg1"/>
+                  </a:solidFill>
+                  <a:prstDash val="solid"/>
+                </a:ln>
+                <a:solidFill>
+                  <a:schemeClr val="accent1">
+                    <a:lumMod val="75000"/>
+                  </a:schemeClr>
+                </a:solidFill>
+                <a:effectLst>
+                  <a:outerShdw blurRad="12700" dist="38100" dir="2700000" algn="tl" rotWithShape="0">
+                    <a:schemeClr val="accent5">
+                      <a:lumMod val="60000"/>
+                      <a:lumOff val="40000"/>
+                    </a:schemeClr>
+                  </a:outerShdw>
+                </a:effectLst>
+                <a:hlinkClick r:id="rId1" action="ppaction://hlinkfile"/>
+              </a:rPr>
+              <a:t>G</a:t>
+            </a:r>
+            <a:r>
+              <a:rPr lang="en-US" altLang="en-US">
+                <a:ln w="9525">
+                  <a:solidFill>
+                    <a:schemeClr val="bg1"/>
+                  </a:solidFill>
+                  <a:prstDash val="solid"/>
+                </a:ln>
+                <a:solidFill>
+                  <a:schemeClr val="accent1">
+                    <a:lumMod val="75000"/>
+                  </a:schemeClr>
+                </a:solidFill>
+                <a:effectLst>
+                  <a:outerShdw blurRad="12700" dist="38100" dir="2700000" algn="tl" rotWithShape="0">
+                    <a:schemeClr val="accent5">
+                      <a:lumMod val="60000"/>
+                      <a:lumOff val="40000"/>
+                    </a:schemeClr>
+                  </a:outerShdw>
+                </a:effectLst>
+                <a:hlinkClick r:id="rId1" action="ppaction://hlinkfile"/>
+              </a:rPr>
+              <a:t>ithub</a:t>
+            </a:r>
+            <a:endParaRPr lang="ru-RU" altLang="en-US">
+              <a:solidFill>
+                <a:schemeClr val="accent1">
+                  <a:lumMod val="40000"/>
+                  <a:lumOff val="60000"/>
+                </a:schemeClr>
+              </a:solidFill>
+            </a:endParaRPr>
+          </a:p>
+          <a:p>
+            <a:pPr marL="0" indent="0">
+              <a:buNone/>
+            </a:pPr>
+            <a:endParaRPr lang="ru-RU" altLang="en-US">
+              <a:solidFill>
+                <a:schemeClr val="accent1">
+                  <a:lumMod val="40000"/>
+                  <a:lumOff val="60000"/>
+                </a:schemeClr>
+              </a:solidFill>
+            </a:endParaRPr>
+          </a:p>
+        </p:txBody>
+      </p:sp>
+      <p:sp>
+        <p:nvSpPr>
+          <p:cNvPr id="5" name="Овал 4"/>
+          <p:cNvSpPr/>
+          <p:nvPr/>
+        </p:nvSpPr>
+        <p:spPr>
+          <a:xfrm>
+            <a:off x="117475" y="1759585"/>
+            <a:ext cx="312420" cy="290195"/>
+          </a:xfrm>
+          <a:prstGeom prst="ellipse">
+            <a:avLst/>
+          </a:prstGeom>
+        </p:spPr>
+        <p:style>
+          <a:lnRef idx="2">
+            <a:schemeClr val="accent1">
+              <a:shade val="50000"/>
+            </a:schemeClr>
+          </a:lnRef>
+          <a:fillRef idx="1">
+            <a:schemeClr val="accent1"/>
+          </a:fillRef>
+          <a:effectRef idx="0">
+            <a:schemeClr val="accent1"/>
+          </a:effectRef>
+          <a:fontRef idx="minor">
+            <a:schemeClr val="lt1"/>
+          </a:fontRef>
+        </p:style>
+        <p:txBody>
+          <a:bodyPr rtlCol="0" anchor="ctr"/>
+          <a:p>
+            <a:pPr algn="ctr"/>
+            <a:endParaRPr lang="ru-RU" altLang="en-US"/>
+          </a:p>
+        </p:txBody>
+      </p:sp>
+      <p:sp>
+        <p:nvSpPr>
+          <p:cNvPr id="6" name="Овал 5"/>
+          <p:cNvSpPr/>
+          <p:nvPr/>
+        </p:nvSpPr>
+        <p:spPr>
+          <a:xfrm>
+            <a:off x="117475" y="2877185"/>
+            <a:ext cx="312420" cy="290195"/>
+          </a:xfrm>
+          <a:prstGeom prst="ellipse">
+            <a:avLst/>
+          </a:prstGeom>
+        </p:spPr>
+        <p:style>
+          <a:lnRef idx="2">
+            <a:schemeClr val="accent1">
+              <a:shade val="50000"/>
+            </a:schemeClr>
+          </a:lnRef>
+          <a:fillRef idx="1">
+            <a:schemeClr val="accent1"/>
+          </a:fillRef>
+          <a:effectRef idx="0">
+            <a:schemeClr val="accent1"/>
+          </a:effectRef>
+          <a:fontRef idx="minor">
+            <a:schemeClr val="lt1"/>
+          </a:fontRef>
+        </p:style>
+        <p:txBody>
+          <a:bodyPr rtlCol="0" anchor="ctr"/>
+          <a:p>
+            <a:pPr algn="ctr"/>
+            <a:endParaRPr lang="ru-RU" altLang="en-US"/>
+          </a:p>
+        </p:txBody>
+      </p:sp>
+      <p:sp>
+        <p:nvSpPr>
+          <p:cNvPr id="7" name="Овал 6"/>
+          <p:cNvSpPr/>
+          <p:nvPr/>
+        </p:nvSpPr>
+        <p:spPr>
+          <a:xfrm>
+            <a:off x="117475" y="3994150"/>
+            <a:ext cx="312420" cy="290195"/>
+          </a:xfrm>
+          <a:prstGeom prst="ellipse">
+            <a:avLst/>
+          </a:prstGeom>
+        </p:spPr>
+        <p:style>
+          <a:lnRef idx="2">
+            <a:schemeClr val="accent1">
+              <a:shade val="50000"/>
+            </a:schemeClr>
+          </a:lnRef>
+          <a:fillRef idx="1">
+            <a:schemeClr val="accent1"/>
+          </a:fillRef>
+          <a:effectRef idx="0">
+            <a:schemeClr val="accent1"/>
+          </a:effectRef>
+          <a:fontRef idx="minor">
+            <a:schemeClr val="lt1"/>
+          </a:fontRef>
+        </p:style>
+        <p:txBody>
+          <a:bodyPr rtlCol="0" anchor="ctr"/>
+          <a:p>
+            <a:pPr algn="ctr"/>
+            <a:endParaRPr lang="ru-RU" altLang="en-US"/>
+          </a:p>
+        </p:txBody>
+      </p:sp>
+    </p:spTree>
+  </p:cSld>
+  <p:clrMapOvr>
+    <a:masterClrMapping/>
+  </p:clrMapOvr>
+</p:sld>
+</file>
+
+<file path=ppt/slides/slide4.xml><?xml version="1.0" encoding="utf-8"?>
+<p:sld xmlns:a="http://schemas.openxmlformats.org/drawingml/2006/main" xmlns:r="http://schemas.openxmlformats.org/officeDocument/2006/relationships" xmlns:p="http://schemas.openxmlformats.org/presentationml/2006/main">
+  <p:cSld>
+    <p:spTree>
+      <p:nvGrpSpPr>
+        <p:cNvPr id="1" name=""/>
+        <p:cNvGrpSpPr/>
+        <p:nvPr/>
+      </p:nvGrpSpPr>
+      <p:grpSpPr/>
+      <p:sp>
+        <p:nvSpPr>
+          <p:cNvPr id="4" name="Прямоугольник 3"/>
+          <p:cNvSpPr/>
+          <p:nvPr/>
+        </p:nvSpPr>
+        <p:spPr>
+          <a:xfrm>
+            <a:off x="0" y="0"/>
+            <a:ext cx="12191365" cy="6858635"/>
+          </a:xfrm>
+          <a:prstGeom prst="rect">
+            <a:avLst/>
+          </a:prstGeom>
+          <a:ln>
+            <a:headEnd type="none" w="med" len="med"/>
+            <a:tailEnd type="none" w="med" len="med"/>
+          </a:ln>
+        </p:spPr>
+        <p:style>
+          <a:lnRef idx="2">
+            <a:schemeClr val="accent3"/>
+          </a:lnRef>
+          <a:fillRef idx="1">
+            <a:schemeClr val="lt1"/>
+          </a:fillRef>
+          <a:effectRef idx="0">
+            <a:schemeClr val="accent3"/>
+          </a:effectRef>
+          <a:fontRef idx="minor">
+            <a:schemeClr val="dk1"/>
+          </a:fontRef>
+        </p:style>
+        <p:txBody>
+          <a:bodyPr vert="horz" wrap="none" lIns="91440" tIns="45720" rIns="91440" bIns="45720" numCol="1" anchor="ctr" anchorCtr="0" compatLnSpc="1"/>
+          <a:p>
+            <a:pPr marL="0" marR="0" indent="0" algn="l" defTabSz="914400" rtl="0" eaLnBrk="1" fontAlgn="base" latinLnBrk="0" hangingPunct="1">
+              <a:lnSpc>
+                <a:spcPct val="100000"/>
+              </a:lnSpc>
+              <a:spcBef>
+                <a:spcPct val="0"/>
+              </a:spcBef>
+              <a:spcAft>
+                <a:spcPct val="0"/>
+              </a:spcAft>
+              <a:buClrTx/>
+              <a:buSzTx/>
+              <a:buFontTx/>
+              <a:buNone/>
+            </a:pPr>
+            <a:endParaRPr kumimoji="0" lang="zh-CN" altLang="en-US" sz="1800" b="0" i="0" u="none" strike="noStrike" cap="none" normalizeH="0" baseline="0" smtClean="0">
+              <a:ln>
+                <a:noFill/>
+              </a:ln>
+              <a:solidFill>
+                <a:schemeClr val="tx1"/>
+              </a:solidFill>
+              <a:effectLst/>
+              <a:latin typeface="Arial" panose="020B0604020202020204" pitchFamily="34" charset="0"/>
+              <a:ea typeface="SimSun" panose="02010600030101010101" pitchFamily="2" charset="-122"/>
+            </a:endParaRPr>
+          </a:p>
+        </p:txBody>
+      </p:sp>
+      <p:sp>
+        <p:nvSpPr>
+          <p:cNvPr id="2" name="Заголовок 1"/>
+          <p:cNvSpPr>
+            <a:spLocks noGrp="1"/>
+          </p:cNvSpPr>
+          <p:nvPr>
+            <p:ph type="title"/>
+          </p:nvPr>
+        </p:nvSpPr>
+        <p:spPr>
+          <a:xfrm>
+            <a:off x="3119755" y="175260"/>
+            <a:ext cx="5952490" cy="809625"/>
+          </a:xfrm>
+        </p:spPr>
+        <p:txBody>
+          <a:bodyPr/>
+          <a:p>
+            <a:r>
+              <a:rPr lang="ru-RU" altLang="en-US">
+                <a:solidFill>
+                  <a:schemeClr val="accent1">
+                    <a:lumMod val="50000"/>
+                  </a:schemeClr>
+                </a:solidFill>
+              </a:rPr>
+              <a:t>Процесс разработки</a:t>
+            </a:r>
+            <a:endParaRPr lang="ru-RU" altLang="en-US">
+              <a:solidFill>
+                <a:schemeClr val="accent1">
+                  <a:lumMod val="50000"/>
+                </a:schemeClr>
+              </a:solidFill>
+            </a:endParaRPr>
+          </a:p>
+        </p:txBody>
+      </p:sp>
+      <p:sp>
+        <p:nvSpPr>
+          <p:cNvPr id="3" name="Замещающее содержимое 2"/>
+          <p:cNvSpPr>
+            <a:spLocks noGrp="1"/>
+          </p:cNvSpPr>
+          <p:nvPr>
+            <p:ph idx="1"/>
+          </p:nvPr>
+        </p:nvSpPr>
+        <p:spPr>
+          <a:xfrm>
+            <a:off x="0" y="-5332095"/>
+            <a:ext cx="12192000" cy="4953000"/>
+          </a:xfrm>
+        </p:spPr>
+        <p:txBody>
+          <a:bodyPr/>
+          <a:p>
+            <a:pPr marL="0" indent="0">
+              <a:buNone/>
+            </a:pPr>
+            <a:endParaRPr lang="ru-RU" altLang="en-US">
+              <a:solidFill>
+                <a:schemeClr val="accent1">
+                  <a:lumMod val="50000"/>
+                </a:schemeClr>
+              </a:solidFill>
+            </a:endParaRPr>
+          </a:p>
+        </p:txBody>
+      </p:sp>
+      <p:sp>
+        <p:nvSpPr>
+          <p:cNvPr id="5" name="Текстовое поле 4"/>
+          <p:cNvSpPr txBox="1"/>
+          <p:nvPr/>
+        </p:nvSpPr>
+        <p:spPr>
+          <a:xfrm>
+            <a:off x="4898390" y="1426845"/>
+            <a:ext cx="1670685" cy="368300"/>
+          </a:xfrm>
+          <a:prstGeom prst="rect">
+            <a:avLst/>
+          </a:prstGeom>
+          <a:noFill/>
+        </p:spPr>
+        <p:txBody>
+          <a:bodyPr wrap="square" rtlCol="0">
+            <a:spAutoFit/>
+          </a:bodyPr>
+          <a:p>
+            <a:r>
+              <a:rPr lang="en-US" altLang="en-US">
+                <a:solidFill>
+                  <a:schemeClr val="accent1">
+                    <a:lumMod val="50000"/>
+                  </a:schemeClr>
+                </a:solidFill>
+              </a:rPr>
+              <a:t>QMainWindow</a:t>
+            </a:r>
+            <a:endParaRPr lang="en-US" altLang="en-US">
+              <a:solidFill>
+                <a:schemeClr val="accent1">
+                  <a:lumMod val="50000"/>
+                </a:schemeClr>
+              </a:solidFill>
+            </a:endParaRPr>
+          </a:p>
+        </p:txBody>
+      </p:sp>
+      <p:sp>
+        <p:nvSpPr>
+          <p:cNvPr id="6" name="Текстовое поле 5"/>
+          <p:cNvSpPr txBox="1"/>
+          <p:nvPr/>
+        </p:nvSpPr>
+        <p:spPr>
+          <a:xfrm>
+            <a:off x="213360" y="1288415"/>
+            <a:ext cx="1851660" cy="645160"/>
+          </a:xfrm>
+          <a:prstGeom prst="rect">
+            <a:avLst/>
+          </a:prstGeom>
+          <a:noFill/>
+        </p:spPr>
+        <p:txBody>
+          <a:bodyPr wrap="square" rtlCol="0">
+            <a:spAutoFit/>
+          </a:bodyPr>
+          <a:p>
+            <a:r>
+              <a:rPr lang="ru-RU" altLang="en-US">
+                <a:solidFill>
+                  <a:schemeClr val="accent1">
+                    <a:lumMod val="50000"/>
+                  </a:schemeClr>
+                </a:solidFill>
+              </a:rPr>
+              <a:t>Произвольный класс </a:t>
+            </a:r>
+            <a:r>
+              <a:rPr lang="en-US" altLang="en-US">
+                <a:solidFill>
+                  <a:schemeClr val="accent1">
+                    <a:lumMod val="50000"/>
+                  </a:schemeClr>
+                </a:solidFill>
+              </a:rPr>
+              <a:t>Window</a:t>
+            </a:r>
+            <a:endParaRPr lang="en-US" altLang="en-US">
+              <a:solidFill>
+                <a:schemeClr val="accent1">
+                  <a:lumMod val="50000"/>
+                </a:schemeClr>
+              </a:solidFill>
+            </a:endParaRPr>
+          </a:p>
+        </p:txBody>
+      </p:sp>
+      <p:sp>
+        <p:nvSpPr>
+          <p:cNvPr id="7" name="Текстовое поле 6"/>
+          <p:cNvSpPr txBox="1"/>
+          <p:nvPr/>
+        </p:nvSpPr>
+        <p:spPr>
+          <a:xfrm>
+            <a:off x="2592070" y="1075690"/>
+            <a:ext cx="1779270" cy="368300"/>
+          </a:xfrm>
+          <a:prstGeom prst="rect">
+            <a:avLst/>
+          </a:prstGeom>
+          <a:noFill/>
+        </p:spPr>
+        <p:txBody>
+          <a:bodyPr wrap="square" rtlCol="0">
+            <a:spAutoFit/>
+          </a:bodyPr>
+          <a:p>
+            <a:r>
+              <a:rPr lang="ru-RU" altLang="en-US">
+                <a:solidFill>
+                  <a:schemeClr val="accent1">
+                    <a:lumMod val="50000"/>
+                  </a:schemeClr>
+                </a:solidFill>
+              </a:rPr>
+              <a:t>Наследование</a:t>
+            </a:r>
+            <a:endParaRPr lang="ru-RU" altLang="en-US">
+              <a:solidFill>
+                <a:schemeClr val="accent1">
+                  <a:lumMod val="50000"/>
+                </a:schemeClr>
+              </a:solidFill>
+            </a:endParaRPr>
+          </a:p>
+        </p:txBody>
+      </p:sp>
+      <p:sp>
+        <p:nvSpPr>
+          <p:cNvPr id="8" name="Текстовое поле 7"/>
+          <p:cNvSpPr txBox="1"/>
+          <p:nvPr/>
+        </p:nvSpPr>
+        <p:spPr>
+          <a:xfrm>
+            <a:off x="7745095" y="1288415"/>
+            <a:ext cx="4446270" cy="645160"/>
+          </a:xfrm>
+          <a:prstGeom prst="rect">
+            <a:avLst/>
+          </a:prstGeom>
+          <a:noFill/>
+        </p:spPr>
+        <p:txBody>
+          <a:bodyPr wrap="square" rtlCol="0">
+            <a:spAutoFit/>
+          </a:bodyPr>
+          <a:p>
+            <a:r>
+              <a:rPr lang="ru-RU" altLang="en-US">
+                <a:solidFill>
+                  <a:schemeClr val="accent1">
+                    <a:lumMod val="50000"/>
+                  </a:schemeClr>
+                </a:solidFill>
+              </a:rPr>
+              <a:t>Лёгкий доступ ко всем методам, свойствам, виджетам</a:t>
+            </a:r>
+            <a:endParaRPr lang="ru-RU" altLang="en-US">
+              <a:solidFill>
+                <a:schemeClr val="accent1">
+                  <a:lumMod val="50000"/>
+                </a:schemeClr>
+              </a:solidFill>
+            </a:endParaRPr>
+          </a:p>
+        </p:txBody>
+      </p:sp>
+      <p:sp>
+        <p:nvSpPr>
+          <p:cNvPr id="9" name="Текстовое поле 8"/>
+          <p:cNvSpPr txBox="1"/>
+          <p:nvPr/>
+        </p:nvSpPr>
+        <p:spPr>
+          <a:xfrm>
+            <a:off x="213360" y="2503805"/>
+            <a:ext cx="4307840" cy="368300"/>
+          </a:xfrm>
+          <a:prstGeom prst="rect">
+            <a:avLst/>
+          </a:prstGeom>
+          <a:noFill/>
+        </p:spPr>
+        <p:txBody>
+          <a:bodyPr wrap="square" rtlCol="0">
+            <a:spAutoFit/>
+          </a:bodyPr>
+          <a:p>
+            <a:r>
+              <a:rPr lang="ru-RU" altLang="en-US">
+                <a:solidFill>
+                  <a:schemeClr val="accent1">
+                    <a:lumMod val="50000"/>
+                  </a:schemeClr>
+                </a:solidFill>
+              </a:rPr>
+              <a:t>Конструкция </a:t>
+            </a:r>
+            <a:r>
+              <a:rPr lang="en-US" altLang="en-US">
+                <a:solidFill>
+                  <a:schemeClr val="accent1">
+                    <a:lumMod val="50000"/>
+                  </a:schemeClr>
+                </a:solidFill>
+              </a:rPr>
+              <a:t>if __name__ == ‘__main__’</a:t>
+            </a:r>
+            <a:endParaRPr lang="en-US" altLang="en-US">
+              <a:solidFill>
+                <a:schemeClr val="accent1">
+                  <a:lumMod val="50000"/>
+                </a:schemeClr>
+              </a:solidFill>
+            </a:endParaRPr>
+          </a:p>
+        </p:txBody>
+      </p:sp>
+      <p:sp>
+        <p:nvSpPr>
+          <p:cNvPr id="10" name="Текстовое поле 9"/>
+          <p:cNvSpPr txBox="1"/>
+          <p:nvPr/>
+        </p:nvSpPr>
+        <p:spPr>
+          <a:xfrm>
+            <a:off x="155575" y="3712845"/>
+            <a:ext cx="2159000" cy="368300"/>
+          </a:xfrm>
+          <a:prstGeom prst="rect">
+            <a:avLst/>
+          </a:prstGeom>
+          <a:noFill/>
+        </p:spPr>
+        <p:txBody>
+          <a:bodyPr wrap="square" rtlCol="0">
+            <a:spAutoFit/>
+          </a:bodyPr>
+          <a:p>
+            <a:r>
+              <a:rPr lang="en-US" altLang="ru-RU">
+                <a:solidFill>
+                  <a:schemeClr val="accent1">
+                    <a:lumMod val="50000"/>
+                  </a:schemeClr>
+                </a:solidFill>
+              </a:rPr>
+              <a:t>QWebEngineView</a:t>
+            </a:r>
+            <a:endParaRPr lang="en-US" altLang="ru-RU">
+              <a:solidFill>
+                <a:schemeClr val="accent1">
+                  <a:lumMod val="50000"/>
+                </a:schemeClr>
+              </a:solidFill>
+            </a:endParaRPr>
+          </a:p>
+        </p:txBody>
+      </p:sp>
+      <p:sp>
+        <p:nvSpPr>
+          <p:cNvPr id="11" name="Текстовое поле 10"/>
+          <p:cNvSpPr txBox="1"/>
+          <p:nvPr/>
+        </p:nvSpPr>
+        <p:spPr>
+          <a:xfrm>
+            <a:off x="7745095" y="3601085"/>
+            <a:ext cx="4214495" cy="645160"/>
+          </a:xfrm>
+          <a:prstGeom prst="rect">
+            <a:avLst/>
+          </a:prstGeom>
+          <a:noFill/>
+        </p:spPr>
+        <p:txBody>
+          <a:bodyPr wrap="square" rtlCol="0">
+            <a:spAutoFit/>
+          </a:bodyPr>
+          <a:p>
+            <a:r>
+              <a:rPr lang="ru-RU" altLang="en-US">
+                <a:solidFill>
+                  <a:schemeClr val="accent1">
+                    <a:lumMod val="50000"/>
+                  </a:schemeClr>
+                </a:solidFill>
+              </a:rPr>
+              <a:t>Вывод ветраниц, </a:t>
+            </a:r>
+            <a:r>
+              <a:rPr lang="en-US" altLang="en-US">
+                <a:solidFill>
+                  <a:schemeClr val="accent1">
+                    <a:lumMod val="50000"/>
+                  </a:schemeClr>
+                </a:solidFill>
+              </a:rPr>
+              <a:t>html-</a:t>
+            </a:r>
+            <a:r>
+              <a:rPr lang="ru-RU" altLang="en-US">
+                <a:solidFill>
+                  <a:schemeClr val="accent1">
+                    <a:lumMod val="50000"/>
+                  </a:schemeClr>
+                </a:solidFill>
+              </a:rPr>
+              <a:t>файлов веутри приложения</a:t>
+            </a:r>
+            <a:endParaRPr lang="ru-RU" altLang="en-US">
+              <a:solidFill>
+                <a:schemeClr val="accent1">
+                  <a:lumMod val="50000"/>
+                </a:schemeClr>
+              </a:solidFill>
+            </a:endParaRPr>
+          </a:p>
+        </p:txBody>
+      </p:sp>
+      <p:sp>
+        <p:nvSpPr>
+          <p:cNvPr id="12" name="Текстовое поле 11"/>
+          <p:cNvSpPr txBox="1"/>
+          <p:nvPr/>
+        </p:nvSpPr>
+        <p:spPr>
+          <a:xfrm>
+            <a:off x="363855" y="4921885"/>
+            <a:ext cx="1289050" cy="368300"/>
+          </a:xfrm>
+          <a:prstGeom prst="rect">
+            <a:avLst/>
+          </a:prstGeom>
+          <a:noFill/>
+        </p:spPr>
+        <p:txBody>
+          <a:bodyPr wrap="square" rtlCol="0">
+            <a:spAutoFit/>
+          </a:bodyPr>
+          <a:p>
+            <a:r>
+              <a:rPr lang="en-US" altLang="en-US">
+                <a:solidFill>
+                  <a:schemeClr val="accent1">
+                    <a:lumMod val="50000"/>
+                  </a:schemeClr>
+                </a:solidFill>
+              </a:rPr>
+              <a:t>markdown</a:t>
+            </a:r>
+            <a:endParaRPr lang="en-US" altLang="en-US">
+              <a:solidFill>
+                <a:schemeClr val="accent1">
+                  <a:lumMod val="50000"/>
+                </a:schemeClr>
+              </a:solidFill>
+            </a:endParaRPr>
+          </a:p>
+        </p:txBody>
+      </p:sp>
+      <p:cxnSp>
+        <p:nvCxnSpPr>
+          <p:cNvPr id="13" name="Прямая со стрелкой 12"/>
+          <p:cNvCxnSpPr>
+            <a:stCxn id="6" idx="3"/>
+            <a:endCxn id="5" idx="1"/>
+          </p:cNvCxnSpPr>
+          <p:nvPr/>
+        </p:nvCxnSpPr>
+        <p:spPr>
+          <a:xfrm>
+            <a:off x="2065020" y="1610995"/>
+            <a:ext cx="2833370" cy="0"/>
+          </a:xfrm>
+          <a:prstGeom prst="straightConnector1">
+            <a:avLst/>
+          </a:prstGeom>
+          <a:ln>
+            <a:tailEnd type="arrow" w="med" len="med"/>
+          </a:ln>
+        </p:spPr>
+        <p:style>
+          <a:lnRef idx="3">
+            <a:schemeClr val="accent1"/>
+          </a:lnRef>
+          <a:fillRef idx="0">
+            <a:schemeClr val="accent1"/>
+          </a:fillRef>
+          <a:effectRef idx="2">
+            <a:schemeClr val="accent1"/>
+          </a:effectRef>
+          <a:fontRef idx="minor">
+            <a:schemeClr val="tx1"/>
+          </a:fontRef>
+        </p:style>
+      </p:cxnSp>
+      <p:cxnSp>
+        <p:nvCxnSpPr>
+          <p:cNvPr id="14" name="Прямая со стрелкой 13"/>
+          <p:cNvCxnSpPr>
+            <a:stCxn id="5" idx="3"/>
+            <a:endCxn id="8" idx="1"/>
+          </p:cNvCxnSpPr>
+          <p:nvPr/>
+        </p:nvCxnSpPr>
+        <p:spPr>
+          <a:xfrm>
+            <a:off x="6569075" y="1610995"/>
+            <a:ext cx="1176020" cy="0"/>
+          </a:xfrm>
+          <a:prstGeom prst="straightConnector1">
+            <a:avLst/>
+          </a:prstGeom>
+          <a:ln>
+            <a:tailEnd type="arrow" w="med" len="med"/>
+          </a:ln>
+        </p:spPr>
+        <p:style>
+          <a:lnRef idx="3">
+            <a:schemeClr val="accent1"/>
+          </a:lnRef>
+          <a:fillRef idx="0">
+            <a:schemeClr val="accent1"/>
+          </a:fillRef>
+          <a:effectRef idx="2">
+            <a:schemeClr val="accent1"/>
+          </a:effectRef>
+          <a:fontRef idx="minor">
+            <a:schemeClr val="tx1"/>
+          </a:fontRef>
+        </p:style>
+      </p:cxnSp>
+      <p:cxnSp>
+        <p:nvCxnSpPr>
+          <p:cNvPr id="15" name="Прямая со стрелкой 14"/>
+          <p:cNvCxnSpPr>
+            <a:stCxn id="10" idx="3"/>
+            <a:endCxn id="11" idx="1"/>
+          </p:cNvCxnSpPr>
+          <p:nvPr/>
+        </p:nvCxnSpPr>
+        <p:spPr>
+          <a:xfrm>
+            <a:off x="2314575" y="3896995"/>
+            <a:ext cx="5430520" cy="26670"/>
+          </a:xfrm>
+          <a:prstGeom prst="straightConnector1">
+            <a:avLst/>
+          </a:prstGeom>
+          <a:ln>
+            <a:tailEnd type="arrow" w="med" len="med"/>
+          </a:ln>
+        </p:spPr>
+        <p:style>
+          <a:lnRef idx="3">
+            <a:schemeClr val="accent1"/>
+          </a:lnRef>
+          <a:fillRef idx="0">
+            <a:schemeClr val="accent1"/>
+          </a:fillRef>
+          <a:effectRef idx="2">
+            <a:schemeClr val="accent1"/>
+          </a:effectRef>
+          <a:fontRef idx="minor">
+            <a:schemeClr val="tx1"/>
+          </a:fontRef>
+        </p:style>
+      </p:cxnSp>
+      <p:cxnSp>
+        <p:nvCxnSpPr>
+          <p:cNvPr id="16" name="Прямая со стрелкой 15"/>
+          <p:cNvCxnSpPr>
+            <a:stCxn id="12" idx="3"/>
+          </p:cNvCxnSpPr>
+          <p:nvPr/>
+        </p:nvCxnSpPr>
+        <p:spPr>
+          <a:xfrm>
+            <a:off x="1652905" y="5106035"/>
+            <a:ext cx="5842635" cy="13335"/>
+          </a:xfrm>
+          <a:prstGeom prst="straightConnector1">
+            <a:avLst/>
+          </a:prstGeom>
+          <a:ln>
+            <a:tailEnd type="arrow" w="med" len="med"/>
+          </a:ln>
+        </p:spPr>
+        <p:style>
+          <a:lnRef idx="3">
+            <a:schemeClr val="accent1"/>
+          </a:lnRef>
+          <a:fillRef idx="0">
+            <a:schemeClr val="accent1"/>
+          </a:fillRef>
+          <a:effectRef idx="2">
+            <a:schemeClr val="accent1"/>
+          </a:effectRef>
+          <a:fontRef idx="minor">
+            <a:schemeClr val="tx1"/>
+          </a:fontRef>
+        </p:style>
+      </p:cxnSp>
+      <p:cxnSp>
+        <p:nvCxnSpPr>
+          <p:cNvPr id="17" name="Прямая со стрелкой 16"/>
+          <p:cNvCxnSpPr/>
+          <p:nvPr/>
+        </p:nvCxnSpPr>
+        <p:spPr>
+          <a:xfrm>
+            <a:off x="4791075" y="2684780"/>
+            <a:ext cx="1852930" cy="1905"/>
+          </a:xfrm>
+          <a:prstGeom prst="straightConnector1">
+            <a:avLst/>
+          </a:prstGeom>
+          <a:ln>
+            <a:tailEnd type="arrow" w="med" len="med"/>
+          </a:ln>
+        </p:spPr>
+        <p:style>
+          <a:lnRef idx="3">
+            <a:schemeClr val="accent1"/>
+          </a:lnRef>
+          <a:fillRef idx="0">
+            <a:schemeClr val="accent1"/>
+          </a:fillRef>
+          <a:effectRef idx="2">
+            <a:schemeClr val="accent1"/>
+          </a:effectRef>
+          <a:fontRef idx="minor">
+            <a:schemeClr val="tx1"/>
+          </a:fontRef>
+        </p:style>
+      </p:cxnSp>
+      <p:sp>
+        <p:nvSpPr>
+          <p:cNvPr id="18" name="Текстовое поле 17"/>
+          <p:cNvSpPr txBox="1"/>
+          <p:nvPr/>
+        </p:nvSpPr>
+        <p:spPr>
+          <a:xfrm>
+            <a:off x="7907655" y="4783455"/>
+            <a:ext cx="4277995" cy="645160"/>
+          </a:xfrm>
+          <a:prstGeom prst="rect">
+            <a:avLst/>
+          </a:prstGeom>
+          <a:noFill/>
+        </p:spPr>
+        <p:txBody>
+          <a:bodyPr wrap="square" rtlCol="0">
+            <a:spAutoFit/>
+          </a:bodyPr>
+          <a:p>
+            <a:r>
+              <a:rPr lang="ru-RU" altLang="en-US">
+                <a:solidFill>
+                  <a:schemeClr val="accent1">
+                    <a:lumMod val="50000"/>
+                  </a:schemeClr>
+                </a:solidFill>
+              </a:rPr>
+              <a:t>Используется для преобразования синтаксиса </a:t>
+            </a:r>
+            <a:r>
+              <a:rPr lang="en-US" altLang="en-US">
+                <a:solidFill>
+                  <a:schemeClr val="accent1">
+                    <a:lumMod val="50000"/>
+                  </a:schemeClr>
+                </a:solidFill>
+              </a:rPr>
+              <a:t>markdown </a:t>
+            </a:r>
+            <a:r>
+              <a:rPr lang="ru-RU" altLang="en-US">
+                <a:solidFill>
+                  <a:schemeClr val="accent1">
+                    <a:lumMod val="50000"/>
+                  </a:schemeClr>
+                </a:solidFill>
+              </a:rPr>
+              <a:t>в </a:t>
+            </a:r>
+            <a:r>
+              <a:rPr lang="en-US" altLang="en-US">
+                <a:solidFill>
+                  <a:schemeClr val="accent1">
+                    <a:lumMod val="50000"/>
+                  </a:schemeClr>
+                </a:solidFill>
+              </a:rPr>
+              <a:t>html</a:t>
+            </a:r>
+            <a:endParaRPr lang="en-US" altLang="en-US">
+              <a:solidFill>
+                <a:schemeClr val="accent1">
+                  <a:lumMod val="50000"/>
+                </a:schemeClr>
+              </a:solidFill>
+            </a:endParaRPr>
+          </a:p>
+        </p:txBody>
+      </p:sp>
+      <p:sp>
+        <p:nvSpPr>
+          <p:cNvPr id="19" name="Текстовое поле 18"/>
+          <p:cNvSpPr txBox="1"/>
+          <p:nvPr/>
+        </p:nvSpPr>
+        <p:spPr>
+          <a:xfrm>
+            <a:off x="6644005" y="2237105"/>
+            <a:ext cx="5562600" cy="922020"/>
+          </a:xfrm>
+          <a:prstGeom prst="rect">
+            <a:avLst/>
+          </a:prstGeom>
+          <a:noFill/>
+        </p:spPr>
+        <p:txBody>
+          <a:bodyPr wrap="square" rtlCol="0">
+            <a:spAutoFit/>
+          </a:bodyPr>
+          <a:p>
+            <a:r>
+              <a:rPr lang="ru-RU" altLang="en-US">
+                <a:solidFill>
+                  <a:schemeClr val="accent1">
+                    <a:lumMod val="50000"/>
+                  </a:schemeClr>
+                </a:solidFill>
+              </a:rPr>
+              <a:t>используется в скрипте, чтобы обеспечить, что код выполняется только при запуске программы, а не при импортировании кода в другой модуль.</a:t>
+            </a:r>
+            <a:endParaRPr lang="ru-RU" altLang="en-US">
+              <a:solidFill>
+                <a:schemeClr val="accent1">
+                  <a:lumMod val="50000"/>
+                </a:schemeClr>
+              </a:solidFill>
+            </a:endParaRPr>
+          </a:p>
+        </p:txBody>
+      </p:sp>
+    </p:spTree>
+  </p:cSld>
+  <p:clrMapOvr>
+    <a:masterClrMapping/>
+  </p:clrMapOvr>
+  <p:timing>
+    <p:tnLst>
+      <p:par>
+        <p:cTn id="1" dur="indefinite" restart="never" nodeType="tmRoot">
+          <p:childTnLst>
+            <p:seq concurrent="1" nextAc="seek">
+              <p:cTn id="2" dur="indefinite" nodeType="mainSeq">
+                <p:childTnLst>
+                  <p:par>
+                    <p:cTn id="3" fill="hold">
+                      <p:stCondLst>
+                        <p:cond delay="indefinite"/>
+                        <p:cond evt="onBegin" delay="0">
+                          <p:tn val="2"/>
+                        </p:cond>
+                      </p:stCondLst>
+                      <p:childTnLst>
+                        <p:par>
+                          <p:cTn id="4" fill="hold">
+                            <p:stCondLst>
+                              <p:cond delay="0"/>
+                            </p:stCondLst>
+                            <p:childTnLst>
+                              <p:par>
+                                <p:cTn id="5" presetID="18" presetClass="entr" presetSubtype="12" fill="hold" nodeType="withEffect">
+                                  <p:stCondLst>
+                                    <p:cond delay="0"/>
+                                  </p:stCondLst>
+                                  <p:childTnLst>
+                                    <p:set>
+                                      <p:cBhvr>
+                                        <p:cTn id="6" dur="1" fill="hold">
+                                          <p:stCondLst>
+                                            <p:cond delay="0"/>
+                                          </p:stCondLst>
+                                        </p:cTn>
+                                        <p:tgtEl>
+                                          <p:spTgt spid="13"/>
+                                        </p:tgtEl>
+                                        <p:attrNameLst>
+                                          <p:attrName>style.visibility</p:attrName>
+                                        </p:attrNameLst>
+                                      </p:cBhvr>
+                                      <p:to>
+                                        <p:strVal val="visible"/>
+                                      </p:to>
+                                    </p:set>
+                                    <p:animEffect transition="in" filter="strips(downLeft)">
+                                      <p:cBhvr>
+                                        <p:cTn id="7" dur="500"/>
+                                        <p:tgtEl>
+                                          <p:spTgt spid="13"/>
+                                        </p:tgtEl>
+                                      </p:cBhvr>
+                                    </p:animEffect>
+                                  </p:childTnLst>
+                                </p:cTn>
+                              </p:par>
+                              <p:par>
+                                <p:cTn id="8" presetID="16" presetClass="entr" presetSubtype="21" fill="hold" grpId="0" nodeType="withEffect">
+                                  <p:stCondLst>
+                                    <p:cond delay="0"/>
+                                  </p:stCondLst>
+                                  <p:childTnLst>
+                                    <p:set>
+                                      <p:cBhvr>
+                                        <p:cTn id="9" dur="1" fill="hold">
+                                          <p:stCondLst>
+                                            <p:cond delay="0"/>
+                                          </p:stCondLst>
+                                        </p:cTn>
+                                        <p:tgtEl>
+                                          <p:spTgt spid="7"/>
+                                        </p:tgtEl>
+                                        <p:attrNameLst>
+                                          <p:attrName>style.visibility</p:attrName>
+                                        </p:attrNameLst>
+                                      </p:cBhvr>
+                                      <p:to>
+                                        <p:strVal val="visible"/>
+                                      </p:to>
+                                    </p:set>
+                                    <p:animEffect transition="in" filter="barn(inVertical)">
+                                      <p:cBhvr>
+                                        <p:cTn id="10" dur="500"/>
+                                        <p:tgtEl>
+                                          <p:spTgt spid="7"/>
+                                        </p:tgtEl>
+                                      </p:cBhvr>
+                                    </p:animEffect>
+                                  </p:childTnLst>
+                                </p:cTn>
+                              </p:par>
+                            </p:childTnLst>
+                          </p:cTn>
+                        </p:par>
+                        <p:par>
+                          <p:cTn id="11" fill="hold">
+                            <p:stCondLst>
+                              <p:cond delay="500"/>
+                            </p:stCondLst>
+                            <p:childTnLst>
+                              <p:par>
+                                <p:cTn id="12" presetID="16" presetClass="entr" presetSubtype="21" fill="hold" grpId="0" nodeType="afterEffect">
+                                  <p:stCondLst>
+                                    <p:cond delay="0"/>
+                                  </p:stCondLst>
+                                  <p:childTnLst>
+                                    <p:set>
+                                      <p:cBhvr>
+                                        <p:cTn id="13" dur="1" fill="hold">
+                                          <p:stCondLst>
+                                            <p:cond delay="0"/>
+                                          </p:stCondLst>
+                                        </p:cTn>
+                                        <p:tgtEl>
+                                          <p:spTgt spid="5"/>
+                                        </p:tgtEl>
+                                        <p:attrNameLst>
+                                          <p:attrName>style.visibility</p:attrName>
+                                        </p:attrNameLst>
+                                      </p:cBhvr>
+                                      <p:to>
+                                        <p:strVal val="visible"/>
+                                      </p:to>
+                                    </p:set>
+                                    <p:animEffect transition="in" filter="barn(inVertical)">
+                                      <p:cBhvr>
+                                        <p:cTn id="14" dur="500"/>
+                                        <p:tgtEl>
+                                          <p:spTgt spid="5"/>
+                                        </p:tgtEl>
+                                      </p:cBhvr>
+                                    </p:animEffect>
+                                  </p:childTnLst>
+                                </p:cTn>
+                              </p:par>
+                            </p:childTnLst>
+                          </p:cTn>
+                        </p:par>
+                        <p:par>
+                          <p:cTn id="15" fill="hold">
+                            <p:stCondLst>
+                              <p:cond delay="1000"/>
+                            </p:stCondLst>
+                            <p:childTnLst>
+                              <p:par>
+                                <p:cTn id="16" presetID="16" presetClass="entr" presetSubtype="21" fill="hold" nodeType="afterEffect">
+                                  <p:stCondLst>
+                                    <p:cond delay="0"/>
+                                  </p:stCondLst>
+                                  <p:childTnLst>
+                                    <p:set>
+                                      <p:cBhvr>
+                                        <p:cTn id="17" dur="1" fill="hold">
+                                          <p:stCondLst>
+                                            <p:cond delay="0"/>
+                                          </p:stCondLst>
+                                        </p:cTn>
+                                        <p:tgtEl>
+                                          <p:spTgt spid="14"/>
+                                        </p:tgtEl>
+                                        <p:attrNameLst>
+                                          <p:attrName>style.visibility</p:attrName>
+                                        </p:attrNameLst>
+                                      </p:cBhvr>
+                                      <p:to>
+                                        <p:strVal val="visible"/>
+                                      </p:to>
+                                    </p:set>
+                                    <p:animEffect transition="in" filter="barn(inVertical)">
+                                      <p:cBhvr>
+                                        <p:cTn id="18" dur="500"/>
+                                        <p:tgtEl>
+                                          <p:spTgt spid="14"/>
+                                        </p:tgtEl>
+                                      </p:cBhvr>
+                                    </p:animEffect>
+                                  </p:childTnLst>
+                                </p:cTn>
+                              </p:par>
+                            </p:childTnLst>
+                          </p:cTn>
+                        </p:par>
+                        <p:par>
+                          <p:cTn id="19" fill="hold">
+                            <p:stCondLst>
+                              <p:cond delay="1500"/>
+                            </p:stCondLst>
+                            <p:childTnLst>
+                              <p:par>
+                                <p:cTn id="20" presetID="16" presetClass="entr" presetSubtype="21" fill="hold" grpId="0" nodeType="afterEffect">
+                                  <p:stCondLst>
+                                    <p:cond delay="0"/>
+                                  </p:stCondLst>
+                                  <p:childTnLst>
+                                    <p:set>
+                                      <p:cBhvr>
+                                        <p:cTn id="21" dur="1" fill="hold">
+                                          <p:stCondLst>
+                                            <p:cond delay="0"/>
+                                          </p:stCondLst>
+                                        </p:cTn>
+                                        <p:tgtEl>
+                                          <p:spTgt spid="8"/>
+                                        </p:tgtEl>
+                                        <p:attrNameLst>
+                                          <p:attrName>style.visibility</p:attrName>
+                                        </p:attrNameLst>
+                                      </p:cBhvr>
+                                      <p:to>
+                                        <p:strVal val="visible"/>
+                                      </p:to>
+                                    </p:set>
+                                    <p:animEffect transition="in" filter="barn(inVertical)">
+                                      <p:cBhvr>
+                                        <p:cTn id="22" dur="500"/>
+                                        <p:tgtEl>
+                                          <p:spTgt spid="8"/>
+                                        </p:tgtEl>
+                                      </p:cBhvr>
+                                    </p:animEffect>
+                                  </p:childTnLst>
+                                </p:cTn>
+                              </p:par>
+                            </p:childTnLst>
+                          </p:cTn>
+                        </p:par>
+                        <p:par>
+                          <p:cTn id="23" fill="hold">
+                            <p:stCondLst>
+                              <p:cond delay="2000"/>
+                            </p:stCondLst>
+                            <p:childTnLst>
+                              <p:par>
+                                <p:cTn id="24" presetID="16" presetClass="entr" presetSubtype="21" fill="hold" nodeType="afterEffect">
+                                  <p:stCondLst>
+                                    <p:cond delay="0"/>
+                                  </p:stCondLst>
+                                  <p:childTnLst>
+                                    <p:set>
+                                      <p:cBhvr>
+                                        <p:cTn id="25" dur="1" fill="hold">
+                                          <p:stCondLst>
+                                            <p:cond delay="0"/>
+                                          </p:stCondLst>
+                                        </p:cTn>
+                                        <p:tgtEl>
+                                          <p:spTgt spid="17"/>
+                                        </p:tgtEl>
+                                        <p:attrNameLst>
+                                          <p:attrName>style.visibility</p:attrName>
+                                        </p:attrNameLst>
+                                      </p:cBhvr>
+                                      <p:to>
+                                        <p:strVal val="visible"/>
+                                      </p:to>
+                                    </p:set>
+                                    <p:animEffect transition="in" filter="barn(inVertical)">
+                                      <p:cBhvr>
+                                        <p:cTn id="26" dur="500"/>
+                                        <p:tgtEl>
+                                          <p:spTgt spid="17"/>
+                                        </p:tgtEl>
+                                      </p:cBhvr>
+                                    </p:animEffect>
+                                  </p:childTnLst>
+                                </p:cTn>
+                              </p:par>
+                            </p:childTnLst>
+                          </p:cTn>
+                        </p:par>
+                        <p:par>
+                          <p:cTn id="27" fill="hold">
+                            <p:stCondLst>
+                              <p:cond delay="2500"/>
+                            </p:stCondLst>
+                            <p:childTnLst>
+                              <p:par>
+                                <p:cTn id="28" presetID="16" presetClass="entr" presetSubtype="21" fill="hold" grpId="0" nodeType="afterEffect">
+                                  <p:stCondLst>
+                                    <p:cond delay="0"/>
+                                  </p:stCondLst>
+                                  <p:childTnLst>
+                                    <p:set>
+                                      <p:cBhvr>
+                                        <p:cTn id="29" dur="1" fill="hold">
+                                          <p:stCondLst>
+                                            <p:cond delay="0"/>
+                                          </p:stCondLst>
+                                        </p:cTn>
+                                        <p:tgtEl>
+                                          <p:spTgt spid="19"/>
+                                        </p:tgtEl>
+                                        <p:attrNameLst>
+                                          <p:attrName>style.visibility</p:attrName>
+                                        </p:attrNameLst>
+                                      </p:cBhvr>
+                                      <p:to>
+                                        <p:strVal val="visible"/>
+                                      </p:to>
+                                    </p:set>
+                                    <p:animEffect transition="in" filter="barn(inVertical)">
+                                      <p:cBhvr>
+                                        <p:cTn id="30" dur="500"/>
+                                        <p:tgtEl>
+                                          <p:spTgt spid="19"/>
+                                        </p:tgtEl>
+                                      </p:cBhvr>
+                                    </p:animEffect>
+                                  </p:childTnLst>
+                                </p:cTn>
+                              </p:par>
+                            </p:childTnLst>
+                          </p:cTn>
+                        </p:par>
+                        <p:par>
+                          <p:cTn id="31" fill="hold">
+                            <p:stCondLst>
+                              <p:cond delay="3000"/>
+                            </p:stCondLst>
+                            <p:childTnLst>
+                              <p:par>
+                                <p:cTn id="32" presetID="16" presetClass="entr" presetSubtype="21" fill="hold" nodeType="afterEffect">
+                                  <p:stCondLst>
+                                    <p:cond delay="0"/>
+                                  </p:stCondLst>
+                                  <p:childTnLst>
+                                    <p:set>
+                                      <p:cBhvr>
+                                        <p:cTn id="33" dur="1" fill="hold">
+                                          <p:stCondLst>
+                                            <p:cond delay="0"/>
+                                          </p:stCondLst>
+                                        </p:cTn>
+                                        <p:tgtEl>
+                                          <p:spTgt spid="15"/>
+                                        </p:tgtEl>
+                                        <p:attrNameLst>
+                                          <p:attrName>style.visibility</p:attrName>
+                                        </p:attrNameLst>
+                                      </p:cBhvr>
+                                      <p:to>
+                                        <p:strVal val="visible"/>
+                                      </p:to>
+                                    </p:set>
+                                    <p:animEffect transition="in" filter="barn(inVertical)">
+                                      <p:cBhvr>
+                                        <p:cTn id="34" dur="500"/>
+                                        <p:tgtEl>
+                                          <p:spTgt spid="15"/>
+                                        </p:tgtEl>
+                                      </p:cBhvr>
+                                    </p:animEffect>
+                                  </p:childTnLst>
+                                </p:cTn>
+                              </p:par>
+                            </p:childTnLst>
+                          </p:cTn>
+                        </p:par>
+                        <p:par>
+                          <p:cTn id="35" fill="hold">
+                            <p:stCondLst>
+                              <p:cond delay="3500"/>
+                            </p:stCondLst>
+                            <p:childTnLst>
+                              <p:par>
+                                <p:cTn id="36" presetID="16" presetClass="entr" presetSubtype="21" fill="hold" grpId="0" nodeType="afterEffect">
+                                  <p:stCondLst>
+                                    <p:cond delay="0"/>
+                                  </p:stCondLst>
+                                  <p:childTnLst>
+                                    <p:set>
+                                      <p:cBhvr>
+                                        <p:cTn id="37" dur="1" fill="hold">
+                                          <p:stCondLst>
+                                            <p:cond delay="0"/>
+                                          </p:stCondLst>
+                                        </p:cTn>
+                                        <p:tgtEl>
+                                          <p:spTgt spid="11"/>
+                                        </p:tgtEl>
+                                        <p:attrNameLst>
+                                          <p:attrName>style.visibility</p:attrName>
+                                        </p:attrNameLst>
+                                      </p:cBhvr>
+                                      <p:to>
+                                        <p:strVal val="visible"/>
+                                      </p:to>
+                                    </p:set>
+                                    <p:animEffect transition="in" filter="barn(inVertical)">
+                                      <p:cBhvr>
+                                        <p:cTn id="38" dur="500"/>
+                                        <p:tgtEl>
+                                          <p:spTgt spid="11"/>
+                                        </p:tgtEl>
+                                      </p:cBhvr>
+                                    </p:animEffect>
+                                  </p:childTnLst>
+                                </p:cTn>
+                              </p:par>
+                            </p:childTnLst>
+                          </p:cTn>
+                        </p:par>
+                        <p:par>
+                          <p:cTn id="39" fill="hold">
+                            <p:stCondLst>
+                              <p:cond delay="4000"/>
+                            </p:stCondLst>
+                            <p:childTnLst>
+                              <p:par>
+                                <p:cTn id="40" presetID="16" presetClass="entr" presetSubtype="21" fill="hold" nodeType="afterEffect">
+                                  <p:stCondLst>
+                                    <p:cond delay="0"/>
+                                  </p:stCondLst>
+                                  <p:childTnLst>
+                                    <p:set>
+                                      <p:cBhvr>
+                                        <p:cTn id="41" dur="1" fill="hold">
+                                          <p:stCondLst>
+                                            <p:cond delay="0"/>
+                                          </p:stCondLst>
+                                        </p:cTn>
+                                        <p:tgtEl>
+                                          <p:spTgt spid="16"/>
+                                        </p:tgtEl>
+                                        <p:attrNameLst>
+                                          <p:attrName>style.visibility</p:attrName>
+                                        </p:attrNameLst>
+                                      </p:cBhvr>
+                                      <p:to>
+                                        <p:strVal val="visible"/>
+                                      </p:to>
+                                    </p:set>
+                                    <p:animEffect transition="in" filter="barn(inVertical)">
+                                      <p:cBhvr>
+                                        <p:cTn id="42" dur="500"/>
+                                        <p:tgtEl>
+                                          <p:spTgt spid="16"/>
+                                        </p:tgtEl>
+                                      </p:cBhvr>
+                                    </p:animEffect>
+                                  </p:childTnLst>
+                                </p:cTn>
+                              </p:par>
+                            </p:childTnLst>
+                          </p:cTn>
+                        </p:par>
+                        <p:par>
+                          <p:cTn id="43" fill="hold">
+                            <p:stCondLst>
+                              <p:cond delay="4500"/>
+                            </p:stCondLst>
+                            <p:childTnLst>
+                              <p:par>
+                                <p:cTn id="44" presetID="16" presetClass="entr" presetSubtype="21" fill="hold" grpId="0" nodeType="afterEffect">
+                                  <p:stCondLst>
+                                    <p:cond delay="0"/>
+                                  </p:stCondLst>
+                                  <p:childTnLst>
+                                    <p:set>
+                                      <p:cBhvr>
+                                        <p:cTn id="45" dur="1" fill="hold">
+                                          <p:stCondLst>
+                                            <p:cond delay="0"/>
+                                          </p:stCondLst>
+                                        </p:cTn>
+                                        <p:tgtEl>
+                                          <p:spTgt spid="18"/>
+                                        </p:tgtEl>
+                                        <p:attrNameLst>
+                                          <p:attrName>style.visibility</p:attrName>
+                                        </p:attrNameLst>
+                                      </p:cBhvr>
+                                      <p:to>
+                                        <p:strVal val="visible"/>
+                                      </p:to>
+                                    </p:set>
+                                    <p:animEffect transition="in" filter="barn(inVertical)">
+                                      <p:cBhvr>
+                                        <p:cTn id="46" dur="500"/>
+                                        <p:tgtEl>
+                                          <p:spTgt spid="18"/>
+                                        </p:tgtEl>
+                                      </p:cBhvr>
+                                    </p:animEffect>
+                                  </p:childTnLst>
+                                </p:cTn>
+                              </p:par>
+                            </p:childTnLst>
+                          </p:cTn>
+                        </p:par>
+                      </p:childTnLst>
+                    </p:cTn>
+                  </p:par>
+                </p:childTnLst>
+              </p:cTn>
+              <p:prevCondLst>
+                <p:cond evt="onPrev" delay="0">
+                  <p:tgtEl>
+                    <p:sldTgt/>
+                  </p:tgtEl>
+                </p:cond>
+              </p:prevCondLst>
+              <p:nextCondLst>
+                <p:cond evt="onNext" delay="0">
+                  <p:tgtEl>
+                    <p:sldTgt/>
+                  </p:tgtEl>
+                </p:cond>
+              </p:nextCondLst>
+            </p:seq>
+          </p:childTnLst>
+        </p:cTn>
+      </p:par>
+    </p:tnLst>
+    <p:bldLst>
+      <p:bldP spid="7" grpId="0"/>
+      <p:bldP spid="7" grpId="1"/>
+      <p:bldP spid="5" grpId="0"/>
+      <p:bldP spid="5" grpId="1"/>
+      <p:bldP spid="8" grpId="0"/>
+      <p:bldP spid="8" grpId="1"/>
+      <p:bldP spid="19" grpId="0"/>
+      <p:bldP spid="19" grpId="1"/>
+      <p:bldP spid="11" grpId="0"/>
+      <p:bldP spid="11" grpId="1"/>
+      <p:bldP spid="18" grpId="0"/>
+      <p:bldP spid="18" grpId="1"/>
+    </p:bldLst>
+  </p:timing>
+</p:sld>
+</file>
+
+<file path=ppt/slides/slide5.xml><?xml version="1.0" encoding="utf-8"?>
+<p:sld xmlns:a="http://schemas.openxmlformats.org/drawingml/2006/main" xmlns:r="http://schemas.openxmlformats.org/officeDocument/2006/relationships" xmlns:p="http://schemas.openxmlformats.org/presentationml/2006/main">
+  <p:cSld>
+    <p:spTree>
+      <p:nvGrpSpPr>
+        <p:cNvPr id="1" name=""/>
+        <p:cNvGrpSpPr/>
+        <p:nvPr/>
+      </p:nvGrpSpPr>
+      <p:grpSpPr/>
+      <p:sp>
+        <p:nvSpPr>
+          <p:cNvPr id="2" name="Заголовок 1"/>
+          <p:cNvSpPr>
+            <a:spLocks noGrp="1"/>
+          </p:cNvSpPr>
+          <p:nvPr>
+            <p:ph type="title"/>
+          </p:nvPr>
+        </p:nvSpPr>
+        <p:spPr>
+          <a:xfrm>
+            <a:off x="611505" y="92710"/>
+            <a:ext cx="10972800" cy="1031875"/>
+          </a:xfrm>
+        </p:spPr>
+        <p:txBody>
+          <a:bodyPr/>
+          <a:p>
+            <a:r>
+              <a:rPr lang="ru-RU" altLang="en-US">
+                <a:solidFill>
+                  <a:schemeClr val="accent1">
+                    <a:lumMod val="50000"/>
+                  </a:schemeClr>
+                </a:solidFill>
+              </a:rPr>
+              <a:t>Пример</a:t>
+            </a:r>
+            <a:r>
+              <a:rPr lang="en-US" altLang="ru-RU">
+                <a:solidFill>
+                  <a:schemeClr val="accent1">
+                    <a:lumMod val="50000"/>
+                  </a:schemeClr>
+                </a:solidFill>
+              </a:rPr>
+              <a:t> </a:t>
+            </a:r>
+            <a:r>
+              <a:rPr lang="ru-RU" altLang="ru-RU">
+                <a:solidFill>
+                  <a:schemeClr val="accent1">
+                    <a:lumMod val="50000"/>
+                  </a:schemeClr>
+                </a:solidFill>
+              </a:rPr>
+              <a:t>работы приложения</a:t>
+            </a:r>
+            <a:endParaRPr lang="ru-RU" altLang="ru-RU">
+              <a:solidFill>
+                <a:schemeClr val="accent1">
+                  <a:lumMod val="50000"/>
+                </a:schemeClr>
+              </a:solidFill>
+            </a:endParaRPr>
+          </a:p>
+        </p:txBody>
+      </p:sp>
+      <p:sp>
+        <p:nvSpPr>
+          <p:cNvPr id="3" name="Замещающее содержимое 2"/>
+          <p:cNvSpPr/>
+          <p:nvPr>
+            <p:ph sz="half" idx="1"/>
+          </p:nvPr>
+        </p:nvSpPr>
+        <p:spPr>
+          <a:xfrm>
+            <a:off x="78105" y="5547360"/>
+            <a:ext cx="3834130" cy="1157605"/>
+          </a:xfrm>
+        </p:spPr>
+        <p:txBody>
+          <a:bodyPr/>
+          <a:p>
+            <a:pPr marL="0" indent="0">
+              <a:buNone/>
+            </a:pPr>
+            <a:r>
+              <a:rPr lang="ru-RU" altLang="en-US">
+                <a:solidFill>
+                  <a:schemeClr val="accent1">
+                    <a:lumMod val="50000"/>
+                  </a:schemeClr>
+                </a:solidFill>
+              </a:rPr>
+              <a:t>Выбор рабочей среды</a:t>
+            </a:r>
+            <a:endParaRPr lang="ru-RU" altLang="en-US">
+              <a:solidFill>
+                <a:schemeClr val="accent1">
+                  <a:lumMod val="50000"/>
+                </a:schemeClr>
+              </a:solidFill>
+            </a:endParaRPr>
+          </a:p>
+        </p:txBody>
+      </p:sp>
+      <p:sp>
+        <p:nvSpPr>
+          <p:cNvPr id="7" name="Текстовое поле 6"/>
+          <p:cNvSpPr txBox="1"/>
+          <p:nvPr/>
+        </p:nvSpPr>
+        <p:spPr>
+          <a:xfrm>
+            <a:off x="4254500" y="1925320"/>
+            <a:ext cx="3686810" cy="460375"/>
+          </a:xfrm>
+          <a:prstGeom prst="rect">
+            <a:avLst/>
+          </a:prstGeom>
+          <a:noFill/>
+        </p:spPr>
+        <p:txBody>
+          <a:bodyPr wrap="square" rtlCol="0">
+            <a:spAutoFit/>
+          </a:bodyPr>
+          <a:p>
+            <a:r>
+              <a:rPr lang="ru-RU" altLang="en-US" sz="2400">
+                <a:solidFill>
+                  <a:schemeClr val="accent1">
+                    <a:lumMod val="50000"/>
+                  </a:schemeClr>
+                </a:solidFill>
+              </a:rPr>
+              <a:t>Работа в приложении</a:t>
+            </a:r>
+            <a:endParaRPr lang="ru-RU" altLang="en-US" sz="2400">
+              <a:solidFill>
+                <a:schemeClr val="accent1">
+                  <a:lumMod val="50000"/>
+                </a:schemeClr>
+              </a:solidFill>
+            </a:endParaRPr>
+          </a:p>
+        </p:txBody>
+      </p:sp>
+      <p:sp>
+        <p:nvSpPr>
+          <p:cNvPr id="10" name="Текстовое поле 9"/>
+          <p:cNvSpPr txBox="1"/>
+          <p:nvPr/>
+        </p:nvSpPr>
+        <p:spPr>
+          <a:xfrm>
+            <a:off x="9407525" y="5390515"/>
+            <a:ext cx="2174875" cy="583565"/>
+          </a:xfrm>
+          <a:prstGeom prst="rect">
+            <a:avLst/>
+          </a:prstGeom>
+          <a:noFill/>
+        </p:spPr>
+        <p:txBody>
+          <a:bodyPr wrap="square" rtlCol="0">
+            <a:spAutoFit/>
+          </a:bodyPr>
+          <a:p>
+            <a:r>
+              <a:rPr lang="ru-RU" altLang="en-US" sz="3200">
+                <a:solidFill>
+                  <a:schemeClr val="accent1">
+                    <a:lumMod val="50000"/>
+                  </a:schemeClr>
+                </a:solidFill>
+              </a:rPr>
+              <a:t>Результат</a:t>
+            </a:r>
+            <a:endParaRPr lang="ru-RU" altLang="en-US" sz="3200">
+              <a:solidFill>
+                <a:schemeClr val="accent1">
+                  <a:lumMod val="50000"/>
+                </a:schemeClr>
+              </a:solidFill>
+            </a:endParaRPr>
+          </a:p>
+        </p:txBody>
+      </p:sp>
+      <p:cxnSp>
+        <p:nvCxnSpPr>
+          <p:cNvPr id="11" name="Прямая со стрелкой 10"/>
+          <p:cNvCxnSpPr>
+            <a:stCxn id="7" idx="2"/>
+          </p:cNvCxnSpPr>
+          <p:nvPr/>
+        </p:nvCxnSpPr>
+        <p:spPr>
+          <a:xfrm>
+            <a:off x="6097905" y="2385695"/>
+            <a:ext cx="3810" cy="1691005"/>
+          </a:xfrm>
+          <a:prstGeom prst="straightConnector1">
+            <a:avLst/>
+          </a:prstGeom>
+          <a:ln>
+            <a:tailEnd type="arrow" w="med" len="med"/>
+          </a:ln>
+        </p:spPr>
+        <p:style>
+          <a:lnRef idx="3">
+            <a:schemeClr val="accent1"/>
+          </a:lnRef>
+          <a:fillRef idx="0">
+            <a:schemeClr val="accent1"/>
+          </a:fillRef>
+          <a:effectRef idx="2">
+            <a:schemeClr val="accent1"/>
+          </a:effectRef>
+          <a:fontRef idx="minor">
+            <a:schemeClr val="tx1"/>
+          </a:fontRef>
+        </p:style>
+      </p:cxnSp>
+      <p:cxnSp>
+        <p:nvCxnSpPr>
+          <p:cNvPr id="12" name="Прямая со стрелкой 11"/>
+          <p:cNvCxnSpPr>
+            <a:stCxn id="3" idx="0"/>
+          </p:cNvCxnSpPr>
+          <p:nvPr/>
+        </p:nvCxnSpPr>
+        <p:spPr>
+          <a:xfrm flipV="1">
+            <a:off x="1995170" y="4056380"/>
+            <a:ext cx="37465" cy="1490980"/>
+          </a:xfrm>
+          <a:prstGeom prst="straightConnector1">
+            <a:avLst/>
+          </a:prstGeom>
+          <a:ln>
+            <a:tailEnd type="arrow" w="med" len="med"/>
+          </a:ln>
+        </p:spPr>
+        <p:style>
+          <a:lnRef idx="3">
+            <a:schemeClr val="accent1"/>
+          </a:lnRef>
+          <a:fillRef idx="0">
+            <a:schemeClr val="accent1"/>
+          </a:fillRef>
+          <a:effectRef idx="2">
+            <a:schemeClr val="accent1"/>
+          </a:effectRef>
+          <a:fontRef idx="minor">
+            <a:schemeClr val="tx1"/>
+          </a:fontRef>
+        </p:style>
+      </p:cxnSp>
+      <p:cxnSp>
+        <p:nvCxnSpPr>
+          <p:cNvPr id="14" name="Прямая со стрелкой 13"/>
+          <p:cNvCxnSpPr>
+            <a:stCxn id="10" idx="0"/>
+          </p:cNvCxnSpPr>
+          <p:nvPr/>
+        </p:nvCxnSpPr>
+        <p:spPr>
+          <a:xfrm flipV="1">
+            <a:off x="10495280" y="4216400"/>
+            <a:ext cx="2540" cy="1174115"/>
+          </a:xfrm>
+          <a:prstGeom prst="straightConnector1">
+            <a:avLst/>
+          </a:prstGeom>
+          <a:ln>
+            <a:tailEnd type="arrow" w="med" len="med"/>
+          </a:ln>
+        </p:spPr>
+        <p:style>
+          <a:lnRef idx="3">
+            <a:schemeClr val="accent1"/>
+          </a:lnRef>
+          <a:fillRef idx="0">
+            <a:schemeClr val="accent1"/>
+          </a:fillRef>
+          <a:effectRef idx="2">
+            <a:schemeClr val="accent1"/>
+          </a:effectRef>
+          <a:fontRef idx="minor">
+            <a:schemeClr val="tx1"/>
+          </a:fontRef>
+        </p:style>
+      </p:cxnSp>
+      <p:pic>
+        <p:nvPicPr>
+          <p:cNvPr id="15" name="Изображение 14"/>
+          <p:cNvPicPr>
+            <a:picLocks noChangeAspect="1"/>
+          </p:cNvPicPr>
+          <p:nvPr/>
+        </p:nvPicPr>
+        <p:blipFill>
+          <a:blip r:embed="rId1"/>
+          <a:stretch>
+            <a:fillRect/>
+          </a:stretch>
+        </p:blipFill>
+        <p:spPr>
+          <a:xfrm>
+            <a:off x="47625" y="1235710"/>
+            <a:ext cx="3712845" cy="2840990"/>
+          </a:xfrm>
+          <a:prstGeom prst="rect">
+            <a:avLst/>
+          </a:prstGeom>
+        </p:spPr>
+      </p:pic>
+      <p:pic>
+        <p:nvPicPr>
+          <p:cNvPr id="16" name="Изображение 15"/>
+          <p:cNvPicPr>
+            <a:picLocks noChangeAspect="1"/>
+          </p:cNvPicPr>
+          <p:nvPr/>
+        </p:nvPicPr>
+        <p:blipFill>
+          <a:blip r:embed="rId2"/>
+          <a:stretch>
+            <a:fillRect/>
+          </a:stretch>
+        </p:blipFill>
+        <p:spPr>
+          <a:xfrm>
+            <a:off x="4254500" y="4173855"/>
+            <a:ext cx="3669030" cy="2684145"/>
+          </a:xfrm>
+          <a:prstGeom prst="rect">
+            <a:avLst/>
+          </a:prstGeom>
+        </p:spPr>
+      </p:pic>
+      <p:pic>
+        <p:nvPicPr>
+          <p:cNvPr id="17" name="Изображение 16"/>
+          <p:cNvPicPr>
+            <a:picLocks noChangeAspect="1"/>
+          </p:cNvPicPr>
+          <p:nvPr/>
+        </p:nvPicPr>
+        <p:blipFill>
+          <a:blip r:embed="rId3"/>
+          <a:stretch>
+            <a:fillRect/>
+          </a:stretch>
+        </p:blipFill>
+        <p:spPr>
+          <a:xfrm>
+            <a:off x="8435340" y="1235710"/>
+            <a:ext cx="3655060" cy="2790825"/>
+          </a:xfrm>
+          <a:prstGeom prst="rect">
+            <a:avLst/>
+          </a:prstGeom>
+        </p:spPr>
+      </p:pic>
+    </p:spTree>
+  </p:cSld>
+  <p:clrMapOvr>
+    <a:masterClrMapping/>
+  </p:clrMapOvr>
+  <p:timing>
+    <p:tnLst>
+      <p:par>
+        <p:cTn id="1" dur="indefinite" restart="never" nodeType="tmRoot">
+          <p:childTnLst>
+            <p:seq concurrent="1" nextAc="seek">
+              <p:cTn id="2" dur="indefinite" nodeType="mainSeq">
+                <p:childTnLst>
+                  <p:par>
+                    <p:cTn id="3" fill="hold">
+                      <p:stCondLst>
+                        <p:cond delay="indefinite"/>
+                        <p:cond evt="onBegin" delay="0">
+                          <p:tn val="2"/>
+                        </p:cond>
+                      </p:stCondLst>
+                      <p:childTnLst>
+                        <p:par>
+                          <p:cTn id="4" fill="hold">
+                            <p:stCondLst>
+                              <p:cond delay="0"/>
+                            </p:stCondLst>
+                            <p:childTnLst>
+                              <p:par>
+                                <p:cTn id="5" presetID="16" presetClass="entr" presetSubtype="21" fill="hold" nodeType="withEffect">
+                                  <p:stCondLst>
+                                    <p:cond delay="0"/>
+                                  </p:stCondLst>
+                                  <p:childTnLst>
+                                    <p:set>
+                                      <p:cBhvr>
+                                        <p:cTn id="6" dur="1" fill="hold">
+                                          <p:stCondLst>
+                                            <p:cond delay="0"/>
+                                          </p:stCondLst>
+                                        </p:cTn>
+                                        <p:tgtEl>
+                                          <p:spTgt spid="15"/>
+                                        </p:tgtEl>
+                                        <p:attrNameLst>
+                                          <p:attrName>style.visibility</p:attrName>
+                                        </p:attrNameLst>
+                                      </p:cBhvr>
+                                      <p:to>
+                                        <p:strVal val="visible"/>
+                                      </p:to>
+                                    </p:set>
+                                    <p:animEffect transition="in" filter="barn(inVertical)">
+                                      <p:cBhvr>
+                                        <p:cTn id="7" dur="500"/>
+                                        <p:tgtEl>
+                                          <p:spTgt spid="15"/>
+                                        </p:tgtEl>
+                                      </p:cBhvr>
+                                    </p:animEffect>
+                                  </p:childTnLst>
+                                </p:cTn>
+                              </p:par>
+                            </p:childTnLst>
+                          </p:cTn>
+                        </p:par>
+                        <p:par>
+                          <p:cTn id="8" fill="hold">
+                            <p:stCondLst>
+                              <p:cond delay="500"/>
+                            </p:stCondLst>
+                            <p:childTnLst>
+                              <p:par>
+                                <p:cTn id="9" presetID="16" presetClass="entr" presetSubtype="21" fill="hold" nodeType="afterEffect">
+                                  <p:stCondLst>
+                                    <p:cond delay="0"/>
+                                  </p:stCondLst>
+                                  <p:childTnLst>
+                                    <p:set>
+                                      <p:cBhvr>
+                                        <p:cTn id="10" dur="1" fill="hold">
+                                          <p:stCondLst>
+                                            <p:cond delay="0"/>
+                                          </p:stCondLst>
+                                        </p:cTn>
+                                        <p:tgtEl>
+                                          <p:spTgt spid="16"/>
+                                        </p:tgtEl>
+                                        <p:attrNameLst>
+                                          <p:attrName>style.visibility</p:attrName>
+                                        </p:attrNameLst>
+                                      </p:cBhvr>
+                                      <p:to>
+                                        <p:strVal val="visible"/>
+                                      </p:to>
+                                    </p:set>
+                                    <p:animEffect transition="in" filter="barn(inVertical)">
+                                      <p:cBhvr>
+                                        <p:cTn id="11" dur="500"/>
+                                        <p:tgtEl>
+                                          <p:spTgt spid="16"/>
+                                        </p:tgtEl>
+                                      </p:cBhvr>
+                                    </p:animEffect>
+                                  </p:childTnLst>
+                                </p:cTn>
+                              </p:par>
+                            </p:childTnLst>
+                          </p:cTn>
+                        </p:par>
+                        <p:par>
+                          <p:cTn id="12" fill="hold">
+                            <p:stCondLst>
+                              <p:cond delay="1000"/>
+                            </p:stCondLst>
+                            <p:childTnLst>
+                              <p:par>
+                                <p:cTn id="13" presetID="16" presetClass="entr" presetSubtype="21" fill="hold" nodeType="afterEffect">
+                                  <p:stCondLst>
+                                    <p:cond delay="0"/>
+                                  </p:stCondLst>
+                                  <p:childTnLst>
+                                    <p:set>
+                                      <p:cBhvr>
+                                        <p:cTn id="14" dur="1" fill="hold">
+                                          <p:stCondLst>
+                                            <p:cond delay="0"/>
+                                          </p:stCondLst>
+                                        </p:cTn>
+                                        <p:tgtEl>
+                                          <p:spTgt spid="17"/>
+                                        </p:tgtEl>
+                                        <p:attrNameLst>
+                                          <p:attrName>style.visibility</p:attrName>
+                                        </p:attrNameLst>
+                                      </p:cBhvr>
+                                      <p:to>
+                                        <p:strVal val="visible"/>
+                                      </p:to>
+                                    </p:set>
+                                    <p:animEffect transition="in" filter="barn(inVertical)">
+                                      <p:cBhvr>
+                                        <p:cTn id="15" dur="500"/>
+                                        <p:tgtEl>
+                                          <p:spTgt spid="17"/>
+                                        </p:tgtEl>
+                                      </p:cBhvr>
+                                    </p:animEffect>
+                                  </p:childTnLst>
+                                </p:cTn>
+                              </p:par>
+                            </p:childTnLst>
+                          </p:cTn>
+                        </p:par>
+                      </p:childTnLst>
+                    </p:cTn>
+                  </p:par>
+                </p:childTnLst>
+              </p:cTn>
+              <p:prevCondLst>
+                <p:cond evt="onPrev" delay="0">
+                  <p:tgtEl>
+                    <p:sldTgt/>
+                  </p:tgtEl>
+                </p:cond>
+              </p:prevCondLst>
+              <p:nextCondLst>
+                <p:cond evt="onNext" delay="0">
+                  <p:tgtEl>
+                    <p:sldTgt/>
+                  </p:tgtEl>
+                </p:cond>
+              </p:nextCondLst>
+            </p:seq>
+          </p:childTnLst>
+        </p:cTn>
+      </p:par>
+    </p:tnLst>
+  </p:timing>
+</p:sld>
+</file>
+
+<file path=ppt/slides/slide6.xml><?xml version="1.0" encoding="utf-8"?>
+<p:sld xmlns:a="http://schemas.openxmlformats.org/drawingml/2006/main" xmlns:r="http://schemas.openxmlformats.org/officeDocument/2006/relationships" xmlns:p="http://schemas.openxmlformats.org/presentationml/2006/main">
+  <p:cSld>
+    <p:spTree>
+      <p:nvGrpSpPr>
+        <p:cNvPr id="1" name=""/>
+        <p:cNvGrpSpPr/>
+        <p:nvPr/>
+      </p:nvGrpSpPr>
+      <p:grpSpPr/>
+      <p:sp>
+        <p:nvSpPr>
+          <p:cNvPr id="4" name="Прямоугольник 3"/>
+          <p:cNvSpPr/>
+          <p:nvPr/>
+        </p:nvSpPr>
+        <p:spPr>
+          <a:xfrm>
+            <a:off x="0" y="0"/>
+            <a:ext cx="12191365" cy="6858635"/>
+          </a:xfrm>
+          <a:prstGeom prst="rect">
+            <a:avLst/>
+          </a:prstGeom>
+          <a:solidFill>
+            <a:schemeClr val="bg1"/>
+          </a:solidFill>
+          <a:ln>
+            <a:noFill/>
+            <a:headEnd type="none" w="med" len="med"/>
+            <a:tailEnd type="none" w="med" len="med"/>
+          </a:ln>
+        </p:spPr>
+        <p:style>
+          <a:lnRef idx="2">
+            <a:schemeClr val="accent3"/>
+          </a:lnRef>
+          <a:fillRef idx="1">
+            <a:schemeClr val="lt1"/>
+          </a:fillRef>
+          <a:effectRef idx="0">
+            <a:schemeClr val="accent3"/>
+          </a:effectRef>
+          <a:fontRef idx="minor">
+            <a:schemeClr val="dk1"/>
+          </a:fontRef>
+        </p:style>
+        <p:txBody>
+          <a:bodyPr vert="horz" wrap="none" lIns="91440" tIns="45720" rIns="91440" bIns="45720" numCol="1" anchor="ctr" anchorCtr="0" compatLnSpc="1"/>
+          <a:p>
+            <a:pPr marL="0" marR="0" indent="0" algn="l" defTabSz="914400" rtl="0" eaLnBrk="1" fontAlgn="base" latinLnBrk="0" hangingPunct="1">
+              <a:lnSpc>
+                <a:spcPct val="100000"/>
+              </a:lnSpc>
+              <a:spcBef>
+                <a:spcPct val="0"/>
+              </a:spcBef>
+              <a:spcAft>
+                <a:spcPct val="0"/>
+              </a:spcAft>
+              <a:buClrTx/>
+              <a:buSzTx/>
+              <a:buFontTx/>
+              <a:buNone/>
+            </a:pPr>
+            <a:endParaRPr kumimoji="0" lang="zh-CN" altLang="en-US" sz="1800" b="0" i="0" u="none" strike="noStrike" cap="none" normalizeH="0" baseline="0" smtClean="0">
+              <a:ln>
+                <a:noFill/>
+              </a:ln>
+              <a:solidFill>
+                <a:schemeClr val="tx1"/>
+              </a:solidFill>
+              <a:effectLst/>
+              <a:latin typeface="Arial" panose="020B0604020202020204" pitchFamily="34" charset="0"/>
+              <a:ea typeface="SimSun" panose="02010600030101010101" pitchFamily="2" charset="-122"/>
+            </a:endParaRPr>
+          </a:p>
+        </p:txBody>
+      </p:sp>
+      <p:sp>
+        <p:nvSpPr>
+          <p:cNvPr id="2" name="Заголовок 1"/>
+          <p:cNvSpPr>
+            <a:spLocks noGrp="1"/>
+          </p:cNvSpPr>
+          <p:nvPr>
+            <p:ph type="title"/>
+          </p:nvPr>
+        </p:nvSpPr>
+        <p:spPr/>
+        <p:txBody>
+          <a:bodyPr/>
+          <a:p>
+            <a:r>
+              <a:rPr lang="ru-RU" altLang="en-US">
+                <a:solidFill>
+                  <a:schemeClr val="accent1">
+                    <a:lumMod val="50000"/>
+                  </a:schemeClr>
+                </a:solidFill>
+              </a:rPr>
+              <a:t>Будущие улучшения</a:t>
+            </a:r>
+            <a:endParaRPr lang="ru-RU" altLang="en-US">
+              <a:solidFill>
+                <a:schemeClr val="accent1">
+                  <a:lumMod val="50000"/>
+                </a:schemeClr>
+              </a:solidFill>
+            </a:endParaRPr>
+          </a:p>
+        </p:txBody>
+      </p:sp>
+      <p:sp>
+        <p:nvSpPr>
+          <p:cNvPr id="3" name="Замещающее содержимое 2"/>
+          <p:cNvSpPr>
+            <a:spLocks noGrp="1"/>
+          </p:cNvSpPr>
+          <p:nvPr>
+            <p:ph idx="1"/>
+          </p:nvPr>
+        </p:nvSpPr>
+        <p:spPr>
+          <a:xfrm>
+            <a:off x="78740" y="1590040"/>
+            <a:ext cx="10972800" cy="4525963"/>
+          </a:xfrm>
+        </p:spPr>
+        <p:txBody>
+          <a:bodyPr/>
+          <a:p>
+            <a:pPr marL="0" indent="0">
+              <a:buNone/>
+            </a:pPr>
+            <a:r>
+              <a:rPr lang="ru-RU" altLang="en-US">
+                <a:solidFill>
+                  <a:schemeClr val="accent1">
+                    <a:lumMod val="50000"/>
+                  </a:schemeClr>
+                </a:solidFill>
+              </a:rPr>
+              <a:t>   Оптимизация приложения</a:t>
+            </a:r>
+            <a:endParaRPr lang="ru-RU" altLang="en-US">
+              <a:solidFill>
+                <a:schemeClr val="accent1">
+                  <a:lumMod val="50000"/>
+                </a:schemeClr>
+              </a:solidFill>
+            </a:endParaRPr>
+          </a:p>
+          <a:p>
+            <a:pPr marL="0" indent="0">
+              <a:buNone/>
+            </a:pPr>
+            <a:r>
+              <a:rPr lang="ru-RU" altLang="en-US">
+                <a:solidFill>
+                  <a:schemeClr val="accent1">
+                    <a:lumMod val="50000"/>
+                  </a:schemeClr>
+                </a:solidFill>
+              </a:rPr>
+              <a:t>   Добавление окна результата с выводом в реальном времени</a:t>
+            </a:r>
+            <a:endParaRPr lang="ru-RU" altLang="en-US">
+              <a:solidFill>
+                <a:schemeClr val="accent1">
+                  <a:lumMod val="50000"/>
+                </a:schemeClr>
+              </a:solidFill>
+            </a:endParaRPr>
+          </a:p>
+          <a:p>
+            <a:pPr marL="0" indent="0">
+              <a:buNone/>
+            </a:pPr>
+            <a:r>
+              <a:rPr lang="ru-RU" altLang="en-US">
+                <a:solidFill>
+                  <a:schemeClr val="accent1">
+                    <a:lumMod val="50000"/>
+                  </a:schemeClr>
+                </a:solidFill>
+              </a:rPr>
+              <a:t>   Добавление функции по созданию графиков</a:t>
+            </a:r>
+            <a:endParaRPr lang="ru-RU" altLang="en-US">
+              <a:solidFill>
+                <a:schemeClr val="accent1">
+                  <a:lumMod val="50000"/>
+                </a:schemeClr>
+              </a:solidFill>
+            </a:endParaRPr>
+          </a:p>
+          <a:p>
+            <a:pPr marL="0" indent="0">
+              <a:buNone/>
+            </a:pPr>
+            <a:r>
+              <a:rPr lang="ru-RU" altLang="en-US">
+                <a:solidFill>
+                  <a:schemeClr val="accent1">
+                    <a:lumMod val="50000"/>
+                  </a:schemeClr>
+                </a:solidFill>
+              </a:rPr>
+              <a:t>   Добавление возможности создать 3</a:t>
+            </a:r>
+            <a:r>
+              <a:rPr lang="en-US" altLang="en-US">
+                <a:solidFill>
+                  <a:schemeClr val="accent1">
+                    <a:lumMod val="50000"/>
+                  </a:schemeClr>
+                </a:solidFill>
+              </a:rPr>
+              <a:t>D </a:t>
+            </a:r>
+            <a:r>
+              <a:rPr lang="ru-RU" altLang="en-US">
+                <a:solidFill>
+                  <a:schemeClr val="accent1">
+                    <a:lumMod val="50000"/>
+                  </a:schemeClr>
+                </a:solidFill>
+              </a:rPr>
+              <a:t>и </a:t>
+            </a:r>
+            <a:r>
+              <a:rPr lang="en-US" altLang="ru-RU">
+                <a:solidFill>
+                  <a:schemeClr val="accent1">
+                    <a:lumMod val="50000"/>
+                  </a:schemeClr>
+                </a:solidFill>
+              </a:rPr>
+              <a:t>2D </a:t>
+            </a:r>
+            <a:r>
+              <a:rPr lang="ru-RU" altLang="ru-RU">
+                <a:solidFill>
+                  <a:schemeClr val="accent1">
+                    <a:lumMod val="50000"/>
+                  </a:schemeClr>
+                </a:solidFill>
+              </a:rPr>
+              <a:t>фигуры</a:t>
+            </a:r>
+            <a:endParaRPr lang="ru-RU" altLang="ru-RU">
+              <a:solidFill>
+                <a:schemeClr val="accent1">
+                  <a:lumMod val="50000"/>
+                </a:schemeClr>
+              </a:solidFill>
+            </a:endParaRPr>
+          </a:p>
+          <a:p>
+            <a:pPr marL="0" indent="0">
+              <a:buNone/>
+            </a:pPr>
+            <a:r>
+              <a:rPr lang="ru-RU" altLang="ru-RU">
+                <a:solidFill>
+                  <a:schemeClr val="accent1">
+                    <a:lumMod val="50000"/>
+                  </a:schemeClr>
+                </a:solidFill>
+              </a:rPr>
+              <a:t>   Улучшение оформления приложение, цветовой гаммы, инструкции к использованию</a:t>
+            </a:r>
+            <a:endParaRPr lang="ru-RU" altLang="ru-RU">
+              <a:solidFill>
+                <a:schemeClr val="accent1">
+                  <a:lumMod val="50000"/>
+                </a:schemeClr>
+              </a:solidFill>
+            </a:endParaRPr>
+          </a:p>
+          <a:p>
+            <a:pPr marL="0" indent="0">
+              <a:buNone/>
+            </a:pPr>
+            <a:r>
+              <a:rPr lang="ru-RU" altLang="ru-RU">
+                <a:solidFill>
+                  <a:schemeClr val="accent1">
+                    <a:lumMod val="50000"/>
+                  </a:schemeClr>
+                </a:solidFill>
+              </a:rPr>
+              <a:t>   Добавление поиска по ключевым словам и тегам</a:t>
+            </a:r>
+            <a:endParaRPr lang="ru-RU" altLang="ru-RU">
+              <a:solidFill>
+                <a:schemeClr val="accent1">
+                  <a:lumMod val="50000"/>
+                </a:schemeClr>
+              </a:solidFill>
+            </a:endParaRPr>
+          </a:p>
+          <a:p>
+            <a:pPr marL="0" indent="0">
+              <a:buNone/>
+            </a:pPr>
+            <a:endParaRPr lang="ru-RU" altLang="ru-RU">
+              <a:solidFill>
+                <a:schemeClr val="accent1">
+                  <a:lumMod val="50000"/>
+                </a:schemeClr>
+              </a:solidFill>
+            </a:endParaRPr>
+          </a:p>
+        </p:txBody>
+      </p:sp>
+      <p:sp>
+        <p:nvSpPr>
+          <p:cNvPr id="5" name="Овал 4"/>
+          <p:cNvSpPr/>
+          <p:nvPr/>
+        </p:nvSpPr>
+        <p:spPr>
+          <a:xfrm>
+            <a:off x="117475" y="1759585"/>
+            <a:ext cx="312420" cy="290195"/>
+          </a:xfrm>
+          <a:prstGeom prst="ellipse">
+            <a:avLst/>
+          </a:prstGeom>
+        </p:spPr>
+        <p:style>
+          <a:lnRef idx="2">
+            <a:schemeClr val="accent1">
+              <a:shade val="50000"/>
+            </a:schemeClr>
+          </a:lnRef>
+          <a:fillRef idx="1">
+            <a:schemeClr val="accent1"/>
+          </a:fillRef>
+          <a:effectRef idx="0">
+            <a:schemeClr val="accent1"/>
+          </a:effectRef>
+          <a:fontRef idx="minor">
+            <a:schemeClr val="lt1"/>
+          </a:fontRef>
+        </p:style>
+        <p:txBody>
+          <a:bodyPr rtlCol="0" anchor="ctr"/>
+          <a:p>
+            <a:pPr algn="ctr"/>
+            <a:endParaRPr lang="ru-RU" altLang="en-US"/>
+          </a:p>
+        </p:txBody>
+      </p:sp>
+      <p:sp>
+        <p:nvSpPr>
+          <p:cNvPr id="6" name="Овал 5"/>
+          <p:cNvSpPr/>
+          <p:nvPr/>
+        </p:nvSpPr>
+        <p:spPr>
+          <a:xfrm>
+            <a:off x="117475" y="2312035"/>
+            <a:ext cx="312420" cy="290195"/>
+          </a:xfrm>
+          <a:prstGeom prst="ellipse">
+            <a:avLst/>
+          </a:prstGeom>
+        </p:spPr>
+        <p:style>
+          <a:lnRef idx="2">
+            <a:schemeClr val="accent1">
+              <a:shade val="50000"/>
+            </a:schemeClr>
+          </a:lnRef>
+          <a:fillRef idx="1">
+            <a:schemeClr val="accent1"/>
+          </a:fillRef>
+          <a:effectRef idx="0">
+            <a:schemeClr val="accent1"/>
+          </a:effectRef>
+          <a:fontRef idx="minor">
+            <a:schemeClr val="lt1"/>
+          </a:fontRef>
+        </p:style>
+        <p:txBody>
+          <a:bodyPr rtlCol="0" anchor="ctr"/>
+          <a:p>
+            <a:pPr algn="ctr"/>
+            <a:endParaRPr lang="ru-RU" altLang="en-US"/>
+          </a:p>
+        </p:txBody>
+      </p:sp>
+      <p:sp>
+        <p:nvSpPr>
+          <p:cNvPr id="7" name="Овал 6"/>
+          <p:cNvSpPr/>
+          <p:nvPr/>
+        </p:nvSpPr>
+        <p:spPr>
+          <a:xfrm>
+            <a:off x="117475" y="3396615"/>
+            <a:ext cx="312420" cy="290195"/>
+          </a:xfrm>
+          <a:prstGeom prst="ellipse">
+            <a:avLst/>
+          </a:prstGeom>
+        </p:spPr>
+        <p:style>
+          <a:lnRef idx="2">
+            <a:schemeClr val="accent1">
+              <a:shade val="50000"/>
+            </a:schemeClr>
+          </a:lnRef>
+          <a:fillRef idx="1">
+            <a:schemeClr val="accent1"/>
+          </a:fillRef>
+          <a:effectRef idx="0">
+            <a:schemeClr val="accent1"/>
+          </a:effectRef>
+          <a:fontRef idx="minor">
+            <a:schemeClr val="lt1"/>
+          </a:fontRef>
+        </p:style>
+        <p:txBody>
+          <a:bodyPr rtlCol="0" anchor="ctr"/>
+          <a:p>
+            <a:pPr algn="ctr"/>
+            <a:endParaRPr lang="ru-RU" altLang="en-US"/>
+          </a:p>
+        </p:txBody>
+      </p:sp>
+      <p:sp>
+        <p:nvSpPr>
+          <p:cNvPr id="8" name="Овал 7"/>
+          <p:cNvSpPr/>
+          <p:nvPr/>
+        </p:nvSpPr>
+        <p:spPr>
+          <a:xfrm>
+            <a:off x="117475" y="4001135"/>
+            <a:ext cx="312420" cy="290195"/>
+          </a:xfrm>
+          <a:prstGeom prst="ellipse">
+            <a:avLst/>
+          </a:prstGeom>
+        </p:spPr>
+        <p:style>
+          <a:lnRef idx="2">
+            <a:schemeClr val="accent1">
+              <a:shade val="50000"/>
+            </a:schemeClr>
+          </a:lnRef>
+          <a:fillRef idx="1">
+            <a:schemeClr val="accent1"/>
+          </a:fillRef>
+          <a:effectRef idx="0">
+            <a:schemeClr val="accent1"/>
+          </a:effectRef>
+          <a:fontRef idx="minor">
+            <a:schemeClr val="lt1"/>
+          </a:fontRef>
+        </p:style>
+        <p:txBody>
+          <a:bodyPr rtlCol="0" anchor="ctr"/>
+          <a:p>
+            <a:pPr algn="ctr"/>
+            <a:endParaRPr lang="ru-RU" altLang="en-US"/>
+          </a:p>
+        </p:txBody>
+      </p:sp>
+      <p:sp>
+        <p:nvSpPr>
+          <p:cNvPr id="9" name="Овал 8"/>
+          <p:cNvSpPr/>
+          <p:nvPr/>
+        </p:nvSpPr>
+        <p:spPr>
+          <a:xfrm>
+            <a:off x="117475" y="4605655"/>
+            <a:ext cx="312420" cy="290195"/>
+          </a:xfrm>
+          <a:prstGeom prst="ellipse">
+            <a:avLst/>
+          </a:prstGeom>
+        </p:spPr>
+        <p:style>
+          <a:lnRef idx="2">
+            <a:schemeClr val="accent1">
+              <a:shade val="50000"/>
+            </a:schemeClr>
+          </a:lnRef>
+          <a:fillRef idx="1">
+            <a:schemeClr val="accent1"/>
+          </a:fillRef>
+          <a:effectRef idx="0">
+            <a:schemeClr val="accent1"/>
+          </a:effectRef>
+          <a:fontRef idx="minor">
+            <a:schemeClr val="lt1"/>
+          </a:fontRef>
+        </p:style>
+        <p:txBody>
+          <a:bodyPr rtlCol="0" anchor="ctr"/>
+          <a:p>
+            <a:pPr algn="ctr"/>
+            <a:endParaRPr lang="ru-RU" altLang="en-US"/>
+          </a:p>
+        </p:txBody>
+      </p:sp>
+      <p:sp>
+        <p:nvSpPr>
+          <p:cNvPr id="10" name="Овал 9"/>
+          <p:cNvSpPr/>
+          <p:nvPr/>
+        </p:nvSpPr>
+        <p:spPr>
+          <a:xfrm>
+            <a:off x="117475" y="5690235"/>
+            <a:ext cx="312420" cy="290195"/>
+          </a:xfrm>
+          <a:prstGeom prst="ellipse">
+            <a:avLst/>
+          </a:prstGeom>
+        </p:spPr>
+        <p:style>
+          <a:lnRef idx="2">
+            <a:schemeClr val="accent1">
+              <a:shade val="50000"/>
+            </a:schemeClr>
+          </a:lnRef>
+          <a:fillRef idx="1">
+            <a:schemeClr val="accent1"/>
+          </a:fillRef>
+          <a:effectRef idx="0">
+            <a:schemeClr val="accent1"/>
+          </a:effectRef>
+          <a:fontRef idx="minor">
+            <a:schemeClr val="lt1"/>
+          </a:fontRef>
+        </p:style>
+        <p:txBody>
+          <a:bodyPr rtlCol="0" anchor="ctr"/>
+          <a:p>
+            <a:pPr algn="ctr"/>
+            <a:endParaRPr lang="ru-RU" altLang="en-US"/>
+          </a:p>
+        </p:txBody>
+      </p:sp>
+    </p:spTree>
+  </p:cSld>
+  <p:clrMapOvr>
+    <a:masterClrMapping/>
+  </p:clrMapOvr>
+  <p:timing>
+    <p:tnLst>
+      <p:par>
+        <p:cTn id="1" dur="indefinite" restart="never" nodeType="tmRoot">
+          <p:childTnLst>
+            <p:seq concurrent="1" nextAc="seek">
+              <p:cTn id="2" dur="indefinite" nodeType="mainSeq">
+                <p:childTnLst>
+                  <p:par>
+                    <p:cTn id="3" fill="hold">
+                      <p:stCondLst>
+                        <p:cond delay="indefinite"/>
+                        <p:cond evt="onBegin" delay="0">
+                          <p:tn val="2"/>
+                        </p:cond>
+                      </p:stCondLst>
+                      <p:childTnLst>
+                        <p:par>
+                          <p:cTn id="4" fill="hold">
+                            <p:stCondLst>
+                              <p:cond delay="0"/>
+                            </p:stCondLst>
+                            <p:childTnLst>
+                              <p:par>
+                                <p:cTn id="5" presetID="16" presetClass="entr" presetSubtype="21" fill="hold" grpId="0" nodeType="afterEffect">
+                                  <p:stCondLst>
+                                    <p:cond delay="0"/>
+                                  </p:stCondLst>
+                                  <p:childTnLst>
+                                    <p:set>
+                                      <p:cBhvr>
+                                        <p:cTn id="6" dur="1000" fill="hold">
+                                          <p:stCondLst>
+                                            <p:cond delay="0"/>
+                                          </p:stCondLst>
+                                        </p:cTn>
+                                        <p:tgtEl>
+                                          <p:spTgt spid="3">
+                                            <p:txEl>
+                                              <p:pRg st="0" end="0"/>
+                                            </p:txEl>
+                                          </p:spTgt>
+                                        </p:tgtEl>
+                                        <p:attrNameLst>
+                                          <p:attrName>style.visibility</p:attrName>
+                                        </p:attrNameLst>
+                                      </p:cBhvr>
+                                      <p:to>
+                                        <p:strVal val="visible"/>
+                                      </p:to>
+                                    </p:set>
+                                    <p:animEffect transition="in" filter="barn(inVertical)">
+                                      <p:cBhvr>
+                                        <p:cTn id="7" dur="1000"/>
+                                        <p:tgtEl>
+                                          <p:spTgt spid="3">
+                                            <p:txEl>
+                                              <p:pRg st="0" end="0"/>
+                                            </p:txEl>
+                                          </p:spTgt>
+                                        </p:tgtEl>
+                                      </p:cBhvr>
+                                    </p:animEffect>
+                                  </p:childTnLst>
+                                </p:cTn>
+                              </p:par>
+                            </p:childTnLst>
+                          </p:cTn>
+                        </p:par>
+                        <p:par>
+                          <p:cTn id="8" fill="hold">
+                            <p:stCondLst>
+                              <p:cond delay="1000"/>
+                            </p:stCondLst>
+                            <p:childTnLst>
+                              <p:par>
+                                <p:cTn id="9" presetID="16" presetClass="entr" presetSubtype="21" fill="hold" grpId="0" nodeType="afterEffect">
+                                  <p:stCondLst>
+                                    <p:cond delay="0"/>
+                                  </p:stCondLst>
+                                  <p:childTnLst>
+                                    <p:set>
+                                      <p:cBhvr>
+                                        <p:cTn id="10" dur="1000" fill="hold">
+                                          <p:stCondLst>
+                                            <p:cond delay="0"/>
+                                          </p:stCondLst>
+                                        </p:cTn>
+                                        <p:tgtEl>
+                                          <p:spTgt spid="3">
+                                            <p:txEl>
+                                              <p:pRg st="1" end="1"/>
+                                            </p:txEl>
+                                          </p:spTgt>
+                                        </p:tgtEl>
+                                        <p:attrNameLst>
+                                          <p:attrName>style.visibility</p:attrName>
+                                        </p:attrNameLst>
+                                      </p:cBhvr>
+                                      <p:to>
+                                        <p:strVal val="visible"/>
+                                      </p:to>
+                                    </p:set>
+                                    <p:animEffect transition="in" filter="barn(inVertical)">
+                                      <p:cBhvr>
+                                        <p:cTn id="11" dur="1000"/>
+                                        <p:tgtEl>
+                                          <p:spTgt spid="3">
+                                            <p:txEl>
+                                              <p:pRg st="1" end="1"/>
+                                            </p:txEl>
+                                          </p:spTgt>
+                                        </p:tgtEl>
+                                      </p:cBhvr>
+                                    </p:animEffect>
+                                  </p:childTnLst>
+                                </p:cTn>
+                              </p:par>
+                            </p:childTnLst>
+                          </p:cTn>
+                        </p:par>
+                        <p:par>
+                          <p:cTn id="12" fill="hold">
+                            <p:stCondLst>
+                              <p:cond delay="2000"/>
+                            </p:stCondLst>
+                            <p:childTnLst>
+                              <p:par>
+                                <p:cTn id="13" presetID="16" presetClass="entr" presetSubtype="21" fill="hold" grpId="0" nodeType="afterEffect">
+                                  <p:stCondLst>
+                                    <p:cond delay="0"/>
+                                  </p:stCondLst>
+                                  <p:childTnLst>
+                                    <p:set>
+                                      <p:cBhvr>
+                                        <p:cTn id="14" dur="1000" fill="hold">
+                                          <p:stCondLst>
+                                            <p:cond delay="0"/>
+                                          </p:stCondLst>
+                                        </p:cTn>
+                                        <p:tgtEl>
+                                          <p:spTgt spid="3">
+                                            <p:txEl>
+                                              <p:pRg st="2" end="2"/>
+                                            </p:txEl>
+                                          </p:spTgt>
+                                        </p:tgtEl>
+                                        <p:attrNameLst>
+                                          <p:attrName>style.visibility</p:attrName>
+                                        </p:attrNameLst>
+                                      </p:cBhvr>
+                                      <p:to>
+                                        <p:strVal val="visible"/>
+                                      </p:to>
+                                    </p:set>
+                                    <p:animEffect transition="in" filter="barn(inVertical)">
+                                      <p:cBhvr>
+                                        <p:cTn id="15" dur="1000"/>
+                                        <p:tgtEl>
+                                          <p:spTgt spid="3">
+                                            <p:txEl>
+                                              <p:pRg st="2" end="2"/>
+                                            </p:txEl>
+                                          </p:spTgt>
+                                        </p:tgtEl>
+                                      </p:cBhvr>
+                                    </p:animEffect>
+                                  </p:childTnLst>
+                                </p:cTn>
+                              </p:par>
+                            </p:childTnLst>
+                          </p:cTn>
+                        </p:par>
+                        <p:par>
+                          <p:cTn id="16" fill="hold">
+                            <p:stCondLst>
+                              <p:cond delay="3000"/>
+                            </p:stCondLst>
+                            <p:childTnLst>
+                              <p:par>
+                                <p:cTn id="17" presetID="16" presetClass="entr" presetSubtype="21" fill="hold" grpId="0" nodeType="afterEffect">
+                                  <p:stCondLst>
+                                    <p:cond delay="0"/>
+                                  </p:stCondLst>
+                                  <p:childTnLst>
+                                    <p:set>
+                                      <p:cBhvr>
+                                        <p:cTn id="18" dur="1000" fill="hold">
+                                          <p:stCondLst>
+                                            <p:cond delay="0"/>
+                                          </p:stCondLst>
+                                        </p:cTn>
+                                        <p:tgtEl>
+                                          <p:spTgt spid="3">
+                                            <p:txEl>
+                                              <p:pRg st="3" end="3"/>
+                                            </p:txEl>
+                                          </p:spTgt>
+                                        </p:tgtEl>
+                                        <p:attrNameLst>
+                                          <p:attrName>style.visibility</p:attrName>
+                                        </p:attrNameLst>
+                                      </p:cBhvr>
+                                      <p:to>
+                                        <p:strVal val="visible"/>
+                                      </p:to>
+                                    </p:set>
+                                    <p:animEffect transition="in" filter="barn(inVertical)">
+                                      <p:cBhvr>
+                                        <p:cTn id="19" dur="1000"/>
+                                        <p:tgtEl>
+                                          <p:spTgt spid="3">
+                                            <p:txEl>
+                                              <p:pRg st="3" end="3"/>
+                                            </p:txEl>
+                                          </p:spTgt>
+                                        </p:tgtEl>
+                                      </p:cBhvr>
+                                    </p:animEffect>
+                                  </p:childTnLst>
+                                </p:cTn>
+                              </p:par>
+                            </p:childTnLst>
+                          </p:cTn>
+                        </p:par>
+                        <p:par>
+                          <p:cTn id="20" fill="hold">
+                            <p:stCondLst>
+                              <p:cond delay="4000"/>
+                            </p:stCondLst>
+                            <p:childTnLst>
+                              <p:par>
+                                <p:cTn id="21" presetID="16" presetClass="entr" presetSubtype="21" fill="hold" grpId="0" nodeType="afterEffect">
+                                  <p:stCondLst>
+                                    <p:cond delay="0"/>
+                                  </p:stCondLst>
+                                  <p:childTnLst>
+                                    <p:set>
+                                      <p:cBhvr>
+                                        <p:cTn id="22" dur="1000" fill="hold">
+                                          <p:stCondLst>
+                                            <p:cond delay="0"/>
+                                          </p:stCondLst>
+                                        </p:cTn>
+                                        <p:tgtEl>
+                                          <p:spTgt spid="3">
+                                            <p:txEl>
+                                              <p:pRg st="4" end="4"/>
+                                            </p:txEl>
+                                          </p:spTgt>
+                                        </p:tgtEl>
+                                        <p:attrNameLst>
+                                          <p:attrName>style.visibility</p:attrName>
+                                        </p:attrNameLst>
+                                      </p:cBhvr>
+                                      <p:to>
+                                        <p:strVal val="visible"/>
+                                      </p:to>
+                                    </p:set>
+                                    <p:animEffect transition="in" filter="barn(inVertical)">
+                                      <p:cBhvr>
+                                        <p:cTn id="23" dur="1000"/>
+                                        <p:tgtEl>
+                                          <p:spTgt spid="3">
+                                            <p:txEl>
+                                              <p:pRg st="4" end="4"/>
+                                            </p:txEl>
+                                          </p:spTgt>
+                                        </p:tgtEl>
+                                      </p:cBhvr>
+                                    </p:animEffect>
+                                  </p:childTnLst>
+                                </p:cTn>
+                              </p:par>
+                            </p:childTnLst>
+                          </p:cTn>
+                        </p:par>
+                        <p:par>
+                          <p:cTn id="24" fill="hold">
+                            <p:stCondLst>
+                              <p:cond delay="5000"/>
+                            </p:stCondLst>
+                            <p:childTnLst>
+                              <p:par>
+                                <p:cTn id="25" presetID="16" presetClass="entr" presetSubtype="21" fill="hold" grpId="0" nodeType="afterEffect">
+                                  <p:stCondLst>
+                                    <p:cond delay="0"/>
+                                  </p:stCondLst>
+                                  <p:childTnLst>
+                                    <p:set>
+                                      <p:cBhvr>
+                                        <p:cTn id="26" dur="1000" fill="hold">
+                                          <p:stCondLst>
+                                            <p:cond delay="0"/>
+                                          </p:stCondLst>
+                                        </p:cTn>
+                                        <p:tgtEl>
+                                          <p:spTgt spid="3">
+                                            <p:txEl>
+                                              <p:pRg st="5" end="5"/>
+                                            </p:txEl>
+                                          </p:spTgt>
+                                        </p:tgtEl>
+                                        <p:attrNameLst>
+                                          <p:attrName>style.visibility</p:attrName>
+                                        </p:attrNameLst>
+                                      </p:cBhvr>
+                                      <p:to>
+                                        <p:strVal val="visible"/>
+                                      </p:to>
+                                    </p:set>
+                                    <p:animEffect transition="in" filter="barn(inVertical)">
+                                      <p:cBhvr>
+                                        <p:cTn id="27" dur="1000"/>
+                                        <p:tgtEl>
+                                          <p:spTgt spid="3">
+                                            <p:txEl>
+                                              <p:pRg st="5" end="5"/>
+                                            </p:txEl>
+                                          </p:spTgt>
+                                        </p:tgtEl>
+                                      </p:cBhvr>
+                                    </p:animEffect>
+                                  </p:childTnLst>
+                                </p:cTn>
+                              </p:par>
+                            </p:childTnLst>
+                          </p:cTn>
+                        </p:par>
+                      </p:childTnLst>
+                    </p:cTn>
+                  </p:par>
+                </p:childTnLst>
+              </p:cTn>
+              <p:prevCondLst>
+                <p:cond evt="onPrev" delay="0">
+                  <p:tgtEl>
+                    <p:sldTgt/>
+                  </p:tgtEl>
+                </p:cond>
+              </p:prevCondLst>
+              <p:nextCondLst>
+                <p:cond evt="onNext" delay="0">
+                  <p:tgtEl>
+                    <p:sldTgt/>
+                  </p:tgtEl>
+                </p:cond>
+              </p:nextCondLst>
+            </p:seq>
+          </p:childTnLst>
+        </p:cTn>
+      </p:par>
+    </p:tnLst>
+    <p:bldLst>
+      <p:bldP spid="3" grpId="0" build="p"/>
+      <p:bldP spid="3" grpId="1" build="p"/>
+    </p:bldLst>
+  </p:timing>
+</p:sld>
+</file>
+
+<file path=ppt/slides/slide7.xml><?xml version="1.0" encoding="utf-8"?>
+<p:sld xmlns:a="http://schemas.openxmlformats.org/drawingml/2006/main" xmlns:r="http://schemas.openxmlformats.org/officeDocument/2006/relationships" xmlns:p="http://schemas.openxmlformats.org/presentationml/2006/main">
+  <p:cSld>
+    <p:spTree>
+      <p:nvGrpSpPr>
+        <p:cNvPr id="1" name=""/>
+        <p:cNvGrpSpPr/>
+        <p:nvPr/>
+      </p:nvGrpSpPr>
+      <p:grpSpPr/>
+      <p:sp>
+        <p:nvSpPr>
+          <p:cNvPr id="4" name="Прямоугольник 3"/>
           <p:cNvSpPr/>
           <p:nvPr/>
         </p:nvSpPr>
@@ -4022,1678 +7734,6 @@
       </p:sp>
       <p:sp>
         <p:nvSpPr>
-          <p:cNvPr id="2" name="Title 1"/>
-          <p:cNvSpPr>
-            <a:spLocks noGrp="1"/>
-          </p:cNvSpPr>
-          <p:nvPr>
-            <p:ph type="ctrTitle"/>
-          </p:nvPr>
-        </p:nvSpPr>
-        <p:spPr>
-          <a:xfrm>
-            <a:off x="100965" y="690880"/>
-            <a:ext cx="6481445" cy="1082675"/>
-          </a:xfrm>
-        </p:spPr>
-        <p:txBody>
-          <a:bodyPr/>
-          <a:lstStyle/>
-          <a:p>
-            <a:r>
-              <a:rPr lang="ru-RU"/>
-              <a:t>Программа «</a:t>
-            </a:r>
-            <a:r>
-              <a:rPr lang="en-US"/>
-              <a:t>School</a:t>
-            </a:r>
-            <a:r>
-              <a:rPr lang="ru-RU" altLang="en-US"/>
-              <a:t> </a:t>
-            </a:r>
-            <a:r>
-              <a:rPr lang="en-US" altLang="en-US"/>
-              <a:t>helper</a:t>
-            </a:r>
-            <a:r>
-              <a:rPr lang="ru-RU" altLang="en-US"/>
-              <a:t>»</a:t>
-            </a:r>
-            <a:endParaRPr lang="ru-RU" altLang="en-US"/>
-          </a:p>
-        </p:txBody>
-      </p:sp>
-      <p:sp>
-        <p:nvSpPr>
-          <p:cNvPr id="5" name="Subtitle 4"/>
-          <p:cNvSpPr>
-            <a:spLocks noGrp="1"/>
-          </p:cNvSpPr>
-          <p:nvPr>
-            <p:ph type="subTitle" idx="1"/>
-          </p:nvPr>
-        </p:nvSpPr>
-        <p:spPr>
-          <a:xfrm>
-            <a:off x="4031615" y="5704205"/>
-            <a:ext cx="4127500" cy="1153795"/>
-          </a:xfrm>
-        </p:spPr>
-        <p:txBody>
-          <a:bodyPr/>
-          <a:lstStyle/>
-          <a:p>
-            <a:r>
-              <a:rPr lang="en-US"/>
-              <a:t>Author: MrChudak</a:t>
-            </a:r>
-            <a:endParaRPr lang="en-US"/>
-          </a:p>
-          <a:p>
-            <a:r>
-              <a:rPr lang="en-US"/>
-              <a:t>	2023</a:t>
-            </a:r>
-            <a:endParaRPr lang="en-US"/>
-          </a:p>
-        </p:txBody>
-      </p:sp>
-    </p:spTree>
-  </p:cSld>
-  <p:clrMapOvr>
-    <a:masterClrMapping/>
-  </p:clrMapOvr>
-</p:sld>
-</file>
-
-<file path=ppt/slides/slide2.xml><?xml version="1.0" encoding="utf-8"?>
-<p:sld xmlns:a="http://schemas.openxmlformats.org/drawingml/2006/main" xmlns:r="http://schemas.openxmlformats.org/officeDocument/2006/relationships" xmlns:p="http://schemas.openxmlformats.org/presentationml/2006/main">
-  <p:cSld>
-    <p:spTree>
-      <p:nvGrpSpPr>
-        <p:cNvPr id="1" name=""/>
-        <p:cNvGrpSpPr/>
-        <p:nvPr/>
-      </p:nvGrpSpPr>
-      <p:grpSpPr/>
-      <p:sp>
-        <p:nvSpPr>
-          <p:cNvPr id="4" name="Прямоугольник 3"/>
-          <p:cNvSpPr/>
-          <p:nvPr/>
-        </p:nvSpPr>
-        <p:spPr>
-          <a:xfrm>
-            <a:off x="0" y="0"/>
-            <a:ext cx="12191365" cy="6858635"/>
-          </a:xfrm>
-          <a:prstGeom prst="rect">
-            <a:avLst/>
-          </a:prstGeom>
-          <a:gradFill>
-            <a:gsLst>
-              <a:gs pos="0">
-                <a:srgbClr val="007BD3"/>
-              </a:gs>
-              <a:gs pos="100000">
-                <a:srgbClr val="034373"/>
-              </a:gs>
-            </a:gsLst>
-            <a:lin scaled="0"/>
-          </a:gradFill>
-          <a:ln>
-            <a:noFill/>
-            <a:headEnd type="none" w="med" len="med"/>
-            <a:tailEnd type="none" w="med" len="med"/>
-          </a:ln>
-        </p:spPr>
-        <p:style>
-          <a:lnRef idx="2">
-            <a:schemeClr val="accent3"/>
-          </a:lnRef>
-          <a:fillRef idx="1">
-            <a:schemeClr val="lt1"/>
-          </a:fillRef>
-          <a:effectRef idx="0">
-            <a:schemeClr val="accent3"/>
-          </a:effectRef>
-          <a:fontRef idx="minor">
-            <a:schemeClr val="dk1"/>
-          </a:fontRef>
-        </p:style>
-        <p:txBody>
-          <a:bodyPr vert="horz" wrap="none" lIns="91440" tIns="45720" rIns="91440" bIns="45720" numCol="1" anchor="ctr" anchorCtr="0" compatLnSpc="1"/>
-          <a:p>
-            <a:pPr marL="0" marR="0" indent="0" algn="l" defTabSz="914400" rtl="0" eaLnBrk="1" fontAlgn="base" latinLnBrk="0" hangingPunct="1">
-              <a:lnSpc>
-                <a:spcPct val="100000"/>
-              </a:lnSpc>
-              <a:spcBef>
-                <a:spcPct val="0"/>
-              </a:spcBef>
-              <a:spcAft>
-                <a:spcPct val="0"/>
-              </a:spcAft>
-              <a:buClrTx/>
-              <a:buSzTx/>
-              <a:buFontTx/>
-              <a:buNone/>
-            </a:pPr>
-            <a:endParaRPr kumimoji="0" lang="zh-CN" altLang="en-US" sz="1800" b="0" i="0" u="none" strike="noStrike" cap="none" normalizeH="0" baseline="0" smtClean="0">
-              <a:ln>
-                <a:noFill/>
-              </a:ln>
-              <a:solidFill>
-                <a:schemeClr val="tx1"/>
-              </a:solidFill>
-              <a:effectLst/>
-              <a:latin typeface="Arial" panose="020B0604020202020204" pitchFamily="34" charset="0"/>
-              <a:ea typeface="SimSun" panose="02010600030101010101" pitchFamily="2" charset="-122"/>
-            </a:endParaRPr>
-          </a:p>
-        </p:txBody>
-      </p:sp>
-      <p:sp>
-        <p:nvSpPr>
-          <p:cNvPr id="2" name="Заголовок 1"/>
-          <p:cNvSpPr>
-            <a:spLocks noGrp="1"/>
-          </p:cNvSpPr>
-          <p:nvPr>
-            <p:ph type="title"/>
-          </p:nvPr>
-        </p:nvSpPr>
-        <p:spPr/>
-        <p:txBody>
-          <a:bodyPr/>
-          <a:p>
-            <a:r>
-              <a:rPr lang="ru-RU" altLang="ru-RU"/>
-              <a:t>Описание</a:t>
-            </a:r>
-            <a:endParaRPr lang="ru-RU" altLang="ru-RU"/>
-          </a:p>
-        </p:txBody>
-      </p:sp>
-      <p:sp>
-        <p:nvSpPr>
-          <p:cNvPr id="3" name="Замещающее содержимое 2"/>
-          <p:cNvSpPr>
-            <a:spLocks noGrp="1"/>
-          </p:cNvSpPr>
-          <p:nvPr>
-            <p:ph idx="1"/>
-          </p:nvPr>
-        </p:nvSpPr>
-        <p:spPr/>
-        <p:txBody>
-          <a:bodyPr/>
-          <a:p>
-            <a:pPr marL="0" indent="0">
-              <a:buNone/>
-            </a:pPr>
-            <a:r>
-              <a:rPr lang="ru-RU" altLang="en-US"/>
-              <a:t>Данное приложение создано для удобного структурирования информации из школьных тем. В приложении преставлена возможность записывать собственный заметки по темам, создавать графики по заданной функции(в будущем) и чертить 2</a:t>
-            </a:r>
-            <a:r>
-              <a:rPr lang="en-US" altLang="ru-RU"/>
-              <a:t>D </a:t>
-            </a:r>
-            <a:r>
-              <a:rPr lang="ru-RU" altLang="ru-RU"/>
-              <a:t>или </a:t>
-            </a:r>
-            <a:r>
-              <a:rPr lang="en-US" altLang="ru-RU"/>
-              <a:t>3D </a:t>
-            </a:r>
-            <a:r>
-              <a:rPr lang="ru-RU" altLang="ru-RU"/>
-              <a:t>модели геометрических фигур.</a:t>
-            </a:r>
-            <a:endParaRPr lang="ru-RU" altLang="ru-RU"/>
-          </a:p>
-        </p:txBody>
-      </p:sp>
-    </p:spTree>
-  </p:cSld>
-  <p:clrMapOvr>
-    <a:masterClrMapping/>
-  </p:clrMapOvr>
-</p:sld>
-</file>
-
-<file path=ppt/slides/slide3.xml><?xml version="1.0" encoding="utf-8"?>
-<p:sld xmlns:a="http://schemas.openxmlformats.org/drawingml/2006/main" xmlns:r="http://schemas.openxmlformats.org/officeDocument/2006/relationships" xmlns:p="http://schemas.openxmlformats.org/presentationml/2006/main">
-  <p:cSld>
-    <p:spTree>
-      <p:nvGrpSpPr>
-        <p:cNvPr id="1" name=""/>
-        <p:cNvGrpSpPr/>
-        <p:nvPr/>
-      </p:nvGrpSpPr>
-      <p:grpSpPr/>
-      <p:sp>
-        <p:nvSpPr>
-          <p:cNvPr id="4" name="Прямоугольник 3"/>
-          <p:cNvSpPr/>
-          <p:nvPr/>
-        </p:nvSpPr>
-        <p:spPr>
-          <a:xfrm>
-            <a:off x="0" y="0"/>
-            <a:ext cx="12191365" cy="6858635"/>
-          </a:xfrm>
-          <a:prstGeom prst="rect">
-            <a:avLst/>
-          </a:prstGeom>
-          <a:gradFill>
-            <a:gsLst>
-              <a:gs pos="0">
-                <a:srgbClr val="007BD3"/>
-              </a:gs>
-              <a:gs pos="100000">
-                <a:srgbClr val="034373"/>
-              </a:gs>
-            </a:gsLst>
-            <a:lin scaled="0"/>
-          </a:gradFill>
-          <a:ln>
-            <a:noFill/>
-            <a:headEnd type="none" w="med" len="med"/>
-            <a:tailEnd type="none" w="med" len="med"/>
-          </a:ln>
-        </p:spPr>
-        <p:style>
-          <a:lnRef idx="2">
-            <a:schemeClr val="accent3"/>
-          </a:lnRef>
-          <a:fillRef idx="1">
-            <a:schemeClr val="lt1"/>
-          </a:fillRef>
-          <a:effectRef idx="0">
-            <a:schemeClr val="accent3"/>
-          </a:effectRef>
-          <a:fontRef idx="minor">
-            <a:schemeClr val="dk1"/>
-          </a:fontRef>
-        </p:style>
-        <p:txBody>
-          <a:bodyPr vert="horz" wrap="none" lIns="91440" tIns="45720" rIns="91440" bIns="45720" numCol="1" anchor="ctr" anchorCtr="0" compatLnSpc="1"/>
-          <a:p>
-            <a:pPr marL="0" marR="0" indent="0" algn="l" defTabSz="914400" rtl="0" eaLnBrk="1" fontAlgn="base" latinLnBrk="0" hangingPunct="1">
-              <a:lnSpc>
-                <a:spcPct val="100000"/>
-              </a:lnSpc>
-              <a:spcBef>
-                <a:spcPct val="0"/>
-              </a:spcBef>
-              <a:spcAft>
-                <a:spcPct val="0"/>
-              </a:spcAft>
-              <a:buClrTx/>
-              <a:buSzTx/>
-              <a:buFontTx/>
-              <a:buNone/>
-            </a:pPr>
-            <a:endParaRPr kumimoji="0" lang="zh-CN" altLang="en-US" sz="1800" b="0" i="0" u="none" strike="noStrike" cap="none" normalizeH="0" baseline="0" smtClean="0">
-              <a:ln>
-                <a:noFill/>
-              </a:ln>
-              <a:solidFill>
-                <a:schemeClr val="tx1"/>
-              </a:solidFill>
-              <a:effectLst/>
-              <a:latin typeface="Arial" panose="020B0604020202020204" pitchFamily="34" charset="0"/>
-              <a:ea typeface="SimSun" panose="02010600030101010101" pitchFamily="2" charset="-122"/>
-            </a:endParaRPr>
-          </a:p>
-        </p:txBody>
-      </p:sp>
-      <p:sp>
-        <p:nvSpPr>
-          <p:cNvPr id="2" name="Заголовок 1"/>
-          <p:cNvSpPr>
-            <a:spLocks noGrp="1"/>
-          </p:cNvSpPr>
-          <p:nvPr>
-            <p:ph type="title"/>
-          </p:nvPr>
-        </p:nvSpPr>
-        <p:spPr/>
-        <p:txBody>
-          <a:bodyPr/>
-          <a:p>
-            <a:r>
-              <a:rPr lang="ru-RU" altLang="en-US"/>
-              <a:t>Ресурсы</a:t>
-            </a:r>
-            <a:endParaRPr lang="ru-RU" altLang="en-US"/>
-          </a:p>
-        </p:txBody>
-      </p:sp>
-      <p:sp>
-        <p:nvSpPr>
-          <p:cNvPr id="3" name="Замещающее содержимое 2"/>
-          <p:cNvSpPr>
-            <a:spLocks noGrp="1"/>
-          </p:cNvSpPr>
-          <p:nvPr>
-            <p:ph idx="1"/>
-          </p:nvPr>
-        </p:nvSpPr>
-        <p:spPr/>
-        <p:txBody>
-          <a:bodyPr/>
-          <a:p>
-            <a:pPr marL="0" indent="0">
-              <a:buNone/>
-            </a:pPr>
-            <a:r>
-              <a:rPr lang="ru-RU" altLang="en-US"/>
-              <a:t>Для разработки приложения были использованны библиотеки </a:t>
-            </a:r>
-            <a:r>
-              <a:rPr lang="en-US" altLang="en-US"/>
-              <a:t>PyQt5, sys </a:t>
-            </a:r>
-            <a:r>
-              <a:rPr lang="ru-RU" altLang="en-US"/>
-              <a:t>и </a:t>
-            </a:r>
-            <a:r>
-              <a:rPr lang="en-US" altLang="en-US"/>
-              <a:t>markdown</a:t>
-            </a:r>
-            <a:endParaRPr lang="en-US" altLang="en-US"/>
-          </a:p>
-          <a:p>
-            <a:pPr marL="0" indent="0">
-              <a:buNone/>
-            </a:pPr>
-            <a:r>
-              <a:rPr lang="ru-RU" altLang="en-US"/>
-              <a:t>Код проекта и инструкцию к нему можно посмотреть в </a:t>
-            </a:r>
-            <a:r>
-              <a:rPr lang="en-US" altLang="ru-RU">
-                <a:hlinkClick r:id="rId1" action="ppaction://hlinkfile"/>
-              </a:rPr>
-              <a:t>G</a:t>
-            </a:r>
-            <a:r>
-              <a:rPr lang="en-US" altLang="en-US">
-                <a:hlinkClick r:id="rId1" action="ppaction://hlinkfile"/>
-              </a:rPr>
-              <a:t>ithub</a:t>
-            </a:r>
-            <a:endParaRPr lang="ru-RU" altLang="en-US"/>
-          </a:p>
-          <a:p>
-            <a:pPr marL="0" indent="0">
-              <a:buNone/>
-            </a:pPr>
-            <a:endParaRPr lang="ru-RU" altLang="en-US"/>
-          </a:p>
-        </p:txBody>
-      </p:sp>
-    </p:spTree>
-  </p:cSld>
-  <p:clrMapOvr>
-    <a:masterClrMapping/>
-  </p:clrMapOvr>
-</p:sld>
-</file>
-
-<file path=ppt/slides/slide4.xml><?xml version="1.0" encoding="utf-8"?>
-<p:sld xmlns:a="http://schemas.openxmlformats.org/drawingml/2006/main" xmlns:r="http://schemas.openxmlformats.org/officeDocument/2006/relationships" xmlns:p="http://schemas.openxmlformats.org/presentationml/2006/main">
-  <p:cSld>
-    <p:spTree>
-      <p:nvGrpSpPr>
-        <p:cNvPr id="1" name=""/>
-        <p:cNvGrpSpPr/>
-        <p:nvPr/>
-      </p:nvGrpSpPr>
-      <p:grpSpPr/>
-      <p:sp>
-        <p:nvSpPr>
-          <p:cNvPr id="4" name="Прямоугольник 3"/>
-          <p:cNvSpPr/>
-          <p:nvPr/>
-        </p:nvSpPr>
-        <p:spPr>
-          <a:xfrm>
-            <a:off x="0" y="0"/>
-            <a:ext cx="12191365" cy="6858635"/>
-          </a:xfrm>
-          <a:prstGeom prst="rect">
-            <a:avLst/>
-          </a:prstGeom>
-          <a:gradFill>
-            <a:gsLst>
-              <a:gs pos="0">
-                <a:srgbClr val="007BD3"/>
-              </a:gs>
-              <a:gs pos="100000">
-                <a:srgbClr val="034373"/>
-              </a:gs>
-            </a:gsLst>
-            <a:lin scaled="0"/>
-          </a:gradFill>
-          <a:ln>
-            <a:noFill/>
-            <a:headEnd type="none" w="med" len="med"/>
-            <a:tailEnd type="none" w="med" len="med"/>
-          </a:ln>
-        </p:spPr>
-        <p:style>
-          <a:lnRef idx="2">
-            <a:schemeClr val="accent3"/>
-          </a:lnRef>
-          <a:fillRef idx="1">
-            <a:schemeClr val="lt1"/>
-          </a:fillRef>
-          <a:effectRef idx="0">
-            <a:schemeClr val="accent3"/>
-          </a:effectRef>
-          <a:fontRef idx="minor">
-            <a:schemeClr val="dk1"/>
-          </a:fontRef>
-        </p:style>
-        <p:txBody>
-          <a:bodyPr vert="horz" wrap="none" lIns="91440" tIns="45720" rIns="91440" bIns="45720" numCol="1" anchor="ctr" anchorCtr="0" compatLnSpc="1"/>
-          <a:p>
-            <a:pPr marL="0" marR="0" indent="0" algn="l" defTabSz="914400" rtl="0" eaLnBrk="1" fontAlgn="base" latinLnBrk="0" hangingPunct="1">
-              <a:lnSpc>
-                <a:spcPct val="100000"/>
-              </a:lnSpc>
-              <a:spcBef>
-                <a:spcPct val="0"/>
-              </a:spcBef>
-              <a:spcAft>
-                <a:spcPct val="0"/>
-              </a:spcAft>
-              <a:buClrTx/>
-              <a:buSzTx/>
-              <a:buFontTx/>
-              <a:buNone/>
-            </a:pPr>
-            <a:endParaRPr kumimoji="0" lang="zh-CN" altLang="en-US" sz="1800" b="0" i="0" u="none" strike="noStrike" cap="none" normalizeH="0" baseline="0" smtClean="0">
-              <a:ln>
-                <a:noFill/>
-              </a:ln>
-              <a:solidFill>
-                <a:schemeClr val="tx1"/>
-              </a:solidFill>
-              <a:effectLst/>
-              <a:latin typeface="Arial" panose="020B0604020202020204" pitchFamily="34" charset="0"/>
-              <a:ea typeface="SimSun" panose="02010600030101010101" pitchFamily="2" charset="-122"/>
-            </a:endParaRPr>
-          </a:p>
-        </p:txBody>
-      </p:sp>
-      <p:sp>
-        <p:nvSpPr>
-          <p:cNvPr id="2" name="Заголовок 1"/>
-          <p:cNvSpPr>
-            <a:spLocks noGrp="1"/>
-          </p:cNvSpPr>
-          <p:nvPr>
-            <p:ph type="title"/>
-          </p:nvPr>
-        </p:nvSpPr>
-        <p:spPr/>
-        <p:txBody>
-          <a:bodyPr/>
-          <a:p>
-            <a:r>
-              <a:rPr lang="ru-RU" altLang="en-US"/>
-              <a:t>Процесс разработки</a:t>
-            </a:r>
-            <a:endParaRPr lang="ru-RU" altLang="en-US"/>
-          </a:p>
-        </p:txBody>
-      </p:sp>
-      <p:sp>
-        <p:nvSpPr>
-          <p:cNvPr id="3" name="Замещающее содержимое 2"/>
-          <p:cNvSpPr>
-            <a:spLocks noGrp="1"/>
-          </p:cNvSpPr>
-          <p:nvPr>
-            <p:ph idx="1"/>
-          </p:nvPr>
-        </p:nvSpPr>
-        <p:spPr>
-          <a:xfrm>
-            <a:off x="0" y="1116330"/>
-            <a:ext cx="12192000" cy="4953000"/>
-          </a:xfrm>
-        </p:spPr>
-        <p:txBody>
-          <a:bodyPr/>
-          <a:p>
-            <a:pPr marL="0" indent="0">
-              <a:buNone/>
-            </a:pPr>
-            <a:r>
-              <a:rPr lang="ru-RU" altLang="en-US"/>
-              <a:t>Во время разработки был использован класс </a:t>
-            </a:r>
-            <a:r>
-              <a:rPr lang="en-US" altLang="en-US"/>
-              <a:t>QMainWindow </a:t>
-            </a:r>
-            <a:r>
-              <a:rPr lang="ru-RU" altLang="en-US"/>
-              <a:t>вместо </a:t>
-            </a:r>
-            <a:r>
-              <a:rPr lang="en-US" altLang="en-US"/>
-              <a:t>QWidget</a:t>
-            </a:r>
-            <a:r>
-              <a:rPr lang="ru-RU" altLang="en-US"/>
-              <a:t>, потому что в </a:t>
-            </a:r>
-            <a:r>
-              <a:rPr lang="en-US" altLang="en-US"/>
-              <a:t>QMainWindow </a:t>
-            </a:r>
-            <a:r>
-              <a:rPr lang="ru-RU" altLang="en-US"/>
-              <a:t>есть простой доступ к панели меню и для его настройки, что позволило упростить процесс разработки</a:t>
-            </a:r>
-            <a:endParaRPr lang="ru-RU" altLang="en-US"/>
-          </a:p>
-          <a:p>
-            <a:pPr marL="0" indent="0">
-              <a:buNone/>
-            </a:pPr>
-            <a:r>
-              <a:rPr lang="ru-RU" altLang="en-US"/>
-              <a:t>Добавлена конструкция </a:t>
-            </a:r>
-            <a:r>
-              <a:rPr lang="en-US" altLang="en-US"/>
-              <a:t>if __name__ == ‘__main__’</a:t>
-            </a:r>
-            <a:r>
-              <a:rPr lang="ru-RU" altLang="en-US"/>
-              <a:t>, которая поможет для внедрение других файлов в проект</a:t>
-            </a:r>
-            <a:endParaRPr lang="ru-RU" altLang="en-US"/>
-          </a:p>
-          <a:p>
-            <a:pPr marL="0" indent="0">
-              <a:buNone/>
-            </a:pPr>
-            <a:r>
-              <a:rPr lang="ru-RU" altLang="en-US"/>
-              <a:t>Изучен относительно свежий виджет </a:t>
-            </a:r>
-            <a:r>
-              <a:rPr lang="en-US" altLang="en-US"/>
-              <a:t>QWebEngineView</a:t>
-            </a:r>
-            <a:r>
-              <a:rPr lang="ru-RU" altLang="en-US"/>
-              <a:t>, который помогает выводить веб-страницы и </a:t>
-            </a:r>
-            <a:r>
-              <a:rPr lang="en-US" altLang="en-US"/>
-              <a:t>html </a:t>
-            </a:r>
-            <a:r>
-              <a:rPr lang="ru-RU" altLang="en-US"/>
-              <a:t>файлы внутри </a:t>
-            </a:r>
-            <a:r>
-              <a:rPr lang="en-US" altLang="en-US"/>
-              <a:t>qt</a:t>
-            </a:r>
-            <a:r>
-              <a:rPr lang="ru-RU" altLang="en-US"/>
-              <a:t>-приложения</a:t>
-            </a:r>
-            <a:endParaRPr lang="ru-RU" altLang="en-US"/>
-          </a:p>
-        </p:txBody>
-      </p:sp>
-    </p:spTree>
-  </p:cSld>
-  <p:clrMapOvr>
-    <a:masterClrMapping/>
-  </p:clrMapOvr>
-</p:sld>
-</file>
-
-<file path=ppt/slides/slide5.xml><?xml version="1.0" encoding="utf-8"?>
-<p:sld xmlns:a="http://schemas.openxmlformats.org/drawingml/2006/main" xmlns:r="http://schemas.openxmlformats.org/officeDocument/2006/relationships" xmlns:p="http://schemas.openxmlformats.org/presentationml/2006/main">
-  <p:cSld>
-    <p:spTree>
-      <p:nvGrpSpPr>
-        <p:cNvPr id="1" name=""/>
-        <p:cNvGrpSpPr/>
-        <p:nvPr/>
-      </p:nvGrpSpPr>
-      <p:grpSpPr/>
-      <p:sp>
-        <p:nvSpPr>
-          <p:cNvPr id="2" name="Прямоугольник 1"/>
-          <p:cNvSpPr/>
-          <p:nvPr/>
-        </p:nvSpPr>
-        <p:spPr>
-          <a:xfrm>
-            <a:off x="0" y="0"/>
-            <a:ext cx="12191365" cy="6858635"/>
-          </a:xfrm>
-          <a:prstGeom prst="rect">
-            <a:avLst/>
-          </a:prstGeom>
-          <a:gradFill>
-            <a:gsLst>
-              <a:gs pos="0">
-                <a:srgbClr val="007BD3"/>
-              </a:gs>
-              <a:gs pos="100000">
-                <a:srgbClr val="034373"/>
-              </a:gs>
-            </a:gsLst>
-            <a:lin scaled="0"/>
-          </a:gradFill>
-          <a:ln>
-            <a:noFill/>
-            <a:headEnd type="none" w="med" len="med"/>
-            <a:tailEnd type="none" w="med" len="med"/>
-          </a:ln>
-        </p:spPr>
-        <p:style>
-          <a:lnRef idx="2">
-            <a:schemeClr val="accent3"/>
-          </a:lnRef>
-          <a:fillRef idx="1">
-            <a:schemeClr val="lt1"/>
-          </a:fillRef>
-          <a:effectRef idx="0">
-            <a:schemeClr val="accent3"/>
-          </a:effectRef>
-          <a:fontRef idx="minor">
-            <a:schemeClr val="dk1"/>
-          </a:fontRef>
-        </p:style>
-        <p:txBody>
-          <a:bodyPr vert="horz" wrap="none" lIns="91440" tIns="45720" rIns="91440" bIns="45720" numCol="1" anchor="ctr" anchorCtr="0" compatLnSpc="1"/>
-          <a:p>
-            <a:pPr marL="0" marR="0" indent="0" algn="l" defTabSz="914400" rtl="0" eaLnBrk="1" fontAlgn="base" latinLnBrk="0" hangingPunct="1">
-              <a:lnSpc>
-                <a:spcPct val="100000"/>
-              </a:lnSpc>
-              <a:spcBef>
-                <a:spcPct val="0"/>
-              </a:spcBef>
-              <a:spcAft>
-                <a:spcPct val="0"/>
-              </a:spcAft>
-              <a:buClrTx/>
-              <a:buSzTx/>
-              <a:buFontTx/>
-              <a:buNone/>
-            </a:pPr>
-            <a:endParaRPr kumimoji="0" lang="zh-CN" altLang="en-US" sz="1800" b="0" i="0" u="none" strike="noStrike" cap="none" normalizeH="0" baseline="0" smtClean="0">
-              <a:ln>
-                <a:noFill/>
-              </a:ln>
-              <a:solidFill>
-                <a:schemeClr val="tx1"/>
-              </a:solidFill>
-              <a:effectLst/>
-              <a:latin typeface="Arial" panose="020B0604020202020204" pitchFamily="34" charset="0"/>
-              <a:ea typeface="SimSun" panose="02010600030101010101" pitchFamily="2" charset="-122"/>
-            </a:endParaRPr>
-          </a:p>
-        </p:txBody>
-      </p:sp>
-      <p:sp>
-        <p:nvSpPr>
-          <p:cNvPr id="3" name="Замещающее содержимое 2"/>
-          <p:cNvSpPr>
-            <a:spLocks noGrp="1"/>
-          </p:cNvSpPr>
-          <p:nvPr>
-            <p:ph idx="1"/>
-          </p:nvPr>
-        </p:nvSpPr>
-        <p:spPr>
-          <a:xfrm>
-            <a:off x="187325" y="198755"/>
-            <a:ext cx="11904980" cy="5782945"/>
-          </a:xfrm>
-        </p:spPr>
-        <p:txBody>
-          <a:bodyPr/>
-          <a:p>
-            <a:pPr marL="0" indent="0">
-              <a:buNone/>
-            </a:pPr>
-            <a:r>
-              <a:rPr lang="ru-RU" altLang="en-US"/>
-              <a:t>Введена библиотека </a:t>
-            </a:r>
-            <a:r>
-              <a:rPr lang="en-US" altLang="en-US"/>
-              <a:t>markdown</a:t>
-            </a:r>
-            <a:r>
-              <a:rPr lang="ru-RU" altLang="en-US"/>
-              <a:t>, позволяющая работать с файлами расширения </a:t>
-            </a:r>
-            <a:r>
-              <a:rPr lang="en-US" altLang="ru-RU"/>
-              <a:t>.</a:t>
-            </a:r>
-            <a:r>
-              <a:rPr lang="en-US" altLang="en-US"/>
-              <a:t>md</a:t>
-            </a:r>
-            <a:endParaRPr lang="en-US" altLang="en-US"/>
-          </a:p>
-          <a:p>
-            <a:pPr marL="0" indent="0">
-              <a:buNone/>
-            </a:pPr>
-            <a:r>
-              <a:rPr lang="ru-RU" altLang="en-US"/>
-              <a:t>Был создан отдельный класс </a:t>
-            </a:r>
-            <a:r>
-              <a:rPr lang="en-US" altLang="en-US"/>
-              <a:t>Window</a:t>
-            </a:r>
-            <a:r>
-              <a:rPr lang="ru-RU" altLang="en-US"/>
-              <a:t>, наследованный от класса </a:t>
-            </a:r>
-            <a:r>
-              <a:rPr lang="en-US" altLang="en-US"/>
-              <a:t>QMainWindow, </a:t>
-            </a:r>
-            <a:r>
-              <a:rPr lang="ru-RU" altLang="en-US"/>
-              <a:t>что позволило иметь быстрый доступ ко всем методам и функциям </a:t>
-            </a:r>
-            <a:r>
-              <a:rPr lang="en-US" altLang="en-US"/>
-              <a:t>QMainWindow</a:t>
-            </a:r>
-            <a:endParaRPr lang="ru-RU" altLang="en-US"/>
-          </a:p>
-          <a:p>
-            <a:pPr marL="0" indent="0">
-              <a:buNone/>
-            </a:pPr>
-            <a:endParaRPr lang="ru-RU" altLang="en-US"/>
-          </a:p>
-        </p:txBody>
-      </p:sp>
-    </p:spTree>
-  </p:cSld>
-  <p:clrMapOvr>
-    <a:masterClrMapping/>
-  </p:clrMapOvr>
-</p:sld>
-</file>
-
-<file path=ppt/slides/slide6.xml><?xml version="1.0" encoding="utf-8"?>
-<p:sld xmlns:a="http://schemas.openxmlformats.org/drawingml/2006/main" xmlns:r="http://schemas.openxmlformats.org/officeDocument/2006/relationships" xmlns:p="http://schemas.openxmlformats.org/presentationml/2006/main">
-  <p:cSld>
-    <p:spTree>
-      <p:nvGrpSpPr>
-        <p:cNvPr id="1" name=""/>
-        <p:cNvGrpSpPr/>
-        <p:nvPr/>
-      </p:nvGrpSpPr>
-      <p:grpSpPr/>
-      <p:sp>
-        <p:nvSpPr>
-          <p:cNvPr id="13" name="Прямоугольник 12"/>
-          <p:cNvSpPr/>
-          <p:nvPr/>
-        </p:nvSpPr>
-        <p:spPr>
-          <a:xfrm>
-            <a:off x="0" y="0"/>
-            <a:ext cx="12191365" cy="6858635"/>
-          </a:xfrm>
-          <a:prstGeom prst="rect">
-            <a:avLst/>
-          </a:prstGeom>
-          <a:gradFill>
-            <a:gsLst>
-              <a:gs pos="0">
-                <a:srgbClr val="007BD3"/>
-              </a:gs>
-              <a:gs pos="100000">
-                <a:srgbClr val="034373"/>
-              </a:gs>
-            </a:gsLst>
-            <a:lin scaled="0"/>
-          </a:gradFill>
-          <a:ln>
-            <a:noFill/>
-            <a:headEnd type="none" w="med" len="med"/>
-            <a:tailEnd type="none" w="med" len="med"/>
-          </a:ln>
-        </p:spPr>
-        <p:style>
-          <a:lnRef idx="2">
-            <a:schemeClr val="accent3"/>
-          </a:lnRef>
-          <a:fillRef idx="1">
-            <a:schemeClr val="lt1"/>
-          </a:fillRef>
-          <a:effectRef idx="0">
-            <a:schemeClr val="accent3"/>
-          </a:effectRef>
-          <a:fontRef idx="minor">
-            <a:schemeClr val="dk1"/>
-          </a:fontRef>
-        </p:style>
-        <p:txBody>
-          <a:bodyPr vert="horz" wrap="none" lIns="91440" tIns="45720" rIns="91440" bIns="45720" numCol="1" anchor="ctr" anchorCtr="0" compatLnSpc="1"/>
-          <a:p>
-            <a:pPr marL="0" marR="0" indent="0" algn="l" defTabSz="914400" rtl="0" eaLnBrk="1" fontAlgn="base" latinLnBrk="0" hangingPunct="1">
-              <a:lnSpc>
-                <a:spcPct val="100000"/>
-              </a:lnSpc>
-              <a:spcBef>
-                <a:spcPct val="0"/>
-              </a:spcBef>
-              <a:spcAft>
-                <a:spcPct val="0"/>
-              </a:spcAft>
-              <a:buClrTx/>
-              <a:buSzTx/>
-              <a:buFontTx/>
-              <a:buNone/>
-            </a:pPr>
-            <a:endParaRPr kumimoji="0" lang="zh-CN" altLang="en-US" sz="1800" b="0" i="0" u="none" strike="noStrike" cap="none" normalizeH="0" baseline="0" smtClean="0">
-              <a:ln>
-                <a:noFill/>
-              </a:ln>
-              <a:solidFill>
-                <a:schemeClr val="tx1"/>
-              </a:solidFill>
-              <a:effectLst/>
-              <a:latin typeface="Arial" panose="020B0604020202020204" pitchFamily="34" charset="0"/>
-              <a:ea typeface="SimSun" panose="02010600030101010101" pitchFamily="2" charset="-122"/>
-            </a:endParaRPr>
-          </a:p>
-        </p:txBody>
-      </p:sp>
-      <p:sp>
-        <p:nvSpPr>
-          <p:cNvPr id="2" name="Заголовок 1"/>
-          <p:cNvSpPr>
-            <a:spLocks noGrp="1"/>
-          </p:cNvSpPr>
-          <p:nvPr>
-            <p:ph type="title"/>
-          </p:nvPr>
-        </p:nvSpPr>
-        <p:spPr/>
-        <p:txBody>
-          <a:bodyPr/>
-          <a:p>
-            <a:r>
-              <a:rPr lang="ru-RU" altLang="en-US"/>
-              <a:t>Пример</a:t>
-            </a:r>
-            <a:r>
-              <a:rPr lang="en-US" altLang="ru-RU"/>
-              <a:t> </a:t>
-            </a:r>
-            <a:r>
-              <a:rPr lang="ru-RU" altLang="ru-RU"/>
-              <a:t>работы приложения</a:t>
-            </a:r>
-            <a:endParaRPr lang="ru-RU" altLang="ru-RU"/>
-          </a:p>
-        </p:txBody>
-      </p:sp>
-      <p:pic>
-        <p:nvPicPr>
-          <p:cNvPr id="4" name="Замещающее содержимое 3"/>
-          <p:cNvPicPr>
-            <a:picLocks noChangeAspect="1"/>
-          </p:cNvPicPr>
-          <p:nvPr>
-            <p:ph sz="half" idx="1"/>
-          </p:nvPr>
-        </p:nvPicPr>
-        <p:blipFill>
-          <a:blip r:embed="rId1"/>
-          <a:stretch>
-            <a:fillRect/>
-          </a:stretch>
-        </p:blipFill>
-        <p:spPr>
-          <a:xfrm>
-            <a:off x="609600" y="1555115"/>
-            <a:ext cx="5384800" cy="4191635"/>
-          </a:xfrm>
-          <a:prstGeom prst="rect">
-            <a:avLst/>
-          </a:prstGeom>
-        </p:spPr>
-      </p:pic>
-      <p:pic>
-        <p:nvPicPr>
-          <p:cNvPr id="5" name="Замещающее содержимое 4"/>
-          <p:cNvPicPr>
-            <a:picLocks noChangeAspect="1"/>
-          </p:cNvPicPr>
-          <p:nvPr>
-            <p:ph sz="half" idx="2"/>
-          </p:nvPr>
-        </p:nvPicPr>
-        <p:blipFill>
-          <a:blip r:embed="rId2"/>
-          <a:stretch>
-            <a:fillRect/>
-          </a:stretch>
-        </p:blipFill>
-        <p:spPr>
-          <a:xfrm>
-            <a:off x="6197600" y="1569085"/>
-            <a:ext cx="5384800" cy="4163695"/>
-          </a:xfrm>
-          <a:prstGeom prst="rect">
-            <a:avLst/>
-          </a:prstGeom>
-        </p:spPr>
-      </p:pic>
-      <p:pic>
-        <p:nvPicPr>
-          <p:cNvPr id="6" name="Изображение 5"/>
-          <p:cNvPicPr>
-            <a:picLocks noChangeAspect="1"/>
-          </p:cNvPicPr>
-          <p:nvPr/>
-        </p:nvPicPr>
-        <p:blipFill>
-          <a:blip r:embed="rId3"/>
-          <a:stretch>
-            <a:fillRect/>
-          </a:stretch>
-        </p:blipFill>
-        <p:spPr>
-          <a:xfrm>
-            <a:off x="609600" y="1555115"/>
-            <a:ext cx="5384165" cy="4191000"/>
-          </a:xfrm>
-          <a:prstGeom prst="rect">
-            <a:avLst/>
-          </a:prstGeom>
-        </p:spPr>
-      </p:pic>
-      <p:pic>
-        <p:nvPicPr>
-          <p:cNvPr id="8" name="Изображение 7"/>
-          <p:cNvPicPr>
-            <a:picLocks noChangeAspect="1"/>
-          </p:cNvPicPr>
-          <p:nvPr/>
-        </p:nvPicPr>
-        <p:blipFill>
-          <a:blip r:embed="rId4"/>
-          <a:stretch>
-            <a:fillRect/>
-          </a:stretch>
-        </p:blipFill>
-        <p:spPr>
-          <a:xfrm>
-            <a:off x="6197600" y="1562100"/>
-            <a:ext cx="5384800" cy="4177665"/>
-          </a:xfrm>
-          <a:prstGeom prst="rect">
-            <a:avLst/>
-          </a:prstGeom>
-        </p:spPr>
-      </p:pic>
-      <p:pic>
-        <p:nvPicPr>
-          <p:cNvPr id="9" name="Изображение 8"/>
-          <p:cNvPicPr>
-            <a:picLocks noChangeAspect="1"/>
-          </p:cNvPicPr>
-          <p:nvPr/>
-        </p:nvPicPr>
-        <p:blipFill>
-          <a:blip r:embed="rId5"/>
-          <a:stretch>
-            <a:fillRect/>
-          </a:stretch>
-        </p:blipFill>
-        <p:spPr>
-          <a:xfrm>
-            <a:off x="3289300" y="1555115"/>
-            <a:ext cx="5612765" cy="4271645"/>
-          </a:xfrm>
-          <a:prstGeom prst="rect">
-            <a:avLst/>
-          </a:prstGeom>
-        </p:spPr>
-      </p:pic>
-    </p:spTree>
-  </p:cSld>
-  <p:clrMapOvr>
-    <a:masterClrMapping/>
-  </p:clrMapOvr>
-  <p:timing>
-    <p:tnLst>
-      <p:par>
-        <p:cTn id="1" dur="indefinite" restart="never" nodeType="tmRoot">
-          <p:childTnLst>
-            <p:seq concurrent="1" nextAc="seek">
-              <p:cTn id="2" dur="indefinite" nodeType="mainSeq">
-                <p:childTnLst>
-                  <p:par>
-                    <p:cTn id="3" fill="hold">
-                      <p:stCondLst>
-                        <p:cond delay="indefinite"/>
-                      </p:stCondLst>
-                      <p:childTnLst>
-                        <p:par>
-                          <p:cTn id="4" fill="hold">
-                            <p:stCondLst>
-                              <p:cond delay="0"/>
-                            </p:stCondLst>
-                            <p:childTnLst>
-                              <p:par>
-                                <p:cTn id="5" presetID="16" presetClass="entr" presetSubtype="21" fill="hold" nodeType="clickEffect">
-                                  <p:stCondLst>
-                                    <p:cond delay="0"/>
-                                  </p:stCondLst>
-                                  <p:childTnLst>
-                                    <p:set>
-                                      <p:cBhvr>
-                                        <p:cTn id="6" dur="1" fill="hold">
-                                          <p:stCondLst>
-                                            <p:cond delay="0"/>
-                                          </p:stCondLst>
-                                        </p:cTn>
-                                        <p:tgtEl>
-                                          <p:spTgt spid="4"/>
-                                        </p:tgtEl>
-                                        <p:attrNameLst>
-                                          <p:attrName>style.visibility</p:attrName>
-                                        </p:attrNameLst>
-                                      </p:cBhvr>
-                                      <p:to>
-                                        <p:strVal val="visible"/>
-                                      </p:to>
-                                    </p:set>
-                                    <p:animEffect transition="in" filter="barn(inVertical)">
-                                      <p:cBhvr>
-                                        <p:cTn id="7" dur="500"/>
-                                        <p:tgtEl>
-                                          <p:spTgt spid="4"/>
-                                        </p:tgtEl>
-                                      </p:cBhvr>
-                                    </p:animEffect>
-                                  </p:childTnLst>
-                                </p:cTn>
-                              </p:par>
-                            </p:childTnLst>
-                          </p:cTn>
-                        </p:par>
-                      </p:childTnLst>
-                    </p:cTn>
-                  </p:par>
-                  <p:par>
-                    <p:cTn id="8" fill="hold">
-                      <p:stCondLst>
-                        <p:cond delay="indefinite"/>
-                      </p:stCondLst>
-                      <p:childTnLst>
-                        <p:par>
-                          <p:cTn id="9" fill="hold">
-                            <p:stCondLst>
-                              <p:cond delay="0"/>
-                            </p:stCondLst>
-                            <p:childTnLst>
-                              <p:par>
-                                <p:cTn id="10" presetID="16" presetClass="entr" presetSubtype="21" fill="hold" nodeType="clickEffect">
-                                  <p:stCondLst>
-                                    <p:cond delay="0"/>
-                                  </p:stCondLst>
-                                  <p:childTnLst>
-                                    <p:set>
-                                      <p:cBhvr>
-                                        <p:cTn id="11" dur="1" fill="hold">
-                                          <p:stCondLst>
-                                            <p:cond delay="0"/>
-                                          </p:stCondLst>
-                                        </p:cTn>
-                                        <p:tgtEl>
-                                          <p:spTgt spid="5"/>
-                                        </p:tgtEl>
-                                        <p:attrNameLst>
-                                          <p:attrName>style.visibility</p:attrName>
-                                        </p:attrNameLst>
-                                      </p:cBhvr>
-                                      <p:to>
-                                        <p:strVal val="visible"/>
-                                      </p:to>
-                                    </p:set>
-                                    <p:animEffect transition="in" filter="barn(inVertical)">
-                                      <p:cBhvr>
-                                        <p:cTn id="12" dur="500"/>
-                                        <p:tgtEl>
-                                          <p:spTgt spid="5"/>
-                                        </p:tgtEl>
-                                      </p:cBhvr>
-                                    </p:animEffect>
-                                  </p:childTnLst>
-                                </p:cTn>
-                              </p:par>
-                            </p:childTnLst>
-                          </p:cTn>
-                        </p:par>
-                      </p:childTnLst>
-                    </p:cTn>
-                  </p:par>
-                  <p:par>
-                    <p:cTn id="13" fill="hold">
-                      <p:stCondLst>
-                        <p:cond delay="indefinite"/>
-                      </p:stCondLst>
-                      <p:childTnLst>
-                        <p:par>
-                          <p:cTn id="14" fill="hold">
-                            <p:stCondLst>
-                              <p:cond delay="0"/>
-                            </p:stCondLst>
-                            <p:childTnLst>
-                              <p:par>
-                                <p:cTn id="15" presetID="16" presetClass="entr" presetSubtype="21" fill="hold" nodeType="clickEffect">
-                                  <p:stCondLst>
-                                    <p:cond delay="0"/>
-                                  </p:stCondLst>
-                                  <p:childTnLst>
-                                    <p:set>
-                                      <p:cBhvr>
-                                        <p:cTn id="16" dur="1" fill="hold">
-                                          <p:stCondLst>
-                                            <p:cond delay="0"/>
-                                          </p:stCondLst>
-                                        </p:cTn>
-                                        <p:tgtEl>
-                                          <p:spTgt spid="6"/>
-                                        </p:tgtEl>
-                                        <p:attrNameLst>
-                                          <p:attrName>style.visibility</p:attrName>
-                                        </p:attrNameLst>
-                                      </p:cBhvr>
-                                      <p:to>
-                                        <p:strVal val="visible"/>
-                                      </p:to>
-                                    </p:set>
-                                    <p:animEffect transition="in" filter="barn(inVertical)">
-                                      <p:cBhvr>
-                                        <p:cTn id="17" dur="500"/>
-                                        <p:tgtEl>
-                                          <p:spTgt spid="6"/>
-                                        </p:tgtEl>
-                                      </p:cBhvr>
-                                    </p:animEffect>
-                                  </p:childTnLst>
-                                </p:cTn>
-                              </p:par>
-                            </p:childTnLst>
-                          </p:cTn>
-                        </p:par>
-                      </p:childTnLst>
-                    </p:cTn>
-                  </p:par>
-                  <p:par>
-                    <p:cTn id="18" fill="hold">
-                      <p:stCondLst>
-                        <p:cond delay="indefinite"/>
-                      </p:stCondLst>
-                      <p:childTnLst>
-                        <p:par>
-                          <p:cTn id="19" fill="hold">
-                            <p:stCondLst>
-                              <p:cond delay="0"/>
-                            </p:stCondLst>
-                            <p:childTnLst>
-                              <p:par>
-                                <p:cTn id="20" presetID="16" presetClass="entr" presetSubtype="21" fill="hold" nodeType="clickEffect">
-                                  <p:stCondLst>
-                                    <p:cond delay="0"/>
-                                  </p:stCondLst>
-                                  <p:childTnLst>
-                                    <p:set>
-                                      <p:cBhvr>
-                                        <p:cTn id="21" dur="1" fill="hold">
-                                          <p:stCondLst>
-                                            <p:cond delay="0"/>
-                                          </p:stCondLst>
-                                        </p:cTn>
-                                        <p:tgtEl>
-                                          <p:spTgt spid="8"/>
-                                        </p:tgtEl>
-                                        <p:attrNameLst>
-                                          <p:attrName>style.visibility</p:attrName>
-                                        </p:attrNameLst>
-                                      </p:cBhvr>
-                                      <p:to>
-                                        <p:strVal val="visible"/>
-                                      </p:to>
-                                    </p:set>
-                                    <p:animEffect transition="in" filter="barn(inVertical)">
-                                      <p:cBhvr>
-                                        <p:cTn id="22" dur="500"/>
-                                        <p:tgtEl>
-                                          <p:spTgt spid="8"/>
-                                        </p:tgtEl>
-                                      </p:cBhvr>
-                                    </p:animEffect>
-                                  </p:childTnLst>
-                                </p:cTn>
-                              </p:par>
-                            </p:childTnLst>
-                          </p:cTn>
-                        </p:par>
-                      </p:childTnLst>
-                    </p:cTn>
-                  </p:par>
-                  <p:par>
-                    <p:cTn id="23" fill="hold">
-                      <p:stCondLst>
-                        <p:cond delay="indefinite"/>
-                      </p:stCondLst>
-                      <p:childTnLst>
-                        <p:par>
-                          <p:cTn id="24" fill="hold">
-                            <p:stCondLst>
-                              <p:cond delay="0"/>
-                            </p:stCondLst>
-                            <p:childTnLst>
-                              <p:par>
-                                <p:cTn id="25" presetID="16" presetClass="entr" presetSubtype="21" fill="hold" nodeType="clickEffect">
-                                  <p:stCondLst>
-                                    <p:cond delay="0"/>
-                                  </p:stCondLst>
-                                  <p:childTnLst>
-                                    <p:set>
-                                      <p:cBhvr>
-                                        <p:cTn id="26" dur="1" fill="hold">
-                                          <p:stCondLst>
-                                            <p:cond delay="0"/>
-                                          </p:stCondLst>
-                                        </p:cTn>
-                                        <p:tgtEl>
-                                          <p:spTgt spid="9"/>
-                                        </p:tgtEl>
-                                        <p:attrNameLst>
-                                          <p:attrName>style.visibility</p:attrName>
-                                        </p:attrNameLst>
-                                      </p:cBhvr>
-                                      <p:to>
-                                        <p:strVal val="visible"/>
-                                      </p:to>
-                                    </p:set>
-                                    <p:animEffect transition="in" filter="barn(inVertical)">
-                                      <p:cBhvr>
-                                        <p:cTn id="27" dur="500"/>
-                                        <p:tgtEl>
-                                          <p:spTgt spid="9"/>
-                                        </p:tgtEl>
-                                      </p:cBhvr>
-                                    </p:animEffect>
-                                  </p:childTnLst>
-                                </p:cTn>
-                              </p:par>
-                            </p:childTnLst>
-                          </p:cTn>
-                        </p:par>
-                      </p:childTnLst>
-                    </p:cTn>
-                  </p:par>
-                </p:childTnLst>
-              </p:cTn>
-              <p:prevCondLst>
-                <p:cond evt="onPrev" delay="0">
-                  <p:tgtEl>
-                    <p:sldTgt/>
-                  </p:tgtEl>
-                </p:cond>
-              </p:prevCondLst>
-              <p:nextCondLst>
-                <p:cond evt="onNext" delay="0">
-                  <p:tgtEl>
-                    <p:sldTgt/>
-                  </p:tgtEl>
-                </p:cond>
-              </p:nextCondLst>
-            </p:seq>
-          </p:childTnLst>
-        </p:cTn>
-      </p:par>
-    </p:tnLst>
-  </p:timing>
-</p:sld>
-</file>
-
-<file path=ppt/slides/slide7.xml><?xml version="1.0" encoding="utf-8"?>
-<p:sld xmlns:a="http://schemas.openxmlformats.org/drawingml/2006/main" xmlns:r="http://schemas.openxmlformats.org/officeDocument/2006/relationships" xmlns:p="http://schemas.openxmlformats.org/presentationml/2006/main">
-  <p:cSld>
-    <p:spTree>
-      <p:nvGrpSpPr>
-        <p:cNvPr id="1" name=""/>
-        <p:cNvGrpSpPr/>
-        <p:nvPr/>
-      </p:nvGrpSpPr>
-      <p:grpSpPr/>
-      <p:sp>
-        <p:nvSpPr>
-          <p:cNvPr id="4" name="Прямоугольник 3"/>
-          <p:cNvSpPr/>
-          <p:nvPr/>
-        </p:nvSpPr>
-        <p:spPr>
-          <a:xfrm>
-            <a:off x="0" y="0"/>
-            <a:ext cx="12191365" cy="6858635"/>
-          </a:xfrm>
-          <a:prstGeom prst="rect">
-            <a:avLst/>
-          </a:prstGeom>
-          <a:gradFill>
-            <a:gsLst>
-              <a:gs pos="0">
-                <a:srgbClr val="007BD3"/>
-              </a:gs>
-              <a:gs pos="100000">
-                <a:srgbClr val="034373"/>
-              </a:gs>
-            </a:gsLst>
-            <a:lin scaled="0"/>
-          </a:gradFill>
-          <a:ln>
-            <a:noFill/>
-            <a:headEnd type="none" w="med" len="med"/>
-            <a:tailEnd type="none" w="med" len="med"/>
-          </a:ln>
-        </p:spPr>
-        <p:style>
-          <a:lnRef idx="2">
-            <a:schemeClr val="accent3"/>
-          </a:lnRef>
-          <a:fillRef idx="1">
-            <a:schemeClr val="lt1"/>
-          </a:fillRef>
-          <a:effectRef idx="0">
-            <a:schemeClr val="accent3"/>
-          </a:effectRef>
-          <a:fontRef idx="minor">
-            <a:schemeClr val="dk1"/>
-          </a:fontRef>
-        </p:style>
-        <p:txBody>
-          <a:bodyPr vert="horz" wrap="none" lIns="91440" tIns="45720" rIns="91440" bIns="45720" numCol="1" anchor="ctr" anchorCtr="0" compatLnSpc="1"/>
-          <a:p>
-            <a:pPr marL="0" marR="0" indent="0" algn="l" defTabSz="914400" rtl="0" eaLnBrk="1" fontAlgn="base" latinLnBrk="0" hangingPunct="1">
-              <a:lnSpc>
-                <a:spcPct val="100000"/>
-              </a:lnSpc>
-              <a:spcBef>
-                <a:spcPct val="0"/>
-              </a:spcBef>
-              <a:spcAft>
-                <a:spcPct val="0"/>
-              </a:spcAft>
-              <a:buClrTx/>
-              <a:buSzTx/>
-              <a:buFontTx/>
-              <a:buNone/>
-            </a:pPr>
-            <a:endParaRPr kumimoji="0" lang="zh-CN" altLang="en-US" sz="1800" b="0" i="0" u="none" strike="noStrike" cap="none" normalizeH="0" baseline="0" smtClean="0">
-              <a:ln>
-                <a:noFill/>
-              </a:ln>
-              <a:solidFill>
-                <a:schemeClr val="tx1"/>
-              </a:solidFill>
-              <a:effectLst/>
-              <a:latin typeface="Arial" panose="020B0604020202020204" pitchFamily="34" charset="0"/>
-              <a:ea typeface="SimSun" panose="02010600030101010101" pitchFamily="2" charset="-122"/>
-            </a:endParaRPr>
-          </a:p>
-        </p:txBody>
-      </p:sp>
-      <p:sp>
-        <p:nvSpPr>
-          <p:cNvPr id="2" name="Заголовок 1"/>
-          <p:cNvSpPr>
-            <a:spLocks noGrp="1"/>
-          </p:cNvSpPr>
-          <p:nvPr>
-            <p:ph type="title"/>
-          </p:nvPr>
-        </p:nvSpPr>
-        <p:spPr/>
-        <p:txBody>
-          <a:bodyPr/>
-          <a:p>
-            <a:r>
-              <a:rPr lang="ru-RU" altLang="en-US"/>
-              <a:t>Будущие улучшения</a:t>
-            </a:r>
-            <a:endParaRPr lang="ru-RU" altLang="en-US"/>
-          </a:p>
-        </p:txBody>
-      </p:sp>
-      <p:sp>
-        <p:nvSpPr>
-          <p:cNvPr id="3" name="Замещающее содержимое 2"/>
-          <p:cNvSpPr>
-            <a:spLocks noGrp="1"/>
-          </p:cNvSpPr>
-          <p:nvPr>
-            <p:ph idx="1"/>
-          </p:nvPr>
-        </p:nvSpPr>
-        <p:spPr/>
-        <p:txBody>
-          <a:bodyPr/>
-          <a:p>
-            <a:pPr marL="0" indent="0">
-              <a:buNone/>
-            </a:pPr>
-            <a:r>
-              <a:rPr lang="ru-RU" altLang="en-US"/>
-              <a:t>1. Оптимизация приложения</a:t>
-            </a:r>
-            <a:endParaRPr lang="ru-RU" altLang="en-US"/>
-          </a:p>
-          <a:p>
-            <a:pPr marL="0" indent="0">
-              <a:buNone/>
-            </a:pPr>
-            <a:r>
-              <a:rPr lang="ru-RU" altLang="en-US"/>
-              <a:t>2. Добавление окна результата с выводом в реальном времени</a:t>
-            </a:r>
-            <a:endParaRPr lang="ru-RU" altLang="en-US"/>
-          </a:p>
-          <a:p>
-            <a:pPr marL="0" indent="0">
-              <a:buNone/>
-            </a:pPr>
-            <a:r>
-              <a:rPr lang="ru-RU" altLang="en-US"/>
-              <a:t>3. Добавление функции по созданию графиков</a:t>
-            </a:r>
-            <a:endParaRPr lang="ru-RU" altLang="en-US"/>
-          </a:p>
-          <a:p>
-            <a:pPr marL="0" indent="0">
-              <a:buNone/>
-            </a:pPr>
-            <a:r>
-              <a:rPr lang="ru-RU" altLang="en-US"/>
-              <a:t>4. Добавление возможности создать 3</a:t>
-            </a:r>
-            <a:r>
-              <a:rPr lang="en-US" altLang="en-US"/>
-              <a:t>D </a:t>
-            </a:r>
-            <a:r>
-              <a:rPr lang="ru-RU" altLang="en-US"/>
-              <a:t>и </a:t>
-            </a:r>
-            <a:r>
-              <a:rPr lang="en-US" altLang="ru-RU"/>
-              <a:t>2D </a:t>
-            </a:r>
-            <a:r>
-              <a:rPr lang="ru-RU" altLang="ru-RU"/>
-              <a:t>фигуры</a:t>
-            </a:r>
-            <a:endParaRPr lang="ru-RU" altLang="ru-RU"/>
-          </a:p>
-          <a:p>
-            <a:pPr marL="0" indent="0">
-              <a:buNone/>
-            </a:pPr>
-            <a:r>
-              <a:rPr lang="ru-RU" altLang="ru-RU"/>
-              <a:t>5. Улучшение оформления приложение, цветовой гаммы, инструкции к использованию</a:t>
-            </a:r>
-            <a:endParaRPr lang="ru-RU" altLang="ru-RU"/>
-          </a:p>
-          <a:p>
-            <a:pPr marL="0" indent="0">
-              <a:buNone/>
-            </a:pPr>
-            <a:r>
-              <a:rPr lang="ru-RU" altLang="ru-RU"/>
-              <a:t>6. Добавление поиска по ключевым словам и тегам</a:t>
-            </a:r>
-            <a:endParaRPr lang="ru-RU" altLang="ru-RU"/>
-          </a:p>
-          <a:p>
-            <a:pPr marL="0" indent="0">
-              <a:buNone/>
-            </a:pPr>
-            <a:endParaRPr lang="ru-RU" altLang="ru-RU"/>
-          </a:p>
-        </p:txBody>
-      </p:sp>
-    </p:spTree>
-  </p:cSld>
-  <p:clrMapOvr>
-    <a:masterClrMapping/>
-  </p:clrMapOvr>
-</p:sld>
-</file>
-
-<file path=ppt/slides/slide8.xml><?xml version="1.0" encoding="utf-8"?>
-<p:sld xmlns:a="http://schemas.openxmlformats.org/drawingml/2006/main" xmlns:r="http://schemas.openxmlformats.org/officeDocument/2006/relationships" xmlns:p="http://schemas.openxmlformats.org/presentationml/2006/main">
-  <p:cSld>
-    <p:spTree>
-      <p:nvGrpSpPr>
-        <p:cNvPr id="1" name=""/>
-        <p:cNvGrpSpPr/>
-        <p:nvPr/>
-      </p:nvGrpSpPr>
-      <p:grpSpPr/>
-      <p:sp>
-        <p:nvSpPr>
-          <p:cNvPr id="4" name="Прямоугольник 3"/>
-          <p:cNvSpPr/>
-          <p:nvPr/>
-        </p:nvSpPr>
-        <p:spPr>
-          <a:xfrm>
-            <a:off x="0" y="0"/>
-            <a:ext cx="12191365" cy="6858635"/>
-          </a:xfrm>
-          <a:prstGeom prst="rect">
-            <a:avLst/>
-          </a:prstGeom>
-          <a:gradFill>
-            <a:gsLst>
-              <a:gs pos="0">
-                <a:srgbClr val="007BD3"/>
-              </a:gs>
-              <a:gs pos="100000">
-                <a:srgbClr val="034373"/>
-              </a:gs>
-            </a:gsLst>
-            <a:lin scaled="0"/>
-          </a:gradFill>
-          <a:ln>
-            <a:noFill/>
-            <a:headEnd type="none" w="med" len="med"/>
-            <a:tailEnd type="none" w="med" len="med"/>
-          </a:ln>
-        </p:spPr>
-        <p:style>
-          <a:lnRef idx="2">
-            <a:schemeClr val="accent3"/>
-          </a:lnRef>
-          <a:fillRef idx="1">
-            <a:schemeClr val="lt1"/>
-          </a:fillRef>
-          <a:effectRef idx="0">
-            <a:schemeClr val="accent3"/>
-          </a:effectRef>
-          <a:fontRef idx="minor">
-            <a:schemeClr val="dk1"/>
-          </a:fontRef>
-        </p:style>
-        <p:txBody>
-          <a:bodyPr vert="horz" wrap="none" lIns="91440" tIns="45720" rIns="91440" bIns="45720" numCol="1" anchor="ctr" anchorCtr="0" compatLnSpc="1"/>
-          <a:p>
-            <a:pPr marL="0" marR="0" indent="0" algn="l" defTabSz="914400" rtl="0" eaLnBrk="1" fontAlgn="base" latinLnBrk="0" hangingPunct="1">
-              <a:lnSpc>
-                <a:spcPct val="100000"/>
-              </a:lnSpc>
-              <a:spcBef>
-                <a:spcPct val="0"/>
-              </a:spcBef>
-              <a:spcAft>
-                <a:spcPct val="0"/>
-              </a:spcAft>
-              <a:buClrTx/>
-              <a:buSzTx/>
-              <a:buFontTx/>
-              <a:buNone/>
-            </a:pPr>
-            <a:endParaRPr kumimoji="0" lang="zh-CN" altLang="en-US" sz="1800" b="0" i="0" u="none" strike="noStrike" cap="none" normalizeH="0" baseline="0" smtClean="0">
-              <a:ln>
-                <a:noFill/>
-              </a:ln>
-              <a:solidFill>
-                <a:schemeClr val="tx1"/>
-              </a:solidFill>
-              <a:effectLst/>
-              <a:latin typeface="Arial" panose="020B0604020202020204" pitchFamily="34" charset="0"/>
-              <a:ea typeface="SimSun" panose="02010600030101010101" pitchFamily="2" charset="-122"/>
-            </a:endParaRPr>
-          </a:p>
-        </p:txBody>
-      </p:sp>
-      <p:sp>
-        <p:nvSpPr>
           <p:cNvPr id="2" name="Заголовок 1"/>
           <p:cNvSpPr>
             <a:spLocks noGrp="1"/>
@@ -5773,9 +7813,9 @@
 </file>
 
 <file path=ppt/theme/theme1.xml><?xml version="1.0" encoding="utf-8"?>
-<a:theme xmlns:a="http://schemas.openxmlformats.org/drawingml/2006/main" name="Orange Waves">
+<a:theme xmlns:a="http://schemas.openxmlformats.org/drawingml/2006/main" name="Default Design">
   <a:themeElements>
-    <a:clrScheme name="Orange Waves 13">
+    <a:clrScheme name="">
       <a:dk1>
         <a:srgbClr val="000000"/>
       </a:dk1>
@@ -5786,13 +7826,13 @@
         <a:srgbClr val="000000"/>
       </a:dk2>
       <a:lt2>
-        <a:srgbClr val="969696"/>
+        <a:srgbClr val="808080"/>
       </a:lt2>
       <a:accent1>
-        <a:srgbClr val="C73109"/>
+        <a:srgbClr val="7DB6EF"/>
       </a:accent1>
       <a:accent2>
-        <a:srgbClr val="FF5050"/>
+        <a:srgbClr val="C0504D"/>
       </a:accent2>
       <a:accent3>
         <a:srgbClr val="FFFFFF"/>
@@ -5801,27 +7841,27 @@
         <a:srgbClr val="000000"/>
       </a:accent4>
       <a:accent5>
-        <a:srgbClr val="E0ADAA"/>
+        <a:srgbClr val="C0D7F5"/>
       </a:accent5>
       <a:accent6>
-        <a:srgbClr val="E74848"/>
+        <a:srgbClr val="AC4744"/>
       </a:accent6>
       <a:hlink>
-        <a:srgbClr val="4D4D4D"/>
+        <a:srgbClr val="0066CC"/>
       </a:hlink>
       <a:folHlink>
-        <a:srgbClr val="777777"/>
+        <a:srgbClr val="800080"/>
       </a:folHlink>
     </a:clrScheme>
-    <a:fontScheme name="Orange Waves">
+    <a:fontScheme name="">
       <a:majorFont>
         <a:latin typeface="Arial"/>
-        <a:ea typeface="SimSun"/>
+        <a:ea typeface="Arial"/>
         <a:cs typeface=""/>
       </a:majorFont>
       <a:minorFont>
         <a:latin typeface="Arial"/>
-        <a:ea typeface="SimSun"/>
+        <a:ea typeface="Arial"/>
         <a:cs typeface=""/>
       </a:minorFont>
     </a:fontScheme>
@@ -5963,182 +8003,9 @@
       </a:bgFillStyleLst>
     </a:fmtScheme>
   </a:themeElements>
-  <a:objectDefaults>
-    <a:spDef>
-      <a:spPr bwMode="auto">
-        <a:xfrm>
-          <a:off x="0" y="0"/>
-          <a:ext cx="1" cy="1"/>
-        </a:xfrm>
-        <a:custGeom>
-          <a:avLst/>
-          <a:gdLst/>
-          <a:ahLst/>
-          <a:cxnLst/>
-          <a:rect l="0" t="0" r="0" b="0"/>
-          <a:pathLst/>
-        </a:custGeom>
-        <a:gradFill rotWithShape="0">
-          <a:gsLst>
-            <a:gs pos="0">
-              <a:schemeClr val="accent1"/>
-            </a:gs>
-            <a:gs pos="100000">
-              <a:schemeClr val="accent2"/>
-            </a:gs>
-          </a:gsLst>
-          <a:lin ang="5400000" scaled="1"/>
-        </a:gradFill>
-        <a:ln w="9525" cap="flat" cmpd="sng" algn="ctr">
-          <a:solidFill>
-            <a:schemeClr val="accent1"/>
-          </a:solidFill>
-          <a:prstDash val="solid"/>
-          <a:round/>
-          <a:headEnd type="none" w="med" len="med"/>
-          <a:tailEnd type="none" w="med" len="med"/>
-        </a:ln>
-      </a:spPr>
-      <a:bodyPr vert="horz" wrap="none" lIns="91440" tIns="45720" rIns="91440" bIns="45720" numCol="1" anchor="ctr" anchorCtr="0" compatLnSpc="1"/>
-      <a:lstStyle>
-        <a:defPPr marL="0" marR="0" indent="0" algn="l" defTabSz="914400" rtl="0" eaLnBrk="1" fontAlgn="base" latinLnBrk="0" hangingPunct="1">
-          <a:lnSpc>
-            <a:spcPct val="100000"/>
-          </a:lnSpc>
-          <a:spcBef>
-            <a:spcPct val="0"/>
-          </a:spcBef>
-          <a:spcAft>
-            <a:spcPct val="0"/>
-          </a:spcAft>
-          <a:buClrTx/>
-          <a:buSzTx/>
-          <a:buFontTx/>
-          <a:buNone/>
-          <a:defRPr kumimoji="0" lang="zh-CN" altLang="en-US" sz="1800" b="0" i="0" u="none" strike="noStrike" cap="none" normalizeH="0" baseline="0" smtClean="0">
-            <a:ln>
-              <a:noFill/>
-            </a:ln>
-            <a:solidFill>
-              <a:schemeClr val="tx1"/>
-            </a:solidFill>
-            <a:effectLst/>
-            <a:latin typeface="Arial" panose="020B0604020202020204" pitchFamily="34" charset="0"/>
-            <a:ea typeface="SimSun" panose="02010600030101010101" pitchFamily="2" charset="-122"/>
-          </a:defRPr>
-        </a:defPPr>
-      </a:lstStyle>
-    </a:spDef>
-    <a:lnDef>
-      <a:spPr bwMode="auto">
-        <a:xfrm>
-          <a:off x="0" y="0"/>
-          <a:ext cx="1" cy="1"/>
-        </a:xfrm>
-        <a:custGeom>
-          <a:avLst/>
-          <a:gdLst/>
-          <a:ahLst/>
-          <a:cxnLst/>
-          <a:rect l="0" t="0" r="0" b="0"/>
-          <a:pathLst/>
-        </a:custGeom>
-        <a:gradFill rotWithShape="0">
-          <a:gsLst>
-            <a:gs pos="0">
-              <a:schemeClr val="accent1"/>
-            </a:gs>
-            <a:gs pos="100000">
-              <a:schemeClr val="accent2"/>
-            </a:gs>
-          </a:gsLst>
-          <a:lin ang="5400000" scaled="1"/>
-        </a:gradFill>
-        <a:ln w="9525" cap="flat" cmpd="sng" algn="ctr">
-          <a:solidFill>
-            <a:schemeClr val="accent1"/>
-          </a:solidFill>
-          <a:prstDash val="solid"/>
-          <a:round/>
-          <a:headEnd type="none" w="med" len="med"/>
-          <a:tailEnd type="none" w="med" len="med"/>
-        </a:ln>
-      </a:spPr>
-      <a:bodyPr vert="horz" wrap="none" lIns="91440" tIns="45720" rIns="91440" bIns="45720" numCol="1" anchor="ctr" anchorCtr="0" compatLnSpc="1"/>
-      <a:lstStyle>
-        <a:defPPr marL="0" marR="0" indent="0" algn="l" defTabSz="914400" rtl="0" eaLnBrk="1" fontAlgn="base" latinLnBrk="0" hangingPunct="1">
-          <a:lnSpc>
-            <a:spcPct val="100000"/>
-          </a:lnSpc>
-          <a:spcBef>
-            <a:spcPct val="0"/>
-          </a:spcBef>
-          <a:spcAft>
-            <a:spcPct val="0"/>
-          </a:spcAft>
-          <a:buClrTx/>
-          <a:buSzTx/>
-          <a:buFontTx/>
-          <a:buNone/>
-          <a:defRPr kumimoji="0" lang="zh-CN" altLang="en-US" sz="1800" b="0" i="0" u="none" strike="noStrike" cap="none" normalizeH="0" baseline="0" smtClean="0">
-            <a:ln>
-              <a:noFill/>
-            </a:ln>
-            <a:solidFill>
-              <a:schemeClr val="tx1"/>
-            </a:solidFill>
-            <a:effectLst/>
-            <a:latin typeface="Arial" panose="020B0604020202020204" pitchFamily="34" charset="0"/>
-            <a:ea typeface="SimSun" panose="02010600030101010101" pitchFamily="2" charset="-122"/>
-          </a:defRPr>
-        </a:defPPr>
-      </a:lstStyle>
-    </a:lnDef>
-  </a:objectDefaults>
   <a:extraClrSchemeLst>
     <a:extraClrScheme>
-      <a:clrScheme name="Orange Waves 1">
-        <a:dk1>
-          <a:srgbClr val="000000"/>
-        </a:dk1>
-        <a:lt1>
-          <a:srgbClr val="FFFFFF"/>
-        </a:lt1>
-        <a:dk2>
-          <a:srgbClr val="000000"/>
-        </a:dk2>
-        <a:lt2>
-          <a:srgbClr val="808080"/>
-        </a:lt2>
-        <a:accent1>
-          <a:srgbClr val="BBE0E3"/>
-        </a:accent1>
-        <a:accent2>
-          <a:srgbClr val="333399"/>
-        </a:accent2>
-        <a:accent3>
-          <a:srgbClr val="FFFFFF"/>
-        </a:accent3>
-        <a:accent4>
-          <a:srgbClr val="000000"/>
-        </a:accent4>
-        <a:accent5>
-          <a:srgbClr val="DAEDEF"/>
-        </a:accent5>
-        <a:accent6>
-          <a:srgbClr val="2D2D8A"/>
-        </a:accent6>
-        <a:hlink>
-          <a:srgbClr val="009999"/>
-        </a:hlink>
-        <a:folHlink>
-          <a:srgbClr val="99CC00"/>
-        </a:folHlink>
-      </a:clrScheme>
-      <a:clrMap bg1="lt1" tx1="dk1" bg2="lt2" tx2="dk2" accent1="accent1" accent2="accent2" accent3="accent3" accent4="accent4" accent5="accent5" accent6="accent6" hlink="hlink" folHlink="folHlink"/>
-    </a:extraClrScheme>
-    <a:extraClrScheme>
-      <a:clrScheme name="Orange Waves 2">
+      <a:clrScheme name="">
         <a:dk1>
           <a:srgbClr val="000000"/>
         </a:dk1>
@@ -6164,10 +8031,10 @@
           <a:srgbClr val="000000"/>
         </a:accent4>
         <a:accent5>
-          <a:srgbClr val="FDECB3"/>
+          <a:srgbClr val="FDECB4"/>
         </a:accent5>
         <a:accent6>
-          <a:srgbClr val="E78A5C"/>
+          <a:srgbClr val="E5895B"/>
         </a:accent6>
         <a:hlink>
           <a:srgbClr val="CC3300"/>
@@ -6179,7 +8046,7 @@
       <a:clrMap bg1="lt1" tx1="dk1" bg2="lt2" tx2="dk2" accent1="accent1" accent2="accent2" accent3="accent3" accent4="accent4" accent5="accent5" accent6="accent6" hlink="hlink" folHlink="folHlink"/>
     </a:extraClrScheme>
     <a:extraClrScheme>
-      <a:clrScheme name="Orange Waves 3">
+      <a:clrScheme name="">
         <a:dk1>
           <a:srgbClr val="000000"/>
         </a:dk1>
@@ -6208,7 +8075,7 @@
           <a:srgbClr val="CAE2FF"/>
         </a:accent5>
         <a:accent6>
-          <a:srgbClr val="B9B9E7"/>
+          <a:srgbClr val="B7B7E5"/>
         </a:accent6>
         <a:hlink>
           <a:srgbClr val="3333CC"/>
@@ -6220,7 +8087,7 @@
       <a:clrMap bg1="lt1" tx1="dk1" bg2="lt2" tx2="dk2" accent1="accent1" accent2="accent2" accent3="accent3" accent4="accent4" accent5="accent5" accent6="accent6" hlink="hlink" folHlink="folHlink"/>
     </a:extraClrScheme>
     <a:extraClrScheme>
-      <a:clrScheme name="Orange Waves 4">
+      <a:clrScheme name="">
         <a:dk1>
           <a:srgbClr val="000000"/>
         </a:dk1>
@@ -6240,7 +8107,7 @@
           <a:srgbClr val="8DC6FF"/>
         </a:accent2>
         <a:accent3>
-          <a:srgbClr val="ECFAF7"/>
+          <a:srgbClr val="EBFAF7"/>
         </a:accent3>
         <a:accent4>
           <a:srgbClr val="000000"/>
@@ -6249,7 +8116,7 @@
           <a:srgbClr val="FFFFFF"/>
         </a:accent5>
         <a:accent6>
-          <a:srgbClr val="7FB3E7"/>
+          <a:srgbClr val="7EB1E5"/>
         </a:accent6>
         <a:hlink>
           <a:srgbClr val="0066CC"/>
@@ -6261,7 +8128,7 @@
       <a:clrMap bg1="lt1" tx1="dk1" bg2="lt2" tx2="dk2" accent1="accent1" accent2="accent2" accent3="accent3" accent4="accent4" accent5="accent5" accent6="accent6" hlink="hlink" folHlink="folHlink"/>
     </a:extraClrScheme>
     <a:extraClrScheme>
-      <a:clrScheme name="Orange Waves 5">
+      <a:clrScheme name="">
         <a:dk1>
           <a:srgbClr val="000000"/>
         </a:dk1>
@@ -6290,7 +8157,7 @@
           <a:srgbClr val="FFFFFA"/>
         </a:accent5>
         <a:accent6>
-          <a:srgbClr val="2DB9B9"/>
+          <a:srgbClr val="2DB7B7"/>
         </a:accent6>
         <a:hlink>
           <a:srgbClr val="FF5050"/>
@@ -6302,18 +8169,18 @@
       <a:clrMap bg1="lt1" tx1="dk1" bg2="lt2" tx2="dk2" accent1="accent1" accent2="accent2" accent3="accent3" accent4="accent4" accent5="accent5" accent6="accent6" hlink="hlink" folHlink="folHlink"/>
     </a:extraClrScheme>
     <a:extraClrScheme>
-      <a:clrScheme name="Orange Waves 6">
+      <a:clrScheme name="">
         <a:dk1>
-          <a:srgbClr val="005A58"/>
+          <a:srgbClr val="FFFFFF"/>
         </a:dk1>
         <a:lt1>
-          <a:srgbClr val="FFFFFF"/>
+          <a:srgbClr val="008080"/>
         </a:lt1>
         <a:dk2>
-          <a:srgbClr val="008080"/>
+          <a:srgbClr val="FFFF99"/>
         </a:dk2>
         <a:lt2>
-          <a:srgbClr val="FFFF99"/>
+          <a:srgbClr val="005A58"/>
         </a:lt2>
         <a:accent1>
           <a:srgbClr val="006462"/>
@@ -6322,16 +8189,16 @@
           <a:srgbClr val="6D6FC7"/>
         </a:accent2>
         <a:accent3>
-          <a:srgbClr val="AAC0C0"/>
+          <a:srgbClr val="AAC1C1"/>
         </a:accent3>
         <a:accent4>
-          <a:srgbClr val="DADADA"/>
+          <a:srgbClr val="DCDCDC"/>
         </a:accent4>
         <a:accent5>
-          <a:srgbClr val="AAB8B7"/>
+          <a:srgbClr val="AAB8B8"/>
         </a:accent5>
         <a:accent6>
-          <a:srgbClr val="6264B4"/>
+          <a:srgbClr val="6163B2"/>
         </a:accent6>
         <a:hlink>
           <a:srgbClr val="00FFFF"/>
@@ -6340,21 +8207,21 @@
           <a:srgbClr val="00FF00"/>
         </a:folHlink>
       </a:clrScheme>
-      <a:clrMap bg1="dk2" tx1="lt1" bg2="dk1" tx2="lt2" accent1="accent1" accent2="accent2" accent3="accent3" accent4="accent4" accent5="accent5" accent6="accent6" hlink="hlink" folHlink="folHlink"/>
+      <a:clrMap bg1="lt1" tx1="dk1" bg2="lt2" tx2="dk2" accent1="accent1" accent2="accent2" accent3="accent3" accent4="accent4" accent5="accent5" accent6="accent6" hlink="hlink" folHlink="folHlink"/>
     </a:extraClrScheme>
     <a:extraClrScheme>
-      <a:clrScheme name="Orange Waves 7">
+      <a:clrScheme name="">
         <a:dk1>
-          <a:srgbClr val="5C1F00"/>
+          <a:srgbClr val="FFFFFF"/>
         </a:dk1>
         <a:lt1>
-          <a:srgbClr val="FFFFFF"/>
+          <a:srgbClr val="800000"/>
         </a:lt1>
         <a:dk2>
-          <a:srgbClr val="800000"/>
+          <a:srgbClr val="DFD293"/>
         </a:dk2>
         <a:lt2>
-          <a:srgbClr val="DFD293"/>
+          <a:srgbClr val="5C1F00"/>
         </a:lt2>
         <a:accent1>
           <a:srgbClr val="CC3300"/>
@@ -6363,16 +8230,16 @@
           <a:srgbClr val="BE7960"/>
         </a:accent2>
         <a:accent3>
-          <a:srgbClr val="C0AAAA"/>
+          <a:srgbClr val="C1AAAA"/>
         </a:accent3>
         <a:accent4>
-          <a:srgbClr val="DADADA"/>
+          <a:srgbClr val="DCDCDC"/>
         </a:accent4>
         <a:accent5>
           <a:srgbClr val="E2ADAA"/>
         </a:accent5>
         <a:accent6>
-          <a:srgbClr val="AC6D56"/>
+          <a:srgbClr val="AA6C55"/>
         </a:accent6>
         <a:hlink>
           <a:srgbClr val="FFFF99"/>
@@ -6381,21 +8248,21 @@
           <a:srgbClr val="D3A219"/>
         </a:folHlink>
       </a:clrScheme>
-      <a:clrMap bg1="dk2" tx1="lt1" bg2="dk1" tx2="lt2" accent1="accent1" accent2="accent2" accent3="accent3" accent4="accent4" accent5="accent5" accent6="accent6" hlink="hlink" folHlink="folHlink"/>
+      <a:clrMap bg1="lt1" tx1="dk1" bg2="lt2" tx2="dk2" accent1="accent1" accent2="accent2" accent3="accent3" accent4="accent4" accent5="accent5" accent6="accent6" hlink="hlink" folHlink="folHlink"/>
     </a:extraClrScheme>
     <a:extraClrScheme>
-      <a:clrScheme name="Orange Waves 8">
+      <a:clrScheme name="">
         <a:dk1>
-          <a:srgbClr val="003366"/>
+          <a:srgbClr val="FFFFFF"/>
         </a:dk1>
         <a:lt1>
-          <a:srgbClr val="FFFFFF"/>
+          <a:srgbClr val="000099"/>
         </a:lt1>
         <a:dk2>
-          <a:srgbClr val="000099"/>
+          <a:srgbClr val="CCFFFF"/>
         </a:dk2>
         <a:lt2>
-          <a:srgbClr val="CCFFFF"/>
+          <a:srgbClr val="003366"/>
         </a:lt2>
         <a:accent1>
           <a:srgbClr val="3366CC"/>
@@ -6407,13 +8274,13 @@
           <a:srgbClr val="AAAACA"/>
         </a:accent3>
         <a:accent4>
-          <a:srgbClr val="DADADA"/>
+          <a:srgbClr val="DCDCDC"/>
         </a:accent4>
         <a:accent5>
-          <a:srgbClr val="ADB8E2"/>
+          <a:srgbClr val="ADB9E2"/>
         </a:accent5>
         <a:accent6>
-          <a:srgbClr val="009F00"/>
+          <a:srgbClr val="009D00"/>
         </a:accent6>
         <a:hlink>
           <a:srgbClr val="66CCFF"/>
@@ -6422,21 +8289,21 @@
           <a:srgbClr val="FFE701"/>
         </a:folHlink>
       </a:clrScheme>
-      <a:clrMap bg1="dk2" tx1="lt1" bg2="dk1" tx2="lt2" accent1="accent1" accent2="accent2" accent3="accent3" accent4="accent4" accent5="accent5" accent6="accent6" hlink="hlink" folHlink="folHlink"/>
+      <a:clrMap bg1="lt1" tx1="dk1" bg2="lt2" tx2="dk2" accent1="accent1" accent2="accent2" accent3="accent3" accent4="accent4" accent5="accent5" accent6="accent6" hlink="hlink" folHlink="folHlink"/>
     </a:extraClrScheme>
     <a:extraClrScheme>
-      <a:clrScheme name="Orange Waves 9">
+      <a:clrScheme name="">
         <a:dk1>
-          <a:srgbClr val="336699"/>
+          <a:srgbClr val="FFFFFF"/>
         </a:dk1>
         <a:lt1>
-          <a:srgbClr val="FFFFFF"/>
+          <a:srgbClr val="000000"/>
         </a:lt1>
         <a:dk2>
-          <a:srgbClr val="000000"/>
+          <a:srgbClr val="E3EBF1"/>
         </a:dk2>
         <a:lt2>
-          <a:srgbClr val="E3EBF1"/>
+          <a:srgbClr val="336699"/>
         </a:lt2>
         <a:accent1>
           <a:srgbClr val="003399"/>
@@ -6448,13 +8315,13 @@
           <a:srgbClr val="AAAAAA"/>
         </a:accent3>
         <a:accent4>
-          <a:srgbClr val="DADADA"/>
+          <a:srgbClr val="DCDCDC"/>
         </a:accent4>
         <a:accent5>
           <a:srgbClr val="AAADCA"/>
         </a:accent5>
         <a:accent6>
-          <a:srgbClr val="3F7D43"/>
+          <a:srgbClr val="3E7B43"/>
         </a:accent6>
         <a:hlink>
           <a:srgbClr val="66CCFF"/>
@@ -6463,21 +8330,21 @@
           <a:srgbClr val="F0E500"/>
         </a:folHlink>
       </a:clrScheme>
-      <a:clrMap bg1="dk2" tx1="lt1" bg2="dk1" tx2="lt2" accent1="accent1" accent2="accent2" accent3="accent3" accent4="accent4" accent5="accent5" accent6="accent6" hlink="hlink" folHlink="folHlink"/>
+      <a:clrMap bg1="lt1" tx1="dk1" bg2="lt2" tx2="dk2" accent1="accent1" accent2="accent2" accent3="accent3" accent4="accent4" accent5="accent5" accent6="accent6" hlink="hlink" folHlink="folHlink"/>
     </a:extraClrScheme>
     <a:extraClrScheme>
-      <a:clrScheme name="Orange Waves 10">
+      <a:clrScheme name="">
         <a:dk1>
-          <a:srgbClr val="777777"/>
+          <a:srgbClr val="FFFFFF"/>
         </a:dk1>
         <a:lt1>
-          <a:srgbClr val="FFFFFF"/>
+          <a:srgbClr val="686B5D"/>
         </a:lt1>
         <a:dk2>
-          <a:srgbClr val="686B5D"/>
+          <a:srgbClr val="D1D1CB"/>
         </a:dk2>
         <a:lt2>
-          <a:srgbClr val="D1D1CB"/>
+          <a:srgbClr val="777777"/>
         </a:lt2>
         <a:accent1>
           <a:srgbClr val="909082"/>
@@ -6489,13 +8356,13 @@
           <a:srgbClr val="B9BAB6"/>
         </a:accent3>
         <a:accent4>
-          <a:srgbClr val="DADADA"/>
+          <a:srgbClr val="DCDCDC"/>
         </a:accent4>
         <a:accent5>
-          <a:srgbClr val="C6C6C1"/>
+          <a:srgbClr val="C7C7C1"/>
         </a:accent5>
         <a:accent6>
-          <a:srgbClr val="738F98"/>
+          <a:srgbClr val="728D96"/>
         </a:accent6>
         <a:hlink>
           <a:srgbClr val="FFCC66"/>
@@ -6504,21 +8371,21 @@
           <a:srgbClr val="E9DCB9"/>
         </a:folHlink>
       </a:clrScheme>
-      <a:clrMap bg1="dk2" tx1="lt1" bg2="dk1" tx2="lt2" accent1="accent1" accent2="accent2" accent3="accent3" accent4="accent4" accent5="accent5" accent6="accent6" hlink="hlink" folHlink="folHlink"/>
+      <a:clrMap bg1="lt1" tx1="dk1" bg2="lt2" tx2="dk2" accent1="accent1" accent2="accent2" accent3="accent3" accent4="accent4" accent5="accent5" accent6="accent6" hlink="hlink" folHlink="folHlink"/>
     </a:extraClrScheme>
     <a:extraClrScheme>
-      <a:clrScheme name="Orange Waves 11">
+      <a:clrScheme name="">
         <a:dk1>
-          <a:srgbClr val="3E3E5C"/>
+          <a:srgbClr val="FFFFFF"/>
         </a:dk1>
         <a:lt1>
-          <a:srgbClr val="FFFFFF"/>
+          <a:srgbClr val="666699"/>
         </a:lt1>
         <a:dk2>
-          <a:srgbClr val="666699"/>
+          <a:srgbClr val="FFFFFF"/>
         </a:dk2>
         <a:lt2>
-          <a:srgbClr val="FFFFFF"/>
+          <a:srgbClr val="3E3E5C"/>
         </a:lt2>
         <a:accent1>
           <a:srgbClr val="60597B"/>
@@ -6527,16 +8394,16 @@
           <a:srgbClr val="6666FF"/>
         </a:accent2>
         <a:accent3>
-          <a:srgbClr val="B8B8CA"/>
+          <a:srgbClr val="B9B9CA"/>
         </a:accent3>
         <a:accent4>
-          <a:srgbClr val="DADADA"/>
+          <a:srgbClr val="DCDCDC"/>
         </a:accent4>
         <a:accent5>
-          <a:srgbClr val="B6B5BF"/>
+          <a:srgbClr val="B7B5BF"/>
         </a:accent5>
         <a:accent6>
-          <a:srgbClr val="5C5CE7"/>
+          <a:srgbClr val="5B5BE5"/>
         </a:accent6>
         <a:hlink>
           <a:srgbClr val="99CCFF"/>
@@ -6545,21 +8412,21 @@
           <a:srgbClr val="FFFF99"/>
         </a:folHlink>
       </a:clrScheme>
-      <a:clrMap bg1="dk2" tx1="lt1" bg2="dk1" tx2="lt2" accent1="accent1" accent2="accent2" accent3="accent3" accent4="accent4" accent5="accent5" accent6="accent6" hlink="hlink" folHlink="folHlink"/>
+      <a:clrMap bg1="lt1" tx1="dk1" bg2="lt2" tx2="dk2" accent1="accent1" accent2="accent2" accent3="accent3" accent4="accent4" accent5="accent5" accent6="accent6" hlink="hlink" folHlink="folHlink"/>
     </a:extraClrScheme>
     <a:extraClrScheme>
-      <a:clrScheme name="Orange Waves 12">
+      <a:clrScheme name="">
         <a:dk1>
-          <a:srgbClr val="2D2015"/>
+          <a:srgbClr val="FFFFFF"/>
         </a:dk1>
         <a:lt1>
-          <a:srgbClr val="FFFFFF"/>
+          <a:srgbClr val="523E26"/>
         </a:lt1>
         <a:dk2>
-          <a:srgbClr val="523E26"/>
+          <a:srgbClr val="DFC08D"/>
         </a:dk2>
         <a:lt2>
-          <a:srgbClr val="DFC08D"/>
+          <a:srgbClr val="2D2015"/>
         </a:lt2>
         <a:accent1>
           <a:srgbClr val="8C7B70"/>
@@ -6568,16 +8435,16 @@
           <a:srgbClr val="8F5F2F"/>
         </a:accent2>
         <a:accent3>
-          <a:srgbClr val="B3AFAC"/>
+          <a:srgbClr val="B3AFAB"/>
         </a:accent3>
         <a:accent4>
-          <a:srgbClr val="DADADA"/>
+          <a:srgbClr val="DCDCDC"/>
         </a:accent4>
         <a:accent5>
-          <a:srgbClr val="C5BFBB"/>
+          <a:srgbClr val="C5BFBC"/>
         </a:accent5>
         <a:accent6>
-          <a:srgbClr val="81552A"/>
+          <a:srgbClr val="805529"/>
         </a:accent6>
         <a:hlink>
           <a:srgbClr val="CCB400"/>
@@ -6586,10 +8453,10 @@
           <a:srgbClr val="8C9EA0"/>
         </a:folHlink>
       </a:clrScheme>
-      <a:clrMap bg1="dk2" tx1="lt1" bg2="dk1" tx2="lt2" accent1="accent1" accent2="accent2" accent3="accent3" accent4="accent4" accent5="accent5" accent6="accent6" hlink="hlink" folHlink="folHlink"/>
+      <a:clrMap bg1="lt1" tx1="dk1" bg2="lt2" tx2="dk2" accent1="accent1" accent2="accent2" accent3="accent3" accent4="accent4" accent5="accent5" accent6="accent6" hlink="hlink" folHlink="folHlink"/>
     </a:extraClrScheme>
     <a:extraClrScheme>
-      <a:clrScheme name="Orange Waves 13">
+      <a:clrScheme name="">
         <a:dk1>
           <a:srgbClr val="000000"/>
         </a:dk1>
@@ -6600,13 +8467,13 @@
           <a:srgbClr val="000000"/>
         </a:dk2>
         <a:lt2>
-          <a:srgbClr val="969696"/>
+          <a:srgbClr val="808080"/>
         </a:lt2>
         <a:accent1>
-          <a:srgbClr val="C73109"/>
+          <a:srgbClr val="7DB6EF"/>
         </a:accent1>
         <a:accent2>
-          <a:srgbClr val="FF5050"/>
+          <a:srgbClr val="C0504D"/>
         </a:accent2>
         <a:accent3>
           <a:srgbClr val="FFFFFF"/>
@@ -6615,16 +8482,16 @@
           <a:srgbClr val="000000"/>
         </a:accent4>
         <a:accent5>
-          <a:srgbClr val="E0ADAA"/>
+          <a:srgbClr val="C0D7F5"/>
         </a:accent5>
         <a:accent6>
-          <a:srgbClr val="E74848"/>
+          <a:srgbClr val="AC4744"/>
         </a:accent6>
         <a:hlink>
-          <a:srgbClr val="4D4D4D"/>
+          <a:srgbClr val="0066CC"/>
         </a:hlink>
         <a:folHlink>
-          <a:srgbClr val="777777"/>
+          <a:srgbClr val="800080"/>
         </a:folHlink>
       </a:clrScheme>
       <a:clrMap bg1="lt1" tx1="dk1" bg2="lt2" tx2="dk2" accent1="accent1" accent2="accent2" accent3="accent3" accent4="accent4" accent5="accent5" accent6="accent6" hlink="hlink" folHlink="folHlink"/>
